--- a/thesis/presentations/thesis_presentation.pptx
+++ b/thesis/presentations/thesis_presentation.pptx
@@ -24,7 +24,9 @@
     <p:sldId id="273" r:id="rId18"/>
     <p:sldId id="274" r:id="rId19"/>
     <p:sldId id="275" r:id="rId20"/>
-    <p:sldId id="276" r:id="rId21"/>
+    <p:sldId id="277" r:id="rId21"/>
+    <p:sldId id="278" r:id="rId22"/>
+    <p:sldId id="276" r:id="rId23"/>
   </p:sldIdLst>
   <p:sldSz cx="12192000" cy="6858000"/>
   <p:notesSz cx="6858000" cy="9144000"/>
@@ -280,7 +282,7 @@
           <a:p>
             <a:fld id="{6C4AB127-1229-4CE3-9B38-153899BC45CE}" type="datetimeFigureOut">
               <a:rPr lang="en-AT" smtClean="0"/>
-              <a:t>10/04/2021</a:t>
+              <a:t>12/04/2021</a:t>
             </a:fld>
             <a:endParaRPr lang="en-AT"/>
           </a:p>
@@ -480,7 +482,7 @@
           <a:p>
             <a:fld id="{6C4AB127-1229-4CE3-9B38-153899BC45CE}" type="datetimeFigureOut">
               <a:rPr lang="en-AT" smtClean="0"/>
-              <a:t>10/04/2021</a:t>
+              <a:t>12/04/2021</a:t>
             </a:fld>
             <a:endParaRPr lang="en-AT"/>
           </a:p>
@@ -690,7 +692,7 @@
           <a:p>
             <a:fld id="{6C4AB127-1229-4CE3-9B38-153899BC45CE}" type="datetimeFigureOut">
               <a:rPr lang="en-AT" smtClean="0"/>
-              <a:t>10/04/2021</a:t>
+              <a:t>12/04/2021</a:t>
             </a:fld>
             <a:endParaRPr lang="en-AT"/>
           </a:p>
@@ -890,7 +892,7 @@
           <a:p>
             <a:fld id="{6C4AB127-1229-4CE3-9B38-153899BC45CE}" type="datetimeFigureOut">
               <a:rPr lang="en-AT" smtClean="0"/>
-              <a:t>10/04/2021</a:t>
+              <a:t>12/04/2021</a:t>
             </a:fld>
             <a:endParaRPr lang="en-AT"/>
           </a:p>
@@ -1166,7 +1168,7 @@
           <a:p>
             <a:fld id="{6C4AB127-1229-4CE3-9B38-153899BC45CE}" type="datetimeFigureOut">
               <a:rPr lang="en-AT" smtClean="0"/>
-              <a:t>10/04/2021</a:t>
+              <a:t>12/04/2021</a:t>
             </a:fld>
             <a:endParaRPr lang="en-AT"/>
           </a:p>
@@ -1434,7 +1436,7 @@
           <a:p>
             <a:fld id="{6C4AB127-1229-4CE3-9B38-153899BC45CE}" type="datetimeFigureOut">
               <a:rPr lang="en-AT" smtClean="0"/>
-              <a:t>10/04/2021</a:t>
+              <a:t>12/04/2021</a:t>
             </a:fld>
             <a:endParaRPr lang="en-AT"/>
           </a:p>
@@ -1849,7 +1851,7 @@
           <a:p>
             <a:fld id="{6C4AB127-1229-4CE3-9B38-153899BC45CE}" type="datetimeFigureOut">
               <a:rPr lang="en-AT" smtClean="0"/>
-              <a:t>10/04/2021</a:t>
+              <a:t>12/04/2021</a:t>
             </a:fld>
             <a:endParaRPr lang="en-AT"/>
           </a:p>
@@ -1991,7 +1993,7 @@
           <a:p>
             <a:fld id="{6C4AB127-1229-4CE3-9B38-153899BC45CE}" type="datetimeFigureOut">
               <a:rPr lang="en-AT" smtClean="0"/>
-              <a:t>10/04/2021</a:t>
+              <a:t>12/04/2021</a:t>
             </a:fld>
             <a:endParaRPr lang="en-AT"/>
           </a:p>
@@ -2104,7 +2106,7 @@
           <a:p>
             <a:fld id="{6C4AB127-1229-4CE3-9B38-153899BC45CE}" type="datetimeFigureOut">
               <a:rPr lang="en-AT" smtClean="0"/>
-              <a:t>10/04/2021</a:t>
+              <a:t>12/04/2021</a:t>
             </a:fld>
             <a:endParaRPr lang="en-AT"/>
           </a:p>
@@ -2417,7 +2419,7 @@
           <a:p>
             <a:fld id="{6C4AB127-1229-4CE3-9B38-153899BC45CE}" type="datetimeFigureOut">
               <a:rPr lang="en-AT" smtClean="0"/>
-              <a:t>10/04/2021</a:t>
+              <a:t>12/04/2021</a:t>
             </a:fld>
             <a:endParaRPr lang="en-AT"/>
           </a:p>
@@ -2706,7 +2708,7 @@
           <a:p>
             <a:fld id="{6C4AB127-1229-4CE3-9B38-153899BC45CE}" type="datetimeFigureOut">
               <a:rPr lang="en-AT" smtClean="0"/>
-              <a:t>10/04/2021</a:t>
+              <a:t>12/04/2021</a:t>
             </a:fld>
             <a:endParaRPr lang="en-AT"/>
           </a:p>
@@ -2949,7 +2951,7 @@
           <a:p>
             <a:fld id="{6C4AB127-1229-4CE3-9B38-153899BC45CE}" type="datetimeFigureOut">
               <a:rPr lang="en-AT" smtClean="0"/>
-              <a:t>10/04/2021</a:t>
+              <a:t>12/04/2021</a:t>
             </a:fld>
             <a:endParaRPr lang="en-AT"/>
           </a:p>
@@ -5114,7 +5116,7 @@
                     <a:p>
                       <a:pPr algn="r" fontAlgn="b"/>
                       <a:r>
-                        <a:rPr lang="en-AT" sz="1000" b="0" u="none" strike="noStrike">
+                        <a:rPr lang="en-AT" sz="1000" b="0" u="none" strike="noStrike" dirty="0">
                           <a:solidFill>
                             <a:schemeClr val="tx1"/>
                           </a:solidFill>
@@ -5122,7 +5124,7 @@
                         </a:rPr>
                         <a:t>17409</a:t>
                       </a:r>
-                      <a:endParaRPr lang="en-AT" sz="1000" b="0" i="0" u="none" strike="noStrike">
+                      <a:endParaRPr lang="en-AT" sz="1000" b="0" i="0" u="none" strike="noStrike" dirty="0">
                         <a:solidFill>
                           <a:schemeClr val="tx1"/>
                         </a:solidFill>
@@ -5177,7 +5179,7 @@
                     <a:p>
                       <a:pPr algn="l" fontAlgn="b"/>
                       <a:r>
-                        <a:rPr lang="en-AT" sz="1000" b="0" u="none" strike="noStrike">
+                        <a:rPr lang="en-AT" sz="1000" b="0" u="none" strike="noStrike" dirty="0">
                           <a:solidFill>
                             <a:schemeClr val="tx1"/>
                           </a:solidFill>
@@ -5185,7 +5187,7 @@
                         </a:rPr>
                         <a:t>5956.370 ± 1220.646</a:t>
                       </a:r>
-                      <a:endParaRPr lang="en-AT" sz="1000" b="0" i="0" u="none" strike="noStrike">
+                      <a:endParaRPr lang="en-AT" sz="1000" b="0" i="0" u="none" strike="noStrike" dirty="0">
                         <a:solidFill>
                           <a:schemeClr val="tx1"/>
                         </a:solidFill>
@@ -5499,7 +5501,7 @@
                     <a:p>
                       <a:pPr algn="r" fontAlgn="b"/>
                       <a:r>
-                        <a:rPr lang="en-AT" sz="1000" b="0" u="none" strike="noStrike">
+                        <a:rPr lang="en-AT" sz="1000" b="0" u="none" strike="noStrike" dirty="0">
                           <a:solidFill>
                             <a:schemeClr val="tx1"/>
                           </a:solidFill>
@@ -5507,7 +5509,7 @@
                         </a:rPr>
                         <a:t>2929</a:t>
                       </a:r>
-                      <a:endParaRPr lang="en-AT" sz="1000" b="0" i="0" u="none" strike="noStrike">
+                      <a:endParaRPr lang="en-AT" sz="1000" b="0" i="0" u="none" strike="noStrike" dirty="0">
                         <a:solidFill>
                           <a:schemeClr val="tx1"/>
                         </a:solidFill>
@@ -5868,7 +5870,7 @@
           <p:nvPr>
             <p:extLst>
               <p:ext uri="{D42A27DB-BD31-4B8C-83A1-F6EECF244321}">
-                <p14:modId xmlns:p14="http://schemas.microsoft.com/office/powerpoint/2010/main" val="1755710742"/>
+                <p14:modId xmlns:p14="http://schemas.microsoft.com/office/powerpoint/2010/main" val="1225078287"/>
               </p:ext>
             </p:extLst>
           </p:nvPr>
@@ -6524,7 +6526,7 @@
                     <a:p>
                       <a:pPr algn="l" fontAlgn="b"/>
                       <a:r>
-                        <a:rPr lang="en-AT" sz="1000" b="0" u="none" strike="noStrike">
+                        <a:rPr lang="en-AT" sz="1000" b="0" u="none" strike="noStrike" dirty="0">
                           <a:solidFill>
                             <a:schemeClr val="tx1"/>
                           </a:solidFill>
@@ -6532,7 +6534,7 @@
                         </a:rPr>
                         <a:t>3576.441 ± 293.414</a:t>
                       </a:r>
-                      <a:endParaRPr lang="en-AT" sz="1000" b="0" i="0" u="none" strike="noStrike">
+                      <a:endParaRPr lang="en-AT" sz="1000" b="0" i="0" u="none" strike="noStrike" dirty="0">
                         <a:solidFill>
                           <a:schemeClr val="tx1"/>
                         </a:solidFill>
@@ -6713,7 +6715,7 @@
                     <a:p>
                       <a:pPr algn="l" fontAlgn="b"/>
                       <a:r>
-                        <a:rPr lang="en-AT" sz="1000" b="0" u="none" strike="noStrike">
+                        <a:rPr lang="en-AT" sz="1000" b="0" u="none" strike="noStrike" dirty="0">
                           <a:solidFill>
                             <a:schemeClr val="tx1"/>
                           </a:solidFill>
@@ -6721,7 +6723,7 @@
                         </a:rPr>
                         <a:t>0.000 ± 0.000</a:t>
                       </a:r>
-                      <a:endParaRPr lang="en-AT" sz="1000" b="0" i="0" u="none" strike="noStrike">
+                      <a:endParaRPr lang="en-AT" sz="1000" b="0" i="0" u="none" strike="noStrike" dirty="0">
                         <a:solidFill>
                           <a:schemeClr val="tx1"/>
                         </a:solidFill>
@@ -7161,7 +7163,7 @@
                     <a:p>
                       <a:pPr algn="l" fontAlgn="b"/>
                       <a:r>
-                        <a:rPr lang="en-AT" sz="1000" b="0" u="none" strike="noStrike">
+                        <a:rPr lang="en-AT" sz="1000" b="0" u="none" strike="noStrike" dirty="0">
                           <a:solidFill>
                             <a:schemeClr val="tx1"/>
                           </a:solidFill>
@@ -7169,7 +7171,7 @@
                         </a:rPr>
                         <a:t>0.062 ± 0.042</a:t>
                       </a:r>
-                      <a:endParaRPr lang="en-AT" sz="1000" b="0" i="0" u="none" strike="noStrike">
+                      <a:endParaRPr lang="en-AT" sz="1000" b="0" i="0" u="none" strike="noStrike" dirty="0">
                         <a:solidFill>
                           <a:schemeClr val="tx1"/>
                         </a:solidFill>
@@ -7555,7 +7557,7 @@
           <a:p>
             <a:r>
               <a:rPr lang="en-US" dirty="0"/>
-              <a:t>Results – Transformer Architecture</a:t>
+              <a:t>Results – Transformer Architecture (N=3)</a:t>
             </a:r>
             <a:endParaRPr lang="en-AT" dirty="0"/>
           </a:p>
@@ -10370,14 +10372,19 @@
             <p:ph type="title"/>
           </p:nvPr>
         </p:nvSpPr>
-        <p:spPr/>
+        <p:spPr>
+          <a:xfrm>
+            <a:off x="419093" y="446910"/>
+            <a:ext cx="11353800" cy="1325563"/>
+          </a:xfrm>
+        </p:spPr>
         <p:txBody>
           <a:bodyPr/>
           <a:lstStyle/>
           <a:p>
             <a:r>
               <a:rPr lang="en-US" dirty="0"/>
-              <a:t>Results – Memory Augmented Transformer</a:t>
+              <a:t>Results – Memory Augmented Transformer (N=3)</a:t>
             </a:r>
             <a:endParaRPr lang="en-AT" dirty="0"/>
           </a:p>
@@ -12402,12 +12409,12 @@
                     <a:p>
                       <a:pPr algn="l" fontAlgn="b"/>
                       <a:r>
-                        <a:rPr lang="en-AT" sz="1100" u="none" strike="noStrike">
+                        <a:rPr lang="en-AT" sz="1100" u="none" strike="noStrike" dirty="0">
                           <a:effectLst/>
                         </a:rPr>
                         <a:t>1.213 ± 0.060</a:t>
                       </a:r>
-                      <a:endParaRPr lang="en-AT" sz="1100" b="0" i="0" u="none" strike="noStrike">
+                      <a:endParaRPr lang="en-AT" sz="1100" b="0" i="0" u="none" strike="noStrike" dirty="0">
                         <a:solidFill>
                           <a:srgbClr val="000000"/>
                         </a:solidFill>
@@ -13055,6 +13062,6708 @@
           <p:cNvPr id="2" name="Title 1">
             <a:extLst>
               <a:ext uri="{FF2B5EF4-FFF2-40B4-BE49-F238E27FC236}">
+                <a16:creationId xmlns:a16="http://schemas.microsoft.com/office/drawing/2014/main" id="{C341521F-9CD8-4324-B1C2-E546DE4BD5A4}"/>
+              </a:ext>
+            </a:extLst>
+          </p:cNvPr>
+          <p:cNvSpPr>
+            <a:spLocks noGrp="1"/>
+          </p:cNvSpPr>
+          <p:nvPr>
+            <p:ph type="title"/>
+          </p:nvPr>
+        </p:nvSpPr>
+        <p:spPr/>
+        <p:txBody>
+          <a:bodyPr/>
+          <a:lstStyle/>
+          <a:p>
+            <a:r>
+              <a:rPr lang="en-US" dirty="0"/>
+              <a:t>Results – Tables (N=3)</a:t>
+            </a:r>
+            <a:endParaRPr lang="en-AT" dirty="0"/>
+          </a:p>
+        </p:txBody>
+      </p:sp>
+      <p:graphicFrame>
+        <p:nvGraphicFramePr>
+          <p:cNvPr id="4" name="Table 3">
+            <a:extLst>
+              <a:ext uri="{FF2B5EF4-FFF2-40B4-BE49-F238E27FC236}">
+                <a16:creationId xmlns:a16="http://schemas.microsoft.com/office/drawing/2014/main" id="{5723A573-23C2-4E24-9A54-5571BCBF9BF3}"/>
+              </a:ext>
+            </a:extLst>
+          </p:cNvPr>
+          <p:cNvGraphicFramePr>
+            <a:graphicFrameLocks noGrp="1"/>
+          </p:cNvGraphicFramePr>
+          <p:nvPr>
+            <p:extLst>
+              <p:ext uri="{D42A27DB-BD31-4B8C-83A1-F6EECF244321}">
+                <p14:modId xmlns:p14="http://schemas.microsoft.com/office/powerpoint/2010/main" val="1466455720"/>
+              </p:ext>
+            </p:extLst>
+          </p:nvPr>
+        </p:nvGraphicFramePr>
+        <p:xfrm>
+          <a:off x="838200" y="2313078"/>
+          <a:ext cx="10729520" cy="2401305"/>
+        </p:xfrm>
+        <a:graphic>
+          <a:graphicData uri="http://schemas.openxmlformats.org/drawingml/2006/table">
+            <a:tbl>
+              <a:tblPr/>
+              <a:tblGrid>
+                <a:gridCol w="2371224">
+                  <a:extLst>
+                    <a:ext uri="{9D8B030D-6E8A-4147-A177-3AD203B41FA5}">
+                      <a16:colId xmlns:a16="http://schemas.microsoft.com/office/drawing/2014/main" val="1979962205"/>
+                    </a:ext>
+                  </a:extLst>
+                </a:gridCol>
+                <a:gridCol w="1155199">
+                  <a:extLst>
+                    <a:ext uri="{9D8B030D-6E8A-4147-A177-3AD203B41FA5}">
+                      <a16:colId xmlns:a16="http://schemas.microsoft.com/office/drawing/2014/main" val="3093368180"/>
+                    </a:ext>
+                  </a:extLst>
+                </a:gridCol>
+                <a:gridCol w="1218699">
+                  <a:extLst>
+                    <a:ext uri="{9D8B030D-6E8A-4147-A177-3AD203B41FA5}">
+                      <a16:colId xmlns:a16="http://schemas.microsoft.com/office/drawing/2014/main" val="755676788"/>
+                    </a:ext>
+                  </a:extLst>
+                </a:gridCol>
+                <a:gridCol w="1493337">
+                  <a:extLst>
+                    <a:ext uri="{9D8B030D-6E8A-4147-A177-3AD203B41FA5}">
+                      <a16:colId xmlns:a16="http://schemas.microsoft.com/office/drawing/2014/main" val="3641341252"/>
+                    </a:ext>
+                  </a:extLst>
+                </a:gridCol>
+                <a:gridCol w="878974">
+                  <a:extLst>
+                    <a:ext uri="{9D8B030D-6E8A-4147-A177-3AD203B41FA5}">
+                      <a16:colId xmlns:a16="http://schemas.microsoft.com/office/drawing/2014/main" val="4200720626"/>
+                    </a:ext>
+                  </a:extLst>
+                </a:gridCol>
+                <a:gridCol w="1929899">
+                  <a:extLst>
+                    <a:ext uri="{9D8B030D-6E8A-4147-A177-3AD203B41FA5}">
+                      <a16:colId xmlns:a16="http://schemas.microsoft.com/office/drawing/2014/main" val="2165613975"/>
+                    </a:ext>
+                  </a:extLst>
+                </a:gridCol>
+                <a:gridCol w="1682188">
+                  <a:extLst>
+                    <a:ext uri="{9D8B030D-6E8A-4147-A177-3AD203B41FA5}">
+                      <a16:colId xmlns:a16="http://schemas.microsoft.com/office/drawing/2014/main" val="825932469"/>
+                    </a:ext>
+                  </a:extLst>
+                </a:gridCol>
+              </a:tblGrid>
+              <a:tr h="153737">
+                <a:tc>
+                  <a:txBody>
+                    <a:bodyPr/>
+                    <a:lstStyle/>
+                    <a:p>
+                      <a:pPr algn="l" fontAlgn="b"/>
+                      <a:r>
+                        <a:rPr lang="en-US" sz="1000" b="1" i="0" u="none" strike="noStrike" dirty="0">
+                          <a:solidFill>
+                            <a:srgbClr val="000000"/>
+                          </a:solidFill>
+                          <a:effectLst/>
+                          <a:latin typeface="Calibri" panose="020F0502020204030204" pitchFamily="34" charset="0"/>
+                        </a:rPr>
+                        <a:t>model</a:t>
+                      </a:r>
+                    </a:p>
+                  </a:txBody>
+                  <a:tcPr marL="7687" marR="7687" marT="7687" marB="0" anchor="b">
+                    <a:lnL w="6350" cap="flat" cmpd="sng" algn="ctr">
+                      <a:solidFill>
+                        <a:srgbClr val="000000"/>
+                      </a:solidFill>
+                      <a:prstDash val="solid"/>
+                      <a:round/>
+                      <a:headEnd type="none" w="med" len="med"/>
+                      <a:tailEnd type="none" w="med" len="med"/>
+                    </a:lnL>
+                    <a:lnR w="6350" cap="flat" cmpd="sng" algn="ctr">
+                      <a:solidFill>
+                        <a:srgbClr val="000000"/>
+                      </a:solidFill>
+                      <a:prstDash val="solid"/>
+                      <a:round/>
+                      <a:headEnd type="none" w="med" len="med"/>
+                      <a:tailEnd type="none" w="med" len="med"/>
+                    </a:lnR>
+                    <a:lnT w="6350" cap="flat" cmpd="sng" algn="ctr">
+                      <a:solidFill>
+                        <a:srgbClr val="000000"/>
+                      </a:solidFill>
+                      <a:prstDash val="solid"/>
+                      <a:round/>
+                      <a:headEnd type="none" w="med" len="med"/>
+                      <a:tailEnd type="none" w="med" len="med"/>
+                    </a:lnT>
+                    <a:lnB w="6350" cap="flat" cmpd="sng" algn="ctr">
+                      <a:solidFill>
+                        <a:srgbClr val="000000"/>
+                      </a:solidFill>
+                      <a:prstDash val="solid"/>
+                      <a:round/>
+                      <a:headEnd type="none" w="med" len="med"/>
+                      <a:tailEnd type="none" w="med" len="med"/>
+                    </a:lnB>
+                    <a:solidFill>
+                      <a:srgbClr val="FFFFFF"/>
+                    </a:solidFill>
+                  </a:tcPr>
+                </a:tc>
+                <a:tc>
+                  <a:txBody>
+                    <a:bodyPr/>
+                    <a:lstStyle/>
+                    <a:p>
+                      <a:pPr algn="l" fontAlgn="b"/>
+                      <a:r>
+                        <a:rPr lang="en-US" sz="1000" b="1" i="0" u="none" strike="noStrike">
+                          <a:solidFill>
+                            <a:srgbClr val="000000"/>
+                          </a:solidFill>
+                          <a:effectLst/>
+                          <a:latin typeface="Calibri" panose="020F0502020204030204" pitchFamily="34" charset="0"/>
+                        </a:rPr>
+                        <a:t>trainable parameters</a:t>
+                      </a:r>
+                    </a:p>
+                  </a:txBody>
+                  <a:tcPr marL="7687" marR="7687" marT="7687" marB="0" anchor="b">
+                    <a:lnL w="6350" cap="flat" cmpd="sng" algn="ctr">
+                      <a:solidFill>
+                        <a:srgbClr val="000000"/>
+                      </a:solidFill>
+                      <a:prstDash val="solid"/>
+                      <a:round/>
+                      <a:headEnd type="none" w="med" len="med"/>
+                      <a:tailEnd type="none" w="med" len="med"/>
+                    </a:lnL>
+                    <a:lnR w="6350" cap="flat" cmpd="sng" algn="ctr">
+                      <a:solidFill>
+                        <a:srgbClr val="000000"/>
+                      </a:solidFill>
+                      <a:prstDash val="solid"/>
+                      <a:round/>
+                      <a:headEnd type="none" w="med" len="med"/>
+                      <a:tailEnd type="none" w="med" len="med"/>
+                    </a:lnR>
+                    <a:lnT w="6350" cap="flat" cmpd="sng" algn="ctr">
+                      <a:solidFill>
+                        <a:srgbClr val="000000"/>
+                      </a:solidFill>
+                      <a:prstDash val="solid"/>
+                      <a:round/>
+                      <a:headEnd type="none" w="med" len="med"/>
+                      <a:tailEnd type="none" w="med" len="med"/>
+                    </a:lnT>
+                    <a:lnB w="6350" cap="flat" cmpd="sng" algn="ctr">
+                      <a:solidFill>
+                        <a:srgbClr val="000000"/>
+                      </a:solidFill>
+                      <a:prstDash val="solid"/>
+                      <a:round/>
+                      <a:headEnd type="none" w="med" len="med"/>
+                      <a:tailEnd type="none" w="med" len="med"/>
+                    </a:lnB>
+                    <a:solidFill>
+                      <a:srgbClr val="FFFFFF"/>
+                    </a:solidFill>
+                  </a:tcPr>
+                </a:tc>
+                <a:tc>
+                  <a:txBody>
+                    <a:bodyPr/>
+                    <a:lstStyle/>
+                    <a:p>
+                      <a:pPr algn="l" fontAlgn="b"/>
+                      <a:r>
+                        <a:rPr lang="en-US" sz="1000" b="1" i="0" u="none" strike="noStrike">
+                          <a:solidFill>
+                            <a:srgbClr val="000000"/>
+                          </a:solidFill>
+                          <a:effectLst/>
+                          <a:latin typeface="Calibri" panose="020F0502020204030204" pitchFamily="34" charset="0"/>
+                        </a:rPr>
+                        <a:t>training duration total</a:t>
+                      </a:r>
+                    </a:p>
+                  </a:txBody>
+                  <a:tcPr marL="7687" marR="7687" marT="7687" marB="0" anchor="b">
+                    <a:lnL w="6350" cap="flat" cmpd="sng" algn="ctr">
+                      <a:solidFill>
+                        <a:srgbClr val="000000"/>
+                      </a:solidFill>
+                      <a:prstDash val="solid"/>
+                      <a:round/>
+                      <a:headEnd type="none" w="med" len="med"/>
+                      <a:tailEnd type="none" w="med" len="med"/>
+                    </a:lnL>
+                    <a:lnR w="6350" cap="flat" cmpd="sng" algn="ctr">
+                      <a:solidFill>
+                        <a:srgbClr val="000000"/>
+                      </a:solidFill>
+                      <a:prstDash val="solid"/>
+                      <a:round/>
+                      <a:headEnd type="none" w="med" len="med"/>
+                      <a:tailEnd type="none" w="med" len="med"/>
+                    </a:lnR>
+                    <a:lnT w="6350" cap="flat" cmpd="sng" algn="ctr">
+                      <a:solidFill>
+                        <a:srgbClr val="000000"/>
+                      </a:solidFill>
+                      <a:prstDash val="solid"/>
+                      <a:round/>
+                      <a:headEnd type="none" w="med" len="med"/>
+                      <a:tailEnd type="none" w="med" len="med"/>
+                    </a:lnT>
+                    <a:lnB w="6350" cap="flat" cmpd="sng" algn="ctr">
+                      <a:solidFill>
+                        <a:srgbClr val="000000"/>
+                      </a:solidFill>
+                      <a:prstDash val="solid"/>
+                      <a:round/>
+                      <a:headEnd type="none" w="med" len="med"/>
+                      <a:tailEnd type="none" w="med" len="med"/>
+                    </a:lnB>
+                    <a:solidFill>
+                      <a:srgbClr val="FFFFFF"/>
+                    </a:solidFill>
+                  </a:tcPr>
+                </a:tc>
+                <a:tc>
+                  <a:txBody>
+                    <a:bodyPr/>
+                    <a:lstStyle/>
+                    <a:p>
+                      <a:pPr algn="l" fontAlgn="b"/>
+                      <a:r>
+                        <a:rPr lang="en-US" sz="1000" b="1" i="0" u="none" strike="noStrike">
+                          <a:solidFill>
+                            <a:srgbClr val="000000"/>
+                          </a:solidFill>
+                          <a:effectLst/>
+                          <a:latin typeface="Calibri" panose="020F0502020204030204" pitchFamily="34" charset="0"/>
+                        </a:rPr>
+                        <a:t>training duration per epoch</a:t>
+                      </a:r>
+                    </a:p>
+                  </a:txBody>
+                  <a:tcPr marL="7687" marR="7687" marT="7687" marB="0" anchor="b">
+                    <a:lnL w="6350" cap="flat" cmpd="sng" algn="ctr">
+                      <a:solidFill>
+                        <a:srgbClr val="000000"/>
+                      </a:solidFill>
+                      <a:prstDash val="solid"/>
+                      <a:round/>
+                      <a:headEnd type="none" w="med" len="med"/>
+                      <a:tailEnd type="none" w="med" len="med"/>
+                    </a:lnL>
+                    <a:lnR w="6350" cap="flat" cmpd="sng" algn="ctr">
+                      <a:solidFill>
+                        <a:srgbClr val="000000"/>
+                      </a:solidFill>
+                      <a:prstDash val="solid"/>
+                      <a:round/>
+                      <a:headEnd type="none" w="med" len="med"/>
+                      <a:tailEnd type="none" w="med" len="med"/>
+                    </a:lnR>
+                    <a:lnT w="6350" cap="flat" cmpd="sng" algn="ctr">
+                      <a:solidFill>
+                        <a:srgbClr val="000000"/>
+                      </a:solidFill>
+                      <a:prstDash val="solid"/>
+                      <a:round/>
+                      <a:headEnd type="none" w="med" len="med"/>
+                      <a:tailEnd type="none" w="med" len="med"/>
+                    </a:lnT>
+                    <a:lnB w="6350" cap="flat" cmpd="sng" algn="ctr">
+                      <a:solidFill>
+                        <a:srgbClr val="000000"/>
+                      </a:solidFill>
+                      <a:prstDash val="solid"/>
+                      <a:round/>
+                      <a:headEnd type="none" w="med" len="med"/>
+                      <a:tailEnd type="none" w="med" len="med"/>
+                    </a:lnB>
+                    <a:solidFill>
+                      <a:srgbClr val="FFFFFF"/>
+                    </a:solidFill>
+                  </a:tcPr>
+                </a:tc>
+                <a:tc>
+                  <a:txBody>
+                    <a:bodyPr/>
+                    <a:lstStyle/>
+                    <a:p>
+                      <a:pPr algn="l" fontAlgn="b"/>
+                      <a:r>
+                        <a:rPr lang="en-US" sz="1000" b="1" i="0" u="none" strike="noStrike">
+                          <a:solidFill>
+                            <a:srgbClr val="000000"/>
+                          </a:solidFill>
+                          <a:effectLst/>
+                          <a:latin typeface="Calibri" panose="020F0502020204030204" pitchFamily="34" charset="0"/>
+                        </a:rPr>
+                        <a:t>epochs</a:t>
+                      </a:r>
+                    </a:p>
+                  </a:txBody>
+                  <a:tcPr marL="7687" marR="7687" marT="7687" marB="0" anchor="b">
+                    <a:lnL w="6350" cap="flat" cmpd="sng" algn="ctr">
+                      <a:solidFill>
+                        <a:srgbClr val="000000"/>
+                      </a:solidFill>
+                      <a:prstDash val="solid"/>
+                      <a:round/>
+                      <a:headEnd type="none" w="med" len="med"/>
+                      <a:tailEnd type="none" w="med" len="med"/>
+                    </a:lnL>
+                    <a:lnR w="6350" cap="flat" cmpd="sng" algn="ctr">
+                      <a:solidFill>
+                        <a:srgbClr val="000000"/>
+                      </a:solidFill>
+                      <a:prstDash val="solid"/>
+                      <a:round/>
+                      <a:headEnd type="none" w="med" len="med"/>
+                      <a:tailEnd type="none" w="med" len="med"/>
+                    </a:lnR>
+                    <a:lnT w="6350" cap="flat" cmpd="sng" algn="ctr">
+                      <a:solidFill>
+                        <a:srgbClr val="000000"/>
+                      </a:solidFill>
+                      <a:prstDash val="solid"/>
+                      <a:round/>
+                      <a:headEnd type="none" w="med" len="med"/>
+                      <a:tailEnd type="none" w="med" len="med"/>
+                    </a:lnT>
+                    <a:lnB w="6350" cap="flat" cmpd="sng" algn="ctr">
+                      <a:solidFill>
+                        <a:srgbClr val="000000"/>
+                      </a:solidFill>
+                      <a:prstDash val="solid"/>
+                      <a:round/>
+                      <a:headEnd type="none" w="med" len="med"/>
+                      <a:tailEnd type="none" w="med" len="med"/>
+                    </a:lnB>
+                    <a:solidFill>
+                      <a:srgbClr val="FFFFFF"/>
+                    </a:solidFill>
+                  </a:tcPr>
+                </a:tc>
+                <a:tc>
+                  <a:txBody>
+                    <a:bodyPr/>
+                    <a:lstStyle/>
+                    <a:p>
+                      <a:pPr algn="l" fontAlgn="b"/>
+                      <a:r>
+                        <a:rPr lang="en-US" sz="1000" b="1" i="0" u="none" strike="noStrike" dirty="0">
+                          <a:solidFill>
+                            <a:srgbClr val="000000"/>
+                          </a:solidFill>
+                          <a:effectLst/>
+                          <a:latin typeface="Calibri" panose="020F0502020204030204" pitchFamily="34" charset="0"/>
+                        </a:rPr>
+                        <a:t>test sparse categorical crossentropy</a:t>
+                      </a:r>
+                    </a:p>
+                  </a:txBody>
+                  <a:tcPr marL="7687" marR="7687" marT="7687" marB="0" anchor="b">
+                    <a:lnL w="6350" cap="flat" cmpd="sng" algn="ctr">
+                      <a:solidFill>
+                        <a:srgbClr val="000000"/>
+                      </a:solidFill>
+                      <a:prstDash val="solid"/>
+                      <a:round/>
+                      <a:headEnd type="none" w="med" len="med"/>
+                      <a:tailEnd type="none" w="med" len="med"/>
+                    </a:lnL>
+                    <a:lnR w="6350" cap="flat" cmpd="sng" algn="ctr">
+                      <a:solidFill>
+                        <a:srgbClr val="000000"/>
+                      </a:solidFill>
+                      <a:prstDash val="solid"/>
+                      <a:round/>
+                      <a:headEnd type="none" w="med" len="med"/>
+                      <a:tailEnd type="none" w="med" len="med"/>
+                    </a:lnR>
+                    <a:lnT w="6350" cap="flat" cmpd="sng" algn="ctr">
+                      <a:solidFill>
+                        <a:srgbClr val="000000"/>
+                      </a:solidFill>
+                      <a:prstDash val="solid"/>
+                      <a:round/>
+                      <a:headEnd type="none" w="med" len="med"/>
+                      <a:tailEnd type="none" w="med" len="med"/>
+                    </a:lnT>
+                    <a:lnB w="6350" cap="flat" cmpd="sng" algn="ctr">
+                      <a:solidFill>
+                        <a:srgbClr val="000000"/>
+                      </a:solidFill>
+                      <a:prstDash val="solid"/>
+                      <a:round/>
+                      <a:headEnd type="none" w="med" len="med"/>
+                      <a:tailEnd type="none" w="med" len="med"/>
+                    </a:lnB>
+                    <a:solidFill>
+                      <a:srgbClr val="FFFFFF"/>
+                    </a:solidFill>
+                  </a:tcPr>
+                </a:tc>
+                <a:tc>
+                  <a:txBody>
+                    <a:bodyPr/>
+                    <a:lstStyle/>
+                    <a:p>
+                      <a:pPr algn="l" fontAlgn="b"/>
+                      <a:r>
+                        <a:rPr lang="en-US" sz="1000" b="1" i="0" u="none" strike="noStrike">
+                          <a:solidFill>
+                            <a:srgbClr val="000000"/>
+                          </a:solidFill>
+                          <a:effectLst/>
+                          <a:latin typeface="Calibri" panose="020F0502020204030204" pitchFamily="34" charset="0"/>
+                        </a:rPr>
+                        <a:t>test sparse categorical accuracy</a:t>
+                      </a:r>
+                    </a:p>
+                  </a:txBody>
+                  <a:tcPr marL="7687" marR="7687" marT="7687" marB="0" anchor="b">
+                    <a:lnL w="6350" cap="flat" cmpd="sng" algn="ctr">
+                      <a:solidFill>
+                        <a:srgbClr val="000000"/>
+                      </a:solidFill>
+                      <a:prstDash val="solid"/>
+                      <a:round/>
+                      <a:headEnd type="none" w="med" len="med"/>
+                      <a:tailEnd type="none" w="med" len="med"/>
+                    </a:lnL>
+                    <a:lnR w="6350" cap="flat" cmpd="sng" algn="ctr">
+                      <a:solidFill>
+                        <a:srgbClr val="000000"/>
+                      </a:solidFill>
+                      <a:prstDash val="solid"/>
+                      <a:round/>
+                      <a:headEnd type="none" w="med" len="med"/>
+                      <a:tailEnd type="none" w="med" len="med"/>
+                    </a:lnR>
+                    <a:lnT w="6350" cap="flat" cmpd="sng" algn="ctr">
+                      <a:solidFill>
+                        <a:srgbClr val="000000"/>
+                      </a:solidFill>
+                      <a:prstDash val="solid"/>
+                      <a:round/>
+                      <a:headEnd type="none" w="med" len="med"/>
+                      <a:tailEnd type="none" w="med" len="med"/>
+                    </a:lnT>
+                    <a:lnB w="6350" cap="flat" cmpd="sng" algn="ctr">
+                      <a:solidFill>
+                        <a:srgbClr val="000000"/>
+                      </a:solidFill>
+                      <a:prstDash val="solid"/>
+                      <a:round/>
+                      <a:headEnd type="none" w="med" len="med"/>
+                      <a:tailEnd type="none" w="med" len="med"/>
+                    </a:lnB>
+                    <a:solidFill>
+                      <a:srgbClr val="FFFFFF"/>
+                    </a:solidFill>
+                  </a:tcPr>
+                </a:tc>
+                <a:extLst>
+                  <a:ext uri="{0D108BD9-81ED-4DB2-BD59-A6C34878D82A}">
+                    <a16:rowId xmlns:a16="http://schemas.microsoft.com/office/drawing/2014/main" val="482840078"/>
+                  </a:ext>
+                </a:extLst>
+              </a:tr>
+              <a:tr h="153737">
+                <a:tc>
+                  <a:txBody>
+                    <a:bodyPr/>
+                    <a:lstStyle/>
+                    <a:p>
+                      <a:pPr algn="l" fontAlgn="b"/>
+                      <a:r>
+                        <a:rPr lang="en-US" sz="1000" b="0" i="0" u="none" strike="noStrike">
+                          <a:solidFill>
+                            <a:srgbClr val="000000"/>
+                          </a:solidFill>
+                          <a:effectLst/>
+                          <a:latin typeface="Calibri" panose="020F0502020204030204" pitchFamily="34" charset="0"/>
+                        </a:rPr>
+                        <a:t>transformer</a:t>
+                      </a:r>
+                    </a:p>
+                  </a:txBody>
+                  <a:tcPr marL="7687" marR="7687" marT="7687" marB="0" anchor="b">
+                    <a:lnL w="6350" cap="flat" cmpd="sng" algn="ctr">
+                      <a:solidFill>
+                        <a:srgbClr val="000000"/>
+                      </a:solidFill>
+                      <a:prstDash val="solid"/>
+                      <a:round/>
+                      <a:headEnd type="none" w="med" len="med"/>
+                      <a:tailEnd type="none" w="med" len="med"/>
+                    </a:lnL>
+                    <a:lnR w="6350" cap="flat" cmpd="sng" algn="ctr">
+                      <a:solidFill>
+                        <a:srgbClr val="000000"/>
+                      </a:solidFill>
+                      <a:prstDash val="solid"/>
+                      <a:round/>
+                      <a:headEnd type="none" w="med" len="med"/>
+                      <a:tailEnd type="none" w="med" len="med"/>
+                    </a:lnR>
+                    <a:lnT w="6350" cap="flat" cmpd="sng" algn="ctr">
+                      <a:solidFill>
+                        <a:srgbClr val="000000"/>
+                      </a:solidFill>
+                      <a:prstDash val="solid"/>
+                      <a:round/>
+                      <a:headEnd type="none" w="med" len="med"/>
+                      <a:tailEnd type="none" w="med" len="med"/>
+                    </a:lnT>
+                    <a:lnB w="6350" cap="flat" cmpd="sng" algn="ctr">
+                      <a:solidFill>
+                        <a:srgbClr val="000000"/>
+                      </a:solidFill>
+                      <a:prstDash val="solid"/>
+                      <a:round/>
+                      <a:headEnd type="none" w="med" len="med"/>
+                      <a:tailEnd type="none" w="med" len="med"/>
+                    </a:lnB>
+                    <a:solidFill>
+                      <a:srgbClr val="FFFFFF"/>
+                    </a:solidFill>
+                  </a:tcPr>
+                </a:tc>
+                <a:tc>
+                  <a:txBody>
+                    <a:bodyPr/>
+                    <a:lstStyle/>
+                    <a:p>
+                      <a:pPr algn="r" fontAlgn="b"/>
+                      <a:r>
+                        <a:rPr lang="en-AT" sz="1000" b="0" i="0" u="none" strike="noStrike">
+                          <a:solidFill>
+                            <a:srgbClr val="000000"/>
+                          </a:solidFill>
+                          <a:effectLst/>
+                          <a:latin typeface="Calibri" panose="020F0502020204030204" pitchFamily="34" charset="0"/>
+                        </a:rPr>
+                        <a:t>22167</a:t>
+                      </a:r>
+                    </a:p>
+                  </a:txBody>
+                  <a:tcPr marL="7687" marR="7687" marT="7687" marB="0" anchor="b">
+                    <a:lnL w="6350" cap="flat" cmpd="sng" algn="ctr">
+                      <a:solidFill>
+                        <a:srgbClr val="000000"/>
+                      </a:solidFill>
+                      <a:prstDash val="solid"/>
+                      <a:round/>
+                      <a:headEnd type="none" w="med" len="med"/>
+                      <a:tailEnd type="none" w="med" len="med"/>
+                    </a:lnL>
+                    <a:lnR w="6350" cap="flat" cmpd="sng" algn="ctr">
+                      <a:solidFill>
+                        <a:srgbClr val="000000"/>
+                      </a:solidFill>
+                      <a:prstDash val="solid"/>
+                      <a:round/>
+                      <a:headEnd type="none" w="med" len="med"/>
+                      <a:tailEnd type="none" w="med" len="med"/>
+                    </a:lnR>
+                    <a:lnT w="6350" cap="flat" cmpd="sng" algn="ctr">
+                      <a:solidFill>
+                        <a:srgbClr val="000000"/>
+                      </a:solidFill>
+                      <a:prstDash val="solid"/>
+                      <a:round/>
+                      <a:headEnd type="none" w="med" len="med"/>
+                      <a:tailEnd type="none" w="med" len="med"/>
+                    </a:lnT>
+                    <a:lnB w="6350" cap="flat" cmpd="sng" algn="ctr">
+                      <a:solidFill>
+                        <a:srgbClr val="000000"/>
+                      </a:solidFill>
+                      <a:prstDash val="solid"/>
+                      <a:round/>
+                      <a:headEnd type="none" w="med" len="med"/>
+                      <a:tailEnd type="none" w="med" len="med"/>
+                    </a:lnB>
+                    <a:solidFill>
+                      <a:srgbClr val="FFFFFF"/>
+                    </a:solidFill>
+                  </a:tcPr>
+                </a:tc>
+                <a:tc>
+                  <a:txBody>
+                    <a:bodyPr/>
+                    <a:lstStyle/>
+                    <a:p>
+                      <a:pPr algn="l" fontAlgn="b"/>
+                      <a:r>
+                        <a:rPr lang="en-AT" sz="1000" b="0" i="0" u="none" strike="noStrike">
+                          <a:solidFill>
+                            <a:srgbClr val="000000"/>
+                          </a:solidFill>
+                          <a:effectLst/>
+                          <a:latin typeface="Calibri" panose="020F0502020204030204" pitchFamily="34" charset="0"/>
+                        </a:rPr>
+                        <a:t>657.964 ± 94.372</a:t>
+                      </a:r>
+                    </a:p>
+                  </a:txBody>
+                  <a:tcPr marL="7687" marR="7687" marT="7687" marB="0" anchor="b">
+                    <a:lnL w="6350" cap="flat" cmpd="sng" algn="ctr">
+                      <a:solidFill>
+                        <a:srgbClr val="000000"/>
+                      </a:solidFill>
+                      <a:prstDash val="solid"/>
+                      <a:round/>
+                      <a:headEnd type="none" w="med" len="med"/>
+                      <a:tailEnd type="none" w="med" len="med"/>
+                    </a:lnL>
+                    <a:lnR w="6350" cap="flat" cmpd="sng" algn="ctr">
+                      <a:solidFill>
+                        <a:srgbClr val="000000"/>
+                      </a:solidFill>
+                      <a:prstDash val="solid"/>
+                      <a:round/>
+                      <a:headEnd type="none" w="med" len="med"/>
+                      <a:tailEnd type="none" w="med" len="med"/>
+                    </a:lnR>
+                    <a:lnT w="6350" cap="flat" cmpd="sng" algn="ctr">
+                      <a:solidFill>
+                        <a:srgbClr val="000000"/>
+                      </a:solidFill>
+                      <a:prstDash val="solid"/>
+                      <a:round/>
+                      <a:headEnd type="none" w="med" len="med"/>
+                      <a:tailEnd type="none" w="med" len="med"/>
+                    </a:lnT>
+                    <a:lnB w="6350" cap="flat" cmpd="sng" algn="ctr">
+                      <a:solidFill>
+                        <a:srgbClr val="000000"/>
+                      </a:solidFill>
+                      <a:prstDash val="solid"/>
+                      <a:round/>
+                      <a:headEnd type="none" w="med" len="med"/>
+                      <a:tailEnd type="none" w="med" len="med"/>
+                    </a:lnB>
+                    <a:solidFill>
+                      <a:srgbClr val="FFFFFF"/>
+                    </a:solidFill>
+                  </a:tcPr>
+                </a:tc>
+                <a:tc>
+                  <a:txBody>
+                    <a:bodyPr/>
+                    <a:lstStyle/>
+                    <a:p>
+                      <a:pPr algn="l" fontAlgn="b"/>
+                      <a:r>
+                        <a:rPr lang="en-AT" sz="1000" b="0" i="0" u="none" strike="noStrike">
+                          <a:solidFill>
+                            <a:srgbClr val="000000"/>
+                          </a:solidFill>
+                          <a:effectLst/>
+                          <a:latin typeface="Calibri" panose="020F0502020204030204" pitchFamily="34" charset="0"/>
+                        </a:rPr>
+                        <a:t>19.973 ± 0.446</a:t>
+                      </a:r>
+                    </a:p>
+                  </a:txBody>
+                  <a:tcPr marL="7687" marR="7687" marT="7687" marB="0" anchor="b">
+                    <a:lnL w="6350" cap="flat" cmpd="sng" algn="ctr">
+                      <a:solidFill>
+                        <a:srgbClr val="000000"/>
+                      </a:solidFill>
+                      <a:prstDash val="solid"/>
+                      <a:round/>
+                      <a:headEnd type="none" w="med" len="med"/>
+                      <a:tailEnd type="none" w="med" len="med"/>
+                    </a:lnL>
+                    <a:lnR w="6350" cap="flat" cmpd="sng" algn="ctr">
+                      <a:solidFill>
+                        <a:srgbClr val="000000"/>
+                      </a:solidFill>
+                      <a:prstDash val="solid"/>
+                      <a:round/>
+                      <a:headEnd type="none" w="med" len="med"/>
+                      <a:tailEnd type="none" w="med" len="med"/>
+                    </a:lnR>
+                    <a:lnT w="6350" cap="flat" cmpd="sng" algn="ctr">
+                      <a:solidFill>
+                        <a:srgbClr val="000000"/>
+                      </a:solidFill>
+                      <a:prstDash val="solid"/>
+                      <a:round/>
+                      <a:headEnd type="none" w="med" len="med"/>
+                      <a:tailEnd type="none" w="med" len="med"/>
+                    </a:lnT>
+                    <a:lnB w="6350" cap="flat" cmpd="sng" algn="ctr">
+                      <a:solidFill>
+                        <a:srgbClr val="000000"/>
+                      </a:solidFill>
+                      <a:prstDash val="solid"/>
+                      <a:round/>
+                      <a:headEnd type="none" w="med" len="med"/>
+                      <a:tailEnd type="none" w="med" len="med"/>
+                    </a:lnB>
+                    <a:solidFill>
+                      <a:srgbClr val="FFFFFF"/>
+                    </a:solidFill>
+                  </a:tcPr>
+                </a:tc>
+                <a:tc>
+                  <a:txBody>
+                    <a:bodyPr/>
+                    <a:lstStyle/>
+                    <a:p>
+                      <a:pPr algn="l" fontAlgn="b"/>
+                      <a:r>
+                        <a:rPr lang="en-AT" sz="1000" b="0" i="0" u="none" strike="noStrike">
+                          <a:solidFill>
+                            <a:srgbClr val="000000"/>
+                          </a:solidFill>
+                          <a:effectLst/>
+                          <a:latin typeface="Calibri" panose="020F0502020204030204" pitchFamily="34" charset="0"/>
+                        </a:rPr>
+                        <a:t>33.000 ± 5.196</a:t>
+                      </a:r>
+                    </a:p>
+                  </a:txBody>
+                  <a:tcPr marL="7687" marR="7687" marT="7687" marB="0" anchor="b">
+                    <a:lnL w="6350" cap="flat" cmpd="sng" algn="ctr">
+                      <a:solidFill>
+                        <a:srgbClr val="000000"/>
+                      </a:solidFill>
+                      <a:prstDash val="solid"/>
+                      <a:round/>
+                      <a:headEnd type="none" w="med" len="med"/>
+                      <a:tailEnd type="none" w="med" len="med"/>
+                    </a:lnL>
+                    <a:lnR w="6350" cap="flat" cmpd="sng" algn="ctr">
+                      <a:solidFill>
+                        <a:srgbClr val="000000"/>
+                      </a:solidFill>
+                      <a:prstDash val="solid"/>
+                      <a:round/>
+                      <a:headEnd type="none" w="med" len="med"/>
+                      <a:tailEnd type="none" w="med" len="med"/>
+                    </a:lnR>
+                    <a:lnT w="6350" cap="flat" cmpd="sng" algn="ctr">
+                      <a:solidFill>
+                        <a:srgbClr val="000000"/>
+                      </a:solidFill>
+                      <a:prstDash val="solid"/>
+                      <a:round/>
+                      <a:headEnd type="none" w="med" len="med"/>
+                      <a:tailEnd type="none" w="med" len="med"/>
+                    </a:lnT>
+                    <a:lnB w="6350" cap="flat" cmpd="sng" algn="ctr">
+                      <a:solidFill>
+                        <a:srgbClr val="000000"/>
+                      </a:solidFill>
+                      <a:prstDash val="solid"/>
+                      <a:round/>
+                      <a:headEnd type="none" w="med" len="med"/>
+                      <a:tailEnd type="none" w="med" len="med"/>
+                    </a:lnB>
+                    <a:solidFill>
+                      <a:srgbClr val="FFFFFF"/>
+                    </a:solidFill>
+                  </a:tcPr>
+                </a:tc>
+                <a:tc>
+                  <a:txBody>
+                    <a:bodyPr/>
+                    <a:lstStyle/>
+                    <a:p>
+                      <a:pPr algn="l" fontAlgn="b"/>
+                      <a:r>
+                        <a:rPr lang="en-AT" sz="1000" b="0" i="0" u="none" strike="noStrike">
+                          <a:solidFill>
+                            <a:srgbClr val="000000"/>
+                          </a:solidFill>
+                          <a:effectLst/>
+                          <a:latin typeface="Calibri" panose="020F0502020204030204" pitchFamily="34" charset="0"/>
+                        </a:rPr>
+                        <a:t>0.178 ± 0.022</a:t>
+                      </a:r>
+                    </a:p>
+                  </a:txBody>
+                  <a:tcPr marL="7687" marR="7687" marT="7687" marB="0" anchor="b">
+                    <a:lnL w="6350" cap="flat" cmpd="sng" algn="ctr">
+                      <a:solidFill>
+                        <a:srgbClr val="000000"/>
+                      </a:solidFill>
+                      <a:prstDash val="solid"/>
+                      <a:round/>
+                      <a:headEnd type="none" w="med" len="med"/>
+                      <a:tailEnd type="none" w="med" len="med"/>
+                    </a:lnL>
+                    <a:lnR w="6350" cap="flat" cmpd="sng" algn="ctr">
+                      <a:solidFill>
+                        <a:srgbClr val="000000"/>
+                      </a:solidFill>
+                      <a:prstDash val="solid"/>
+                      <a:round/>
+                      <a:headEnd type="none" w="med" len="med"/>
+                      <a:tailEnd type="none" w="med" len="med"/>
+                    </a:lnR>
+                    <a:lnT w="6350" cap="flat" cmpd="sng" algn="ctr">
+                      <a:solidFill>
+                        <a:srgbClr val="000000"/>
+                      </a:solidFill>
+                      <a:prstDash val="solid"/>
+                      <a:round/>
+                      <a:headEnd type="none" w="med" len="med"/>
+                      <a:tailEnd type="none" w="med" len="med"/>
+                    </a:lnT>
+                    <a:lnB w="6350" cap="flat" cmpd="sng" algn="ctr">
+                      <a:solidFill>
+                        <a:srgbClr val="000000"/>
+                      </a:solidFill>
+                      <a:prstDash val="solid"/>
+                      <a:round/>
+                      <a:headEnd type="none" w="med" len="med"/>
+                      <a:tailEnd type="none" w="med" len="med"/>
+                    </a:lnB>
+                    <a:solidFill>
+                      <a:srgbClr val="FFFFFF"/>
+                    </a:solidFill>
+                  </a:tcPr>
+                </a:tc>
+                <a:tc>
+                  <a:txBody>
+                    <a:bodyPr/>
+                    <a:lstStyle/>
+                    <a:p>
+                      <a:pPr algn="l" fontAlgn="b"/>
+                      <a:r>
+                        <a:rPr lang="en-AT" sz="1000" b="0" i="0" u="none" strike="noStrike">
+                          <a:solidFill>
+                            <a:srgbClr val="000000"/>
+                          </a:solidFill>
+                          <a:effectLst/>
+                          <a:latin typeface="Calibri" panose="020F0502020204030204" pitchFamily="34" charset="0"/>
+                        </a:rPr>
+                        <a:t>0.937 ± 0.010</a:t>
+                      </a:r>
+                    </a:p>
+                  </a:txBody>
+                  <a:tcPr marL="7687" marR="7687" marT="7687" marB="0" anchor="b">
+                    <a:lnL w="6350" cap="flat" cmpd="sng" algn="ctr">
+                      <a:solidFill>
+                        <a:srgbClr val="000000"/>
+                      </a:solidFill>
+                      <a:prstDash val="solid"/>
+                      <a:round/>
+                      <a:headEnd type="none" w="med" len="med"/>
+                      <a:tailEnd type="none" w="med" len="med"/>
+                    </a:lnL>
+                    <a:lnR w="6350" cap="flat" cmpd="sng" algn="ctr">
+                      <a:solidFill>
+                        <a:srgbClr val="000000"/>
+                      </a:solidFill>
+                      <a:prstDash val="solid"/>
+                      <a:round/>
+                      <a:headEnd type="none" w="med" len="med"/>
+                      <a:tailEnd type="none" w="med" len="med"/>
+                    </a:lnR>
+                    <a:lnT w="6350" cap="flat" cmpd="sng" algn="ctr">
+                      <a:solidFill>
+                        <a:srgbClr val="000000"/>
+                      </a:solidFill>
+                      <a:prstDash val="solid"/>
+                      <a:round/>
+                      <a:headEnd type="none" w="med" len="med"/>
+                      <a:tailEnd type="none" w="med" len="med"/>
+                    </a:lnT>
+                    <a:lnB w="6350" cap="flat" cmpd="sng" algn="ctr">
+                      <a:solidFill>
+                        <a:srgbClr val="000000"/>
+                      </a:solidFill>
+                      <a:prstDash val="solid"/>
+                      <a:round/>
+                      <a:headEnd type="none" w="med" len="med"/>
+                      <a:tailEnd type="none" w="med" len="med"/>
+                    </a:lnB>
+                    <a:solidFill>
+                      <a:srgbClr val="FFFFFF"/>
+                    </a:solidFill>
+                  </a:tcPr>
+                </a:tc>
+                <a:extLst>
+                  <a:ext uri="{0D108BD9-81ED-4DB2-BD59-A6C34878D82A}">
+                    <a16:rowId xmlns:a16="http://schemas.microsoft.com/office/drawing/2014/main" val="602421276"/>
+                  </a:ext>
+                </a:extLst>
+              </a:tr>
+              <a:tr h="153737">
+                <a:tc>
+                  <a:txBody>
+                    <a:bodyPr/>
+                    <a:lstStyle/>
+                    <a:p>
+                      <a:pPr algn="l" fontAlgn="b"/>
+                      <a:r>
+                        <a:rPr lang="en-US" sz="1000" b="0" i="0" u="none" strike="noStrike">
+                          <a:solidFill>
+                            <a:srgbClr val="000000"/>
+                          </a:solidFill>
+                          <a:effectLst/>
+                          <a:latin typeface="Calibri" panose="020F0502020204030204" pitchFamily="34" charset="0"/>
+                        </a:rPr>
+                        <a:t>gru</a:t>
+                      </a:r>
+                    </a:p>
+                  </a:txBody>
+                  <a:tcPr marL="7687" marR="7687" marT="7687" marB="0" anchor="b">
+                    <a:lnL w="6350" cap="flat" cmpd="sng" algn="ctr">
+                      <a:solidFill>
+                        <a:srgbClr val="000000"/>
+                      </a:solidFill>
+                      <a:prstDash val="solid"/>
+                      <a:round/>
+                      <a:headEnd type="none" w="med" len="med"/>
+                      <a:tailEnd type="none" w="med" len="med"/>
+                    </a:lnL>
+                    <a:lnR w="6350" cap="flat" cmpd="sng" algn="ctr">
+                      <a:solidFill>
+                        <a:srgbClr val="000000"/>
+                      </a:solidFill>
+                      <a:prstDash val="solid"/>
+                      <a:round/>
+                      <a:headEnd type="none" w="med" len="med"/>
+                      <a:tailEnd type="none" w="med" len="med"/>
+                    </a:lnR>
+                    <a:lnT w="6350" cap="flat" cmpd="sng" algn="ctr">
+                      <a:solidFill>
+                        <a:srgbClr val="000000"/>
+                      </a:solidFill>
+                      <a:prstDash val="solid"/>
+                      <a:round/>
+                      <a:headEnd type="none" w="med" len="med"/>
+                      <a:tailEnd type="none" w="med" len="med"/>
+                    </a:lnT>
+                    <a:lnB w="6350" cap="flat" cmpd="sng" algn="ctr">
+                      <a:solidFill>
+                        <a:srgbClr val="000000"/>
+                      </a:solidFill>
+                      <a:prstDash val="solid"/>
+                      <a:round/>
+                      <a:headEnd type="none" w="med" len="med"/>
+                      <a:tailEnd type="none" w="med" len="med"/>
+                    </a:lnB>
+                    <a:solidFill>
+                      <a:srgbClr val="FFFFFF"/>
+                    </a:solidFill>
+                  </a:tcPr>
+                </a:tc>
+                <a:tc>
+                  <a:txBody>
+                    <a:bodyPr/>
+                    <a:lstStyle/>
+                    <a:p>
+                      <a:pPr algn="r" fontAlgn="b"/>
+                      <a:r>
+                        <a:rPr lang="en-AT" sz="1000" b="0" i="0" u="none" strike="noStrike">
+                          <a:solidFill>
+                            <a:srgbClr val="000000"/>
+                          </a:solidFill>
+                          <a:effectLst/>
+                          <a:latin typeface="Calibri" panose="020F0502020204030204" pitchFamily="34" charset="0"/>
+                        </a:rPr>
+                        <a:t>21927</a:t>
+                      </a:r>
+                    </a:p>
+                  </a:txBody>
+                  <a:tcPr marL="7687" marR="7687" marT="7687" marB="0" anchor="b">
+                    <a:lnL w="6350" cap="flat" cmpd="sng" algn="ctr">
+                      <a:solidFill>
+                        <a:srgbClr val="000000"/>
+                      </a:solidFill>
+                      <a:prstDash val="solid"/>
+                      <a:round/>
+                      <a:headEnd type="none" w="med" len="med"/>
+                      <a:tailEnd type="none" w="med" len="med"/>
+                    </a:lnL>
+                    <a:lnR w="6350" cap="flat" cmpd="sng" algn="ctr">
+                      <a:solidFill>
+                        <a:srgbClr val="000000"/>
+                      </a:solidFill>
+                      <a:prstDash val="solid"/>
+                      <a:round/>
+                      <a:headEnd type="none" w="med" len="med"/>
+                      <a:tailEnd type="none" w="med" len="med"/>
+                    </a:lnR>
+                    <a:lnT w="6350" cap="flat" cmpd="sng" algn="ctr">
+                      <a:solidFill>
+                        <a:srgbClr val="000000"/>
+                      </a:solidFill>
+                      <a:prstDash val="solid"/>
+                      <a:round/>
+                      <a:headEnd type="none" w="med" len="med"/>
+                      <a:tailEnd type="none" w="med" len="med"/>
+                    </a:lnT>
+                    <a:lnB w="6350" cap="flat" cmpd="sng" algn="ctr">
+                      <a:solidFill>
+                        <a:srgbClr val="000000"/>
+                      </a:solidFill>
+                      <a:prstDash val="solid"/>
+                      <a:round/>
+                      <a:headEnd type="none" w="med" len="med"/>
+                      <a:tailEnd type="none" w="med" len="med"/>
+                    </a:lnB>
+                    <a:solidFill>
+                      <a:srgbClr val="FFFFFF"/>
+                    </a:solidFill>
+                  </a:tcPr>
+                </a:tc>
+                <a:tc>
+                  <a:txBody>
+                    <a:bodyPr/>
+                    <a:lstStyle/>
+                    <a:p>
+                      <a:pPr algn="l" fontAlgn="b"/>
+                      <a:r>
+                        <a:rPr lang="en-AT" sz="1000" b="0" i="0" u="none" strike="noStrike">
+                          <a:solidFill>
+                            <a:srgbClr val="000000"/>
+                          </a:solidFill>
+                          <a:effectLst/>
+                          <a:latin typeface="Calibri" panose="020F0502020204030204" pitchFamily="34" charset="0"/>
+                        </a:rPr>
+                        <a:t>548.685 ± 97.925</a:t>
+                      </a:r>
+                    </a:p>
+                  </a:txBody>
+                  <a:tcPr marL="7687" marR="7687" marT="7687" marB="0" anchor="b">
+                    <a:lnL w="6350" cap="flat" cmpd="sng" algn="ctr">
+                      <a:solidFill>
+                        <a:srgbClr val="000000"/>
+                      </a:solidFill>
+                      <a:prstDash val="solid"/>
+                      <a:round/>
+                      <a:headEnd type="none" w="med" len="med"/>
+                      <a:tailEnd type="none" w="med" len="med"/>
+                    </a:lnL>
+                    <a:lnR w="6350" cap="flat" cmpd="sng" algn="ctr">
+                      <a:solidFill>
+                        <a:srgbClr val="000000"/>
+                      </a:solidFill>
+                      <a:prstDash val="solid"/>
+                      <a:round/>
+                      <a:headEnd type="none" w="med" len="med"/>
+                      <a:tailEnd type="none" w="med" len="med"/>
+                    </a:lnR>
+                    <a:lnT w="6350" cap="flat" cmpd="sng" algn="ctr">
+                      <a:solidFill>
+                        <a:srgbClr val="000000"/>
+                      </a:solidFill>
+                      <a:prstDash val="solid"/>
+                      <a:round/>
+                      <a:headEnd type="none" w="med" len="med"/>
+                      <a:tailEnd type="none" w="med" len="med"/>
+                    </a:lnT>
+                    <a:lnB w="6350" cap="flat" cmpd="sng" algn="ctr">
+                      <a:solidFill>
+                        <a:srgbClr val="000000"/>
+                      </a:solidFill>
+                      <a:prstDash val="solid"/>
+                      <a:round/>
+                      <a:headEnd type="none" w="med" len="med"/>
+                      <a:tailEnd type="none" w="med" len="med"/>
+                    </a:lnB>
+                    <a:solidFill>
+                      <a:srgbClr val="FFFFFF"/>
+                    </a:solidFill>
+                  </a:tcPr>
+                </a:tc>
+                <a:tc>
+                  <a:txBody>
+                    <a:bodyPr/>
+                    <a:lstStyle/>
+                    <a:p>
+                      <a:pPr algn="l" fontAlgn="b"/>
+                      <a:r>
+                        <a:rPr lang="en-AT" sz="1000" b="0" i="0" u="none" strike="noStrike">
+                          <a:solidFill>
+                            <a:srgbClr val="000000"/>
+                          </a:solidFill>
+                          <a:effectLst/>
+                          <a:latin typeface="Calibri" panose="020F0502020204030204" pitchFamily="34" charset="0"/>
+                        </a:rPr>
+                        <a:t>13.752 ± 0.277</a:t>
+                      </a:r>
+                    </a:p>
+                  </a:txBody>
+                  <a:tcPr marL="7687" marR="7687" marT="7687" marB="0" anchor="b">
+                    <a:lnL w="6350" cap="flat" cmpd="sng" algn="ctr">
+                      <a:solidFill>
+                        <a:srgbClr val="000000"/>
+                      </a:solidFill>
+                      <a:prstDash val="solid"/>
+                      <a:round/>
+                      <a:headEnd type="none" w="med" len="med"/>
+                      <a:tailEnd type="none" w="med" len="med"/>
+                    </a:lnL>
+                    <a:lnR w="6350" cap="flat" cmpd="sng" algn="ctr">
+                      <a:solidFill>
+                        <a:srgbClr val="000000"/>
+                      </a:solidFill>
+                      <a:prstDash val="solid"/>
+                      <a:round/>
+                      <a:headEnd type="none" w="med" len="med"/>
+                      <a:tailEnd type="none" w="med" len="med"/>
+                    </a:lnR>
+                    <a:lnT w="6350" cap="flat" cmpd="sng" algn="ctr">
+                      <a:solidFill>
+                        <a:srgbClr val="000000"/>
+                      </a:solidFill>
+                      <a:prstDash val="solid"/>
+                      <a:round/>
+                      <a:headEnd type="none" w="med" len="med"/>
+                      <a:tailEnd type="none" w="med" len="med"/>
+                    </a:lnT>
+                    <a:lnB w="6350" cap="flat" cmpd="sng" algn="ctr">
+                      <a:solidFill>
+                        <a:srgbClr val="000000"/>
+                      </a:solidFill>
+                      <a:prstDash val="solid"/>
+                      <a:round/>
+                      <a:headEnd type="none" w="med" len="med"/>
+                      <a:tailEnd type="none" w="med" len="med"/>
+                    </a:lnB>
+                    <a:solidFill>
+                      <a:srgbClr val="FFFFFF"/>
+                    </a:solidFill>
+                  </a:tcPr>
+                </a:tc>
+                <a:tc>
+                  <a:txBody>
+                    <a:bodyPr/>
+                    <a:lstStyle/>
+                    <a:p>
+                      <a:pPr algn="l" fontAlgn="b"/>
+                      <a:r>
+                        <a:rPr lang="en-AT" sz="1000" b="0" i="0" u="none" strike="noStrike">
+                          <a:solidFill>
+                            <a:srgbClr val="000000"/>
+                          </a:solidFill>
+                          <a:effectLst/>
+                          <a:latin typeface="Calibri" panose="020F0502020204030204" pitchFamily="34" charset="0"/>
+                        </a:rPr>
+                        <a:t>40.000 ± 7.810</a:t>
+                      </a:r>
+                    </a:p>
+                  </a:txBody>
+                  <a:tcPr marL="7687" marR="7687" marT="7687" marB="0" anchor="b">
+                    <a:lnL w="6350" cap="flat" cmpd="sng" algn="ctr">
+                      <a:solidFill>
+                        <a:srgbClr val="000000"/>
+                      </a:solidFill>
+                      <a:prstDash val="solid"/>
+                      <a:round/>
+                      <a:headEnd type="none" w="med" len="med"/>
+                      <a:tailEnd type="none" w="med" len="med"/>
+                    </a:lnL>
+                    <a:lnR w="6350" cap="flat" cmpd="sng" algn="ctr">
+                      <a:solidFill>
+                        <a:srgbClr val="000000"/>
+                      </a:solidFill>
+                      <a:prstDash val="solid"/>
+                      <a:round/>
+                      <a:headEnd type="none" w="med" len="med"/>
+                      <a:tailEnd type="none" w="med" len="med"/>
+                    </a:lnR>
+                    <a:lnT w="6350" cap="flat" cmpd="sng" algn="ctr">
+                      <a:solidFill>
+                        <a:srgbClr val="000000"/>
+                      </a:solidFill>
+                      <a:prstDash val="solid"/>
+                      <a:round/>
+                      <a:headEnd type="none" w="med" len="med"/>
+                      <a:tailEnd type="none" w="med" len="med"/>
+                    </a:lnT>
+                    <a:lnB w="6350" cap="flat" cmpd="sng" algn="ctr">
+                      <a:solidFill>
+                        <a:srgbClr val="000000"/>
+                      </a:solidFill>
+                      <a:prstDash val="solid"/>
+                      <a:round/>
+                      <a:headEnd type="none" w="med" len="med"/>
+                      <a:tailEnd type="none" w="med" len="med"/>
+                    </a:lnB>
+                    <a:solidFill>
+                      <a:srgbClr val="FFFFFF"/>
+                    </a:solidFill>
+                  </a:tcPr>
+                </a:tc>
+                <a:tc>
+                  <a:txBody>
+                    <a:bodyPr/>
+                    <a:lstStyle/>
+                    <a:p>
+                      <a:pPr algn="l" fontAlgn="b"/>
+                      <a:r>
+                        <a:rPr lang="en-AT" sz="1000" b="0" i="0" u="none" strike="noStrike">
+                          <a:solidFill>
+                            <a:srgbClr val="000000"/>
+                          </a:solidFill>
+                          <a:effectLst/>
+                          <a:latin typeface="Calibri" panose="020F0502020204030204" pitchFamily="34" charset="0"/>
+                        </a:rPr>
+                        <a:t>0.209 ± 0.065</a:t>
+                      </a:r>
+                    </a:p>
+                  </a:txBody>
+                  <a:tcPr marL="7687" marR="7687" marT="7687" marB="0" anchor="b">
+                    <a:lnL w="6350" cap="flat" cmpd="sng" algn="ctr">
+                      <a:solidFill>
+                        <a:srgbClr val="000000"/>
+                      </a:solidFill>
+                      <a:prstDash val="solid"/>
+                      <a:round/>
+                      <a:headEnd type="none" w="med" len="med"/>
+                      <a:tailEnd type="none" w="med" len="med"/>
+                    </a:lnL>
+                    <a:lnR w="6350" cap="flat" cmpd="sng" algn="ctr">
+                      <a:solidFill>
+                        <a:srgbClr val="000000"/>
+                      </a:solidFill>
+                      <a:prstDash val="solid"/>
+                      <a:round/>
+                      <a:headEnd type="none" w="med" len="med"/>
+                      <a:tailEnd type="none" w="med" len="med"/>
+                    </a:lnR>
+                    <a:lnT w="6350" cap="flat" cmpd="sng" algn="ctr">
+                      <a:solidFill>
+                        <a:srgbClr val="000000"/>
+                      </a:solidFill>
+                      <a:prstDash val="solid"/>
+                      <a:round/>
+                      <a:headEnd type="none" w="med" len="med"/>
+                      <a:tailEnd type="none" w="med" len="med"/>
+                    </a:lnT>
+                    <a:lnB w="6350" cap="flat" cmpd="sng" algn="ctr">
+                      <a:solidFill>
+                        <a:srgbClr val="000000"/>
+                      </a:solidFill>
+                      <a:prstDash val="solid"/>
+                      <a:round/>
+                      <a:headEnd type="none" w="med" len="med"/>
+                      <a:tailEnd type="none" w="med" len="med"/>
+                    </a:lnB>
+                    <a:solidFill>
+                      <a:srgbClr val="FFFFFF"/>
+                    </a:solidFill>
+                  </a:tcPr>
+                </a:tc>
+                <a:tc>
+                  <a:txBody>
+                    <a:bodyPr/>
+                    <a:lstStyle/>
+                    <a:p>
+                      <a:pPr algn="l" fontAlgn="b"/>
+                      <a:r>
+                        <a:rPr lang="en-AT" sz="1000" b="0" i="0" u="none" strike="noStrike">
+                          <a:solidFill>
+                            <a:srgbClr val="000000"/>
+                          </a:solidFill>
+                          <a:effectLst/>
+                          <a:latin typeface="Calibri" panose="020F0502020204030204" pitchFamily="34" charset="0"/>
+                        </a:rPr>
+                        <a:t>0.929 ± 0.021</a:t>
+                      </a:r>
+                    </a:p>
+                  </a:txBody>
+                  <a:tcPr marL="7687" marR="7687" marT="7687" marB="0" anchor="b">
+                    <a:lnL w="6350" cap="flat" cmpd="sng" algn="ctr">
+                      <a:solidFill>
+                        <a:srgbClr val="000000"/>
+                      </a:solidFill>
+                      <a:prstDash val="solid"/>
+                      <a:round/>
+                      <a:headEnd type="none" w="med" len="med"/>
+                      <a:tailEnd type="none" w="med" len="med"/>
+                    </a:lnL>
+                    <a:lnR w="6350" cap="flat" cmpd="sng" algn="ctr">
+                      <a:solidFill>
+                        <a:srgbClr val="000000"/>
+                      </a:solidFill>
+                      <a:prstDash val="solid"/>
+                      <a:round/>
+                      <a:headEnd type="none" w="med" len="med"/>
+                      <a:tailEnd type="none" w="med" len="med"/>
+                    </a:lnR>
+                    <a:lnT w="6350" cap="flat" cmpd="sng" algn="ctr">
+                      <a:solidFill>
+                        <a:srgbClr val="000000"/>
+                      </a:solidFill>
+                      <a:prstDash val="solid"/>
+                      <a:round/>
+                      <a:headEnd type="none" w="med" len="med"/>
+                      <a:tailEnd type="none" w="med" len="med"/>
+                    </a:lnT>
+                    <a:lnB w="6350" cap="flat" cmpd="sng" algn="ctr">
+                      <a:solidFill>
+                        <a:srgbClr val="000000"/>
+                      </a:solidFill>
+                      <a:prstDash val="solid"/>
+                      <a:round/>
+                      <a:headEnd type="none" w="med" len="med"/>
+                      <a:tailEnd type="none" w="med" len="med"/>
+                    </a:lnB>
+                    <a:solidFill>
+                      <a:srgbClr val="FFFFFF"/>
+                    </a:solidFill>
+                  </a:tcPr>
+                </a:tc>
+                <a:extLst>
+                  <a:ext uri="{0D108BD9-81ED-4DB2-BD59-A6C34878D82A}">
+                    <a16:rowId xmlns:a16="http://schemas.microsoft.com/office/drawing/2014/main" val="4280541725"/>
+                  </a:ext>
+                </a:extLst>
+              </a:tr>
+              <a:tr h="153737">
+                <a:tc>
+                  <a:txBody>
+                    <a:bodyPr/>
+                    <a:lstStyle/>
+                    <a:p>
+                      <a:pPr algn="l" fontAlgn="b"/>
+                      <a:r>
+                        <a:rPr lang="en-US" sz="1000" b="0" i="0" u="none" strike="noStrike">
+                          <a:solidFill>
+                            <a:srgbClr val="000000"/>
+                          </a:solidFill>
+                          <a:effectLst/>
+                          <a:latin typeface="Calibri" panose="020F0502020204030204" pitchFamily="34" charset="0"/>
+                        </a:rPr>
+                        <a:t>ct_gru</a:t>
+                      </a:r>
+                    </a:p>
+                  </a:txBody>
+                  <a:tcPr marL="7687" marR="7687" marT="7687" marB="0" anchor="b">
+                    <a:lnL w="6350" cap="flat" cmpd="sng" algn="ctr">
+                      <a:solidFill>
+                        <a:srgbClr val="000000"/>
+                      </a:solidFill>
+                      <a:prstDash val="solid"/>
+                      <a:round/>
+                      <a:headEnd type="none" w="med" len="med"/>
+                      <a:tailEnd type="none" w="med" len="med"/>
+                    </a:lnL>
+                    <a:lnR w="6350" cap="flat" cmpd="sng" algn="ctr">
+                      <a:solidFill>
+                        <a:srgbClr val="000000"/>
+                      </a:solidFill>
+                      <a:prstDash val="solid"/>
+                      <a:round/>
+                      <a:headEnd type="none" w="med" len="med"/>
+                      <a:tailEnd type="none" w="med" len="med"/>
+                    </a:lnR>
+                    <a:lnT w="6350" cap="flat" cmpd="sng" algn="ctr">
+                      <a:solidFill>
+                        <a:srgbClr val="000000"/>
+                      </a:solidFill>
+                      <a:prstDash val="solid"/>
+                      <a:round/>
+                      <a:headEnd type="none" w="med" len="med"/>
+                      <a:tailEnd type="none" w="med" len="med"/>
+                    </a:lnT>
+                    <a:lnB w="6350" cap="flat" cmpd="sng" algn="ctr">
+                      <a:solidFill>
+                        <a:srgbClr val="000000"/>
+                      </a:solidFill>
+                      <a:prstDash val="solid"/>
+                      <a:round/>
+                      <a:headEnd type="none" w="med" len="med"/>
+                      <a:tailEnd type="none" w="med" len="med"/>
+                    </a:lnB>
+                    <a:solidFill>
+                      <a:srgbClr val="FFFFFF"/>
+                    </a:solidFill>
+                  </a:tcPr>
+                </a:tc>
+                <a:tc>
+                  <a:txBody>
+                    <a:bodyPr/>
+                    <a:lstStyle/>
+                    <a:p>
+                      <a:pPr algn="r" fontAlgn="b"/>
+                      <a:r>
+                        <a:rPr lang="en-AT" sz="1000" b="0" i="0" u="none" strike="noStrike">
+                          <a:solidFill>
+                            <a:srgbClr val="000000"/>
+                          </a:solidFill>
+                          <a:effectLst/>
+                          <a:latin typeface="Calibri" panose="020F0502020204030204" pitchFamily="34" charset="0"/>
+                        </a:rPr>
+                        <a:t>21991</a:t>
+                      </a:r>
+                    </a:p>
+                  </a:txBody>
+                  <a:tcPr marL="7687" marR="7687" marT="7687" marB="0" anchor="b">
+                    <a:lnL w="6350" cap="flat" cmpd="sng" algn="ctr">
+                      <a:solidFill>
+                        <a:srgbClr val="000000"/>
+                      </a:solidFill>
+                      <a:prstDash val="solid"/>
+                      <a:round/>
+                      <a:headEnd type="none" w="med" len="med"/>
+                      <a:tailEnd type="none" w="med" len="med"/>
+                    </a:lnL>
+                    <a:lnR w="6350" cap="flat" cmpd="sng" algn="ctr">
+                      <a:solidFill>
+                        <a:srgbClr val="000000"/>
+                      </a:solidFill>
+                      <a:prstDash val="solid"/>
+                      <a:round/>
+                      <a:headEnd type="none" w="med" len="med"/>
+                      <a:tailEnd type="none" w="med" len="med"/>
+                    </a:lnR>
+                    <a:lnT w="6350" cap="flat" cmpd="sng" algn="ctr">
+                      <a:solidFill>
+                        <a:srgbClr val="000000"/>
+                      </a:solidFill>
+                      <a:prstDash val="solid"/>
+                      <a:round/>
+                      <a:headEnd type="none" w="med" len="med"/>
+                      <a:tailEnd type="none" w="med" len="med"/>
+                    </a:lnT>
+                    <a:lnB w="6350" cap="flat" cmpd="sng" algn="ctr">
+                      <a:solidFill>
+                        <a:srgbClr val="000000"/>
+                      </a:solidFill>
+                      <a:prstDash val="solid"/>
+                      <a:round/>
+                      <a:headEnd type="none" w="med" len="med"/>
+                      <a:tailEnd type="none" w="med" len="med"/>
+                    </a:lnB>
+                    <a:solidFill>
+                      <a:srgbClr val="FFFFFF"/>
+                    </a:solidFill>
+                  </a:tcPr>
+                </a:tc>
+                <a:tc>
+                  <a:txBody>
+                    <a:bodyPr/>
+                    <a:lstStyle/>
+                    <a:p>
+                      <a:pPr algn="l" fontAlgn="b"/>
+                      <a:r>
+                        <a:rPr lang="en-AT" sz="1000" b="0" i="0" u="none" strike="noStrike">
+                          <a:solidFill>
+                            <a:srgbClr val="000000"/>
+                          </a:solidFill>
+                          <a:effectLst/>
+                          <a:latin typeface="Calibri" panose="020F0502020204030204" pitchFamily="34" charset="0"/>
+                        </a:rPr>
+                        <a:t>1289.666 ± 303.182</a:t>
+                      </a:r>
+                    </a:p>
+                  </a:txBody>
+                  <a:tcPr marL="7687" marR="7687" marT="7687" marB="0" anchor="b">
+                    <a:lnL w="6350" cap="flat" cmpd="sng" algn="ctr">
+                      <a:solidFill>
+                        <a:srgbClr val="000000"/>
+                      </a:solidFill>
+                      <a:prstDash val="solid"/>
+                      <a:round/>
+                      <a:headEnd type="none" w="med" len="med"/>
+                      <a:tailEnd type="none" w="med" len="med"/>
+                    </a:lnL>
+                    <a:lnR w="6350" cap="flat" cmpd="sng" algn="ctr">
+                      <a:solidFill>
+                        <a:srgbClr val="000000"/>
+                      </a:solidFill>
+                      <a:prstDash val="solid"/>
+                      <a:round/>
+                      <a:headEnd type="none" w="med" len="med"/>
+                      <a:tailEnd type="none" w="med" len="med"/>
+                    </a:lnR>
+                    <a:lnT w="6350" cap="flat" cmpd="sng" algn="ctr">
+                      <a:solidFill>
+                        <a:srgbClr val="000000"/>
+                      </a:solidFill>
+                      <a:prstDash val="solid"/>
+                      <a:round/>
+                      <a:headEnd type="none" w="med" len="med"/>
+                      <a:tailEnd type="none" w="med" len="med"/>
+                    </a:lnT>
+                    <a:lnB w="6350" cap="flat" cmpd="sng" algn="ctr">
+                      <a:solidFill>
+                        <a:srgbClr val="000000"/>
+                      </a:solidFill>
+                      <a:prstDash val="solid"/>
+                      <a:round/>
+                      <a:headEnd type="none" w="med" len="med"/>
+                      <a:tailEnd type="none" w="med" len="med"/>
+                    </a:lnB>
+                    <a:solidFill>
+                      <a:srgbClr val="FFFFFF"/>
+                    </a:solidFill>
+                  </a:tcPr>
+                </a:tc>
+                <a:tc>
+                  <a:txBody>
+                    <a:bodyPr/>
+                    <a:lstStyle/>
+                    <a:p>
+                      <a:pPr algn="l" fontAlgn="b"/>
+                      <a:r>
+                        <a:rPr lang="en-AT" sz="1000" b="0" i="0" u="none" strike="noStrike">
+                          <a:solidFill>
+                            <a:srgbClr val="000000"/>
+                          </a:solidFill>
+                          <a:effectLst/>
+                          <a:latin typeface="Calibri" panose="020F0502020204030204" pitchFamily="34" charset="0"/>
+                        </a:rPr>
+                        <a:t>31.936 ± 0.483</a:t>
+                      </a:r>
+                    </a:p>
+                  </a:txBody>
+                  <a:tcPr marL="7687" marR="7687" marT="7687" marB="0" anchor="b">
+                    <a:lnL w="6350" cap="flat" cmpd="sng" algn="ctr">
+                      <a:solidFill>
+                        <a:srgbClr val="000000"/>
+                      </a:solidFill>
+                      <a:prstDash val="solid"/>
+                      <a:round/>
+                      <a:headEnd type="none" w="med" len="med"/>
+                      <a:tailEnd type="none" w="med" len="med"/>
+                    </a:lnL>
+                    <a:lnR w="6350" cap="flat" cmpd="sng" algn="ctr">
+                      <a:solidFill>
+                        <a:srgbClr val="000000"/>
+                      </a:solidFill>
+                      <a:prstDash val="solid"/>
+                      <a:round/>
+                      <a:headEnd type="none" w="med" len="med"/>
+                      <a:tailEnd type="none" w="med" len="med"/>
+                    </a:lnR>
+                    <a:lnT w="6350" cap="flat" cmpd="sng" algn="ctr">
+                      <a:solidFill>
+                        <a:srgbClr val="000000"/>
+                      </a:solidFill>
+                      <a:prstDash val="solid"/>
+                      <a:round/>
+                      <a:headEnd type="none" w="med" len="med"/>
+                      <a:tailEnd type="none" w="med" len="med"/>
+                    </a:lnT>
+                    <a:lnB w="6350" cap="flat" cmpd="sng" algn="ctr">
+                      <a:solidFill>
+                        <a:srgbClr val="000000"/>
+                      </a:solidFill>
+                      <a:prstDash val="solid"/>
+                      <a:round/>
+                      <a:headEnd type="none" w="med" len="med"/>
+                      <a:tailEnd type="none" w="med" len="med"/>
+                    </a:lnB>
+                    <a:solidFill>
+                      <a:srgbClr val="FFFFFF"/>
+                    </a:solidFill>
+                  </a:tcPr>
+                </a:tc>
+                <a:tc>
+                  <a:txBody>
+                    <a:bodyPr/>
+                    <a:lstStyle/>
+                    <a:p>
+                      <a:pPr algn="l" fontAlgn="b"/>
+                      <a:r>
+                        <a:rPr lang="en-AT" sz="1000" b="0" i="0" u="none" strike="noStrike">
+                          <a:solidFill>
+                            <a:srgbClr val="000000"/>
+                          </a:solidFill>
+                          <a:effectLst/>
+                          <a:latin typeface="Calibri" panose="020F0502020204030204" pitchFamily="34" charset="0"/>
+                        </a:rPr>
+                        <a:t>40.333 ± 9.074</a:t>
+                      </a:r>
+                    </a:p>
+                  </a:txBody>
+                  <a:tcPr marL="7687" marR="7687" marT="7687" marB="0" anchor="b">
+                    <a:lnL w="6350" cap="flat" cmpd="sng" algn="ctr">
+                      <a:solidFill>
+                        <a:srgbClr val="000000"/>
+                      </a:solidFill>
+                      <a:prstDash val="solid"/>
+                      <a:round/>
+                      <a:headEnd type="none" w="med" len="med"/>
+                      <a:tailEnd type="none" w="med" len="med"/>
+                    </a:lnL>
+                    <a:lnR w="6350" cap="flat" cmpd="sng" algn="ctr">
+                      <a:solidFill>
+                        <a:srgbClr val="000000"/>
+                      </a:solidFill>
+                      <a:prstDash val="solid"/>
+                      <a:round/>
+                      <a:headEnd type="none" w="med" len="med"/>
+                      <a:tailEnd type="none" w="med" len="med"/>
+                    </a:lnR>
+                    <a:lnT w="6350" cap="flat" cmpd="sng" algn="ctr">
+                      <a:solidFill>
+                        <a:srgbClr val="000000"/>
+                      </a:solidFill>
+                      <a:prstDash val="solid"/>
+                      <a:round/>
+                      <a:headEnd type="none" w="med" len="med"/>
+                      <a:tailEnd type="none" w="med" len="med"/>
+                    </a:lnT>
+                    <a:lnB w="6350" cap="flat" cmpd="sng" algn="ctr">
+                      <a:solidFill>
+                        <a:srgbClr val="000000"/>
+                      </a:solidFill>
+                      <a:prstDash val="solid"/>
+                      <a:round/>
+                      <a:headEnd type="none" w="med" len="med"/>
+                      <a:tailEnd type="none" w="med" len="med"/>
+                    </a:lnB>
+                    <a:solidFill>
+                      <a:srgbClr val="FFFFFF"/>
+                    </a:solidFill>
+                  </a:tcPr>
+                </a:tc>
+                <a:tc>
+                  <a:txBody>
+                    <a:bodyPr/>
+                    <a:lstStyle/>
+                    <a:p>
+                      <a:pPr algn="l" fontAlgn="b"/>
+                      <a:r>
+                        <a:rPr lang="en-AT" sz="1000" b="0" i="0" u="none" strike="noStrike">
+                          <a:solidFill>
+                            <a:srgbClr val="000000"/>
+                          </a:solidFill>
+                          <a:effectLst/>
+                          <a:latin typeface="Calibri" panose="020F0502020204030204" pitchFamily="34" charset="0"/>
+                        </a:rPr>
+                        <a:t>0.223 ± 0.040</a:t>
+                      </a:r>
+                    </a:p>
+                  </a:txBody>
+                  <a:tcPr marL="7687" marR="7687" marT="7687" marB="0" anchor="b">
+                    <a:lnL w="6350" cap="flat" cmpd="sng" algn="ctr">
+                      <a:solidFill>
+                        <a:srgbClr val="000000"/>
+                      </a:solidFill>
+                      <a:prstDash val="solid"/>
+                      <a:round/>
+                      <a:headEnd type="none" w="med" len="med"/>
+                      <a:tailEnd type="none" w="med" len="med"/>
+                    </a:lnL>
+                    <a:lnR w="6350" cap="flat" cmpd="sng" algn="ctr">
+                      <a:solidFill>
+                        <a:srgbClr val="000000"/>
+                      </a:solidFill>
+                      <a:prstDash val="solid"/>
+                      <a:round/>
+                      <a:headEnd type="none" w="med" len="med"/>
+                      <a:tailEnd type="none" w="med" len="med"/>
+                    </a:lnR>
+                    <a:lnT w="6350" cap="flat" cmpd="sng" algn="ctr">
+                      <a:solidFill>
+                        <a:srgbClr val="000000"/>
+                      </a:solidFill>
+                      <a:prstDash val="solid"/>
+                      <a:round/>
+                      <a:headEnd type="none" w="med" len="med"/>
+                      <a:tailEnd type="none" w="med" len="med"/>
+                    </a:lnT>
+                    <a:lnB w="6350" cap="flat" cmpd="sng" algn="ctr">
+                      <a:solidFill>
+                        <a:srgbClr val="000000"/>
+                      </a:solidFill>
+                      <a:prstDash val="solid"/>
+                      <a:round/>
+                      <a:headEnd type="none" w="med" len="med"/>
+                      <a:tailEnd type="none" w="med" len="med"/>
+                    </a:lnB>
+                    <a:solidFill>
+                      <a:srgbClr val="FFFFFF"/>
+                    </a:solidFill>
+                  </a:tcPr>
+                </a:tc>
+                <a:tc>
+                  <a:txBody>
+                    <a:bodyPr/>
+                    <a:lstStyle/>
+                    <a:p>
+                      <a:pPr algn="l" fontAlgn="b"/>
+                      <a:r>
+                        <a:rPr lang="en-AT" sz="1000" b="0" i="0" u="none" strike="noStrike">
+                          <a:solidFill>
+                            <a:srgbClr val="000000"/>
+                          </a:solidFill>
+                          <a:effectLst/>
+                          <a:latin typeface="Calibri" panose="020F0502020204030204" pitchFamily="34" charset="0"/>
+                        </a:rPr>
+                        <a:t>0.922 ± 0.014</a:t>
+                      </a:r>
+                    </a:p>
+                  </a:txBody>
+                  <a:tcPr marL="7687" marR="7687" marT="7687" marB="0" anchor="b">
+                    <a:lnL w="6350" cap="flat" cmpd="sng" algn="ctr">
+                      <a:solidFill>
+                        <a:srgbClr val="000000"/>
+                      </a:solidFill>
+                      <a:prstDash val="solid"/>
+                      <a:round/>
+                      <a:headEnd type="none" w="med" len="med"/>
+                      <a:tailEnd type="none" w="med" len="med"/>
+                    </a:lnL>
+                    <a:lnR w="6350" cap="flat" cmpd="sng" algn="ctr">
+                      <a:solidFill>
+                        <a:srgbClr val="000000"/>
+                      </a:solidFill>
+                      <a:prstDash val="solid"/>
+                      <a:round/>
+                      <a:headEnd type="none" w="med" len="med"/>
+                      <a:tailEnd type="none" w="med" len="med"/>
+                    </a:lnR>
+                    <a:lnT w="6350" cap="flat" cmpd="sng" algn="ctr">
+                      <a:solidFill>
+                        <a:srgbClr val="000000"/>
+                      </a:solidFill>
+                      <a:prstDash val="solid"/>
+                      <a:round/>
+                      <a:headEnd type="none" w="med" len="med"/>
+                      <a:tailEnd type="none" w="med" len="med"/>
+                    </a:lnT>
+                    <a:lnB w="6350" cap="flat" cmpd="sng" algn="ctr">
+                      <a:solidFill>
+                        <a:srgbClr val="000000"/>
+                      </a:solidFill>
+                      <a:prstDash val="solid"/>
+                      <a:round/>
+                      <a:headEnd type="none" w="med" len="med"/>
+                      <a:tailEnd type="none" w="med" len="med"/>
+                    </a:lnB>
+                    <a:solidFill>
+                      <a:srgbClr val="FFFFFF"/>
+                    </a:solidFill>
+                  </a:tcPr>
+                </a:tc>
+                <a:extLst>
+                  <a:ext uri="{0D108BD9-81ED-4DB2-BD59-A6C34878D82A}">
+                    <a16:rowId xmlns:a16="http://schemas.microsoft.com/office/drawing/2014/main" val="3952278753"/>
+                  </a:ext>
+                </a:extLst>
+              </a:tr>
+              <a:tr h="153737">
+                <a:tc>
+                  <a:txBody>
+                    <a:bodyPr/>
+                    <a:lstStyle/>
+                    <a:p>
+                      <a:pPr algn="l" fontAlgn="b"/>
+                      <a:r>
+                        <a:rPr lang="en-US" sz="1000" b="0" i="0" u="none" strike="noStrike">
+                          <a:solidFill>
+                            <a:srgbClr val="000000"/>
+                          </a:solidFill>
+                          <a:effectLst/>
+                          <a:latin typeface="Calibri" panose="020F0502020204030204" pitchFamily="34" charset="0"/>
+                        </a:rPr>
+                        <a:t>differentiable_neural_computer</a:t>
+                      </a:r>
+                    </a:p>
+                  </a:txBody>
+                  <a:tcPr marL="7687" marR="7687" marT="7687" marB="0" anchor="b">
+                    <a:lnL w="6350" cap="flat" cmpd="sng" algn="ctr">
+                      <a:solidFill>
+                        <a:srgbClr val="000000"/>
+                      </a:solidFill>
+                      <a:prstDash val="solid"/>
+                      <a:round/>
+                      <a:headEnd type="none" w="med" len="med"/>
+                      <a:tailEnd type="none" w="med" len="med"/>
+                    </a:lnL>
+                    <a:lnR w="6350" cap="flat" cmpd="sng" algn="ctr">
+                      <a:solidFill>
+                        <a:srgbClr val="000000"/>
+                      </a:solidFill>
+                      <a:prstDash val="solid"/>
+                      <a:round/>
+                      <a:headEnd type="none" w="med" len="med"/>
+                      <a:tailEnd type="none" w="med" len="med"/>
+                    </a:lnR>
+                    <a:lnT w="6350" cap="flat" cmpd="sng" algn="ctr">
+                      <a:solidFill>
+                        <a:srgbClr val="000000"/>
+                      </a:solidFill>
+                      <a:prstDash val="solid"/>
+                      <a:round/>
+                      <a:headEnd type="none" w="med" len="med"/>
+                      <a:tailEnd type="none" w="med" len="med"/>
+                    </a:lnT>
+                    <a:lnB w="6350" cap="flat" cmpd="sng" algn="ctr">
+                      <a:solidFill>
+                        <a:srgbClr val="000000"/>
+                      </a:solidFill>
+                      <a:prstDash val="solid"/>
+                      <a:round/>
+                      <a:headEnd type="none" w="med" len="med"/>
+                      <a:tailEnd type="none" w="med" len="med"/>
+                    </a:lnB>
+                    <a:solidFill>
+                      <a:srgbClr val="FFFFFF"/>
+                    </a:solidFill>
+                  </a:tcPr>
+                </a:tc>
+                <a:tc>
+                  <a:txBody>
+                    <a:bodyPr/>
+                    <a:lstStyle/>
+                    <a:p>
+                      <a:pPr algn="r" fontAlgn="b"/>
+                      <a:r>
+                        <a:rPr lang="en-AT" sz="1000" b="0" i="0" u="none" strike="noStrike">
+                          <a:solidFill>
+                            <a:srgbClr val="000000"/>
+                          </a:solidFill>
+                          <a:effectLst/>
+                          <a:latin typeface="Calibri" panose="020F0502020204030204" pitchFamily="34" charset="0"/>
+                        </a:rPr>
+                        <a:t>26540</a:t>
+                      </a:r>
+                    </a:p>
+                  </a:txBody>
+                  <a:tcPr marL="7687" marR="7687" marT="7687" marB="0" anchor="b">
+                    <a:lnL w="6350" cap="flat" cmpd="sng" algn="ctr">
+                      <a:solidFill>
+                        <a:srgbClr val="000000"/>
+                      </a:solidFill>
+                      <a:prstDash val="solid"/>
+                      <a:round/>
+                      <a:headEnd type="none" w="med" len="med"/>
+                      <a:tailEnd type="none" w="med" len="med"/>
+                    </a:lnL>
+                    <a:lnR w="6350" cap="flat" cmpd="sng" algn="ctr">
+                      <a:solidFill>
+                        <a:srgbClr val="000000"/>
+                      </a:solidFill>
+                      <a:prstDash val="solid"/>
+                      <a:round/>
+                      <a:headEnd type="none" w="med" len="med"/>
+                      <a:tailEnd type="none" w="med" len="med"/>
+                    </a:lnR>
+                    <a:lnT w="6350" cap="flat" cmpd="sng" algn="ctr">
+                      <a:solidFill>
+                        <a:srgbClr val="000000"/>
+                      </a:solidFill>
+                      <a:prstDash val="solid"/>
+                      <a:round/>
+                      <a:headEnd type="none" w="med" len="med"/>
+                      <a:tailEnd type="none" w="med" len="med"/>
+                    </a:lnT>
+                    <a:lnB w="6350" cap="flat" cmpd="sng" algn="ctr">
+                      <a:solidFill>
+                        <a:srgbClr val="000000"/>
+                      </a:solidFill>
+                      <a:prstDash val="solid"/>
+                      <a:round/>
+                      <a:headEnd type="none" w="med" len="med"/>
+                      <a:tailEnd type="none" w="med" len="med"/>
+                    </a:lnB>
+                    <a:solidFill>
+                      <a:srgbClr val="FFFFFF"/>
+                    </a:solidFill>
+                  </a:tcPr>
+                </a:tc>
+                <a:tc>
+                  <a:txBody>
+                    <a:bodyPr/>
+                    <a:lstStyle/>
+                    <a:p>
+                      <a:pPr algn="l" fontAlgn="b"/>
+                      <a:r>
+                        <a:rPr lang="en-AT" sz="1000" b="0" i="0" u="none" strike="noStrike">
+                          <a:solidFill>
+                            <a:srgbClr val="000000"/>
+                          </a:solidFill>
+                          <a:effectLst/>
+                          <a:latin typeface="Calibri" panose="020F0502020204030204" pitchFamily="34" charset="0"/>
+                        </a:rPr>
+                        <a:t>4425.337 ± 929.309</a:t>
+                      </a:r>
+                    </a:p>
+                  </a:txBody>
+                  <a:tcPr marL="7687" marR="7687" marT="7687" marB="0" anchor="b">
+                    <a:lnL w="6350" cap="flat" cmpd="sng" algn="ctr">
+                      <a:solidFill>
+                        <a:srgbClr val="000000"/>
+                      </a:solidFill>
+                      <a:prstDash val="solid"/>
+                      <a:round/>
+                      <a:headEnd type="none" w="med" len="med"/>
+                      <a:tailEnd type="none" w="med" len="med"/>
+                    </a:lnL>
+                    <a:lnR w="6350" cap="flat" cmpd="sng" algn="ctr">
+                      <a:solidFill>
+                        <a:srgbClr val="000000"/>
+                      </a:solidFill>
+                      <a:prstDash val="solid"/>
+                      <a:round/>
+                      <a:headEnd type="none" w="med" len="med"/>
+                      <a:tailEnd type="none" w="med" len="med"/>
+                    </a:lnR>
+                    <a:lnT w="6350" cap="flat" cmpd="sng" algn="ctr">
+                      <a:solidFill>
+                        <a:srgbClr val="000000"/>
+                      </a:solidFill>
+                      <a:prstDash val="solid"/>
+                      <a:round/>
+                      <a:headEnd type="none" w="med" len="med"/>
+                      <a:tailEnd type="none" w="med" len="med"/>
+                    </a:lnT>
+                    <a:lnB w="6350" cap="flat" cmpd="sng" algn="ctr">
+                      <a:solidFill>
+                        <a:srgbClr val="000000"/>
+                      </a:solidFill>
+                      <a:prstDash val="solid"/>
+                      <a:round/>
+                      <a:headEnd type="none" w="med" len="med"/>
+                      <a:tailEnd type="none" w="med" len="med"/>
+                    </a:lnB>
+                    <a:solidFill>
+                      <a:srgbClr val="FFFFFF"/>
+                    </a:solidFill>
+                  </a:tcPr>
+                </a:tc>
+                <a:tc>
+                  <a:txBody>
+                    <a:bodyPr/>
+                    <a:lstStyle/>
+                    <a:p>
+                      <a:pPr algn="l" fontAlgn="b"/>
+                      <a:r>
+                        <a:rPr lang="en-AT" sz="1000" b="0" i="0" u="none" strike="noStrike">
+                          <a:solidFill>
+                            <a:srgbClr val="000000"/>
+                          </a:solidFill>
+                          <a:effectLst/>
+                          <a:latin typeface="Calibri" panose="020F0502020204030204" pitchFamily="34" charset="0"/>
+                        </a:rPr>
+                        <a:t>102.129 ± 1.515</a:t>
+                      </a:r>
+                    </a:p>
+                  </a:txBody>
+                  <a:tcPr marL="7687" marR="7687" marT="7687" marB="0" anchor="b">
+                    <a:lnL w="6350" cap="flat" cmpd="sng" algn="ctr">
+                      <a:solidFill>
+                        <a:srgbClr val="000000"/>
+                      </a:solidFill>
+                      <a:prstDash val="solid"/>
+                      <a:round/>
+                      <a:headEnd type="none" w="med" len="med"/>
+                      <a:tailEnd type="none" w="med" len="med"/>
+                    </a:lnL>
+                    <a:lnR w="6350" cap="flat" cmpd="sng" algn="ctr">
+                      <a:solidFill>
+                        <a:srgbClr val="000000"/>
+                      </a:solidFill>
+                      <a:prstDash val="solid"/>
+                      <a:round/>
+                      <a:headEnd type="none" w="med" len="med"/>
+                      <a:tailEnd type="none" w="med" len="med"/>
+                    </a:lnR>
+                    <a:lnT w="6350" cap="flat" cmpd="sng" algn="ctr">
+                      <a:solidFill>
+                        <a:srgbClr val="000000"/>
+                      </a:solidFill>
+                      <a:prstDash val="solid"/>
+                      <a:round/>
+                      <a:headEnd type="none" w="med" len="med"/>
+                      <a:tailEnd type="none" w="med" len="med"/>
+                    </a:lnT>
+                    <a:lnB w="6350" cap="flat" cmpd="sng" algn="ctr">
+                      <a:solidFill>
+                        <a:srgbClr val="000000"/>
+                      </a:solidFill>
+                      <a:prstDash val="solid"/>
+                      <a:round/>
+                      <a:headEnd type="none" w="med" len="med"/>
+                      <a:tailEnd type="none" w="med" len="med"/>
+                    </a:lnB>
+                    <a:solidFill>
+                      <a:srgbClr val="FFFFFF"/>
+                    </a:solidFill>
+                  </a:tcPr>
+                </a:tc>
+                <a:tc>
+                  <a:txBody>
+                    <a:bodyPr/>
+                    <a:lstStyle/>
+                    <a:p>
+                      <a:pPr algn="l" fontAlgn="b"/>
+                      <a:r>
+                        <a:rPr lang="en-AT" sz="1000" b="0" i="0" u="none" strike="noStrike">
+                          <a:solidFill>
+                            <a:srgbClr val="000000"/>
+                          </a:solidFill>
+                          <a:effectLst/>
+                          <a:latin typeface="Calibri" panose="020F0502020204030204" pitchFamily="34" charset="0"/>
+                        </a:rPr>
+                        <a:t>43.333 ± 9.018</a:t>
+                      </a:r>
+                    </a:p>
+                  </a:txBody>
+                  <a:tcPr marL="7687" marR="7687" marT="7687" marB="0" anchor="b">
+                    <a:lnL w="6350" cap="flat" cmpd="sng" algn="ctr">
+                      <a:solidFill>
+                        <a:srgbClr val="000000"/>
+                      </a:solidFill>
+                      <a:prstDash val="solid"/>
+                      <a:round/>
+                      <a:headEnd type="none" w="med" len="med"/>
+                      <a:tailEnd type="none" w="med" len="med"/>
+                    </a:lnL>
+                    <a:lnR w="6350" cap="flat" cmpd="sng" algn="ctr">
+                      <a:solidFill>
+                        <a:srgbClr val="000000"/>
+                      </a:solidFill>
+                      <a:prstDash val="solid"/>
+                      <a:round/>
+                      <a:headEnd type="none" w="med" len="med"/>
+                      <a:tailEnd type="none" w="med" len="med"/>
+                    </a:lnR>
+                    <a:lnT w="6350" cap="flat" cmpd="sng" algn="ctr">
+                      <a:solidFill>
+                        <a:srgbClr val="000000"/>
+                      </a:solidFill>
+                      <a:prstDash val="solid"/>
+                      <a:round/>
+                      <a:headEnd type="none" w="med" len="med"/>
+                      <a:tailEnd type="none" w="med" len="med"/>
+                    </a:lnT>
+                    <a:lnB w="6350" cap="flat" cmpd="sng" algn="ctr">
+                      <a:solidFill>
+                        <a:srgbClr val="000000"/>
+                      </a:solidFill>
+                      <a:prstDash val="solid"/>
+                      <a:round/>
+                      <a:headEnd type="none" w="med" len="med"/>
+                      <a:tailEnd type="none" w="med" len="med"/>
+                    </a:lnB>
+                    <a:solidFill>
+                      <a:srgbClr val="FFFFFF"/>
+                    </a:solidFill>
+                  </a:tcPr>
+                </a:tc>
+                <a:tc>
+                  <a:txBody>
+                    <a:bodyPr/>
+                    <a:lstStyle/>
+                    <a:p>
+                      <a:pPr algn="l" fontAlgn="b"/>
+                      <a:r>
+                        <a:rPr lang="en-AT" sz="1000" b="0" i="0" u="none" strike="noStrike">
+                          <a:solidFill>
+                            <a:srgbClr val="000000"/>
+                          </a:solidFill>
+                          <a:effectLst/>
+                          <a:latin typeface="Calibri" panose="020F0502020204030204" pitchFamily="34" charset="0"/>
+                        </a:rPr>
+                        <a:t>0.229 ± 0.046</a:t>
+                      </a:r>
+                    </a:p>
+                  </a:txBody>
+                  <a:tcPr marL="7687" marR="7687" marT="7687" marB="0" anchor="b">
+                    <a:lnL w="6350" cap="flat" cmpd="sng" algn="ctr">
+                      <a:solidFill>
+                        <a:srgbClr val="000000"/>
+                      </a:solidFill>
+                      <a:prstDash val="solid"/>
+                      <a:round/>
+                      <a:headEnd type="none" w="med" len="med"/>
+                      <a:tailEnd type="none" w="med" len="med"/>
+                    </a:lnL>
+                    <a:lnR w="6350" cap="flat" cmpd="sng" algn="ctr">
+                      <a:solidFill>
+                        <a:srgbClr val="000000"/>
+                      </a:solidFill>
+                      <a:prstDash val="solid"/>
+                      <a:round/>
+                      <a:headEnd type="none" w="med" len="med"/>
+                      <a:tailEnd type="none" w="med" len="med"/>
+                    </a:lnR>
+                    <a:lnT w="6350" cap="flat" cmpd="sng" algn="ctr">
+                      <a:solidFill>
+                        <a:srgbClr val="000000"/>
+                      </a:solidFill>
+                      <a:prstDash val="solid"/>
+                      <a:round/>
+                      <a:headEnd type="none" w="med" len="med"/>
+                      <a:tailEnd type="none" w="med" len="med"/>
+                    </a:lnT>
+                    <a:lnB w="6350" cap="flat" cmpd="sng" algn="ctr">
+                      <a:solidFill>
+                        <a:srgbClr val="000000"/>
+                      </a:solidFill>
+                      <a:prstDash val="solid"/>
+                      <a:round/>
+                      <a:headEnd type="none" w="med" len="med"/>
+                      <a:tailEnd type="none" w="med" len="med"/>
+                    </a:lnB>
+                    <a:solidFill>
+                      <a:srgbClr val="FFFFFF"/>
+                    </a:solidFill>
+                  </a:tcPr>
+                </a:tc>
+                <a:tc>
+                  <a:txBody>
+                    <a:bodyPr/>
+                    <a:lstStyle/>
+                    <a:p>
+                      <a:pPr algn="l" fontAlgn="b"/>
+                      <a:r>
+                        <a:rPr lang="en-AT" sz="1000" b="0" i="0" u="none" strike="noStrike">
+                          <a:solidFill>
+                            <a:srgbClr val="000000"/>
+                          </a:solidFill>
+                          <a:effectLst/>
+                          <a:latin typeface="Calibri" panose="020F0502020204030204" pitchFamily="34" charset="0"/>
+                        </a:rPr>
+                        <a:t>0.915 ± 0.017</a:t>
+                      </a:r>
+                    </a:p>
+                  </a:txBody>
+                  <a:tcPr marL="7687" marR="7687" marT="7687" marB="0" anchor="b">
+                    <a:lnL w="6350" cap="flat" cmpd="sng" algn="ctr">
+                      <a:solidFill>
+                        <a:srgbClr val="000000"/>
+                      </a:solidFill>
+                      <a:prstDash val="solid"/>
+                      <a:round/>
+                      <a:headEnd type="none" w="med" len="med"/>
+                      <a:tailEnd type="none" w="med" len="med"/>
+                    </a:lnL>
+                    <a:lnR w="6350" cap="flat" cmpd="sng" algn="ctr">
+                      <a:solidFill>
+                        <a:srgbClr val="000000"/>
+                      </a:solidFill>
+                      <a:prstDash val="solid"/>
+                      <a:round/>
+                      <a:headEnd type="none" w="med" len="med"/>
+                      <a:tailEnd type="none" w="med" len="med"/>
+                    </a:lnR>
+                    <a:lnT w="6350" cap="flat" cmpd="sng" algn="ctr">
+                      <a:solidFill>
+                        <a:srgbClr val="000000"/>
+                      </a:solidFill>
+                      <a:prstDash val="solid"/>
+                      <a:round/>
+                      <a:headEnd type="none" w="med" len="med"/>
+                      <a:tailEnd type="none" w="med" len="med"/>
+                    </a:lnT>
+                    <a:lnB w="6350" cap="flat" cmpd="sng" algn="ctr">
+                      <a:solidFill>
+                        <a:srgbClr val="000000"/>
+                      </a:solidFill>
+                      <a:prstDash val="solid"/>
+                      <a:round/>
+                      <a:headEnd type="none" w="med" len="med"/>
+                      <a:tailEnd type="none" w="med" len="med"/>
+                    </a:lnB>
+                    <a:solidFill>
+                      <a:srgbClr val="FFFFFF"/>
+                    </a:solidFill>
+                  </a:tcPr>
+                </a:tc>
+                <a:extLst>
+                  <a:ext uri="{0D108BD9-81ED-4DB2-BD59-A6C34878D82A}">
+                    <a16:rowId xmlns:a16="http://schemas.microsoft.com/office/drawing/2014/main" val="2763450446"/>
+                  </a:ext>
+                </a:extLst>
+              </a:tr>
+              <a:tr h="153737">
+                <a:tc>
+                  <a:txBody>
+                    <a:bodyPr/>
+                    <a:lstStyle/>
+                    <a:p>
+                      <a:pPr algn="l" fontAlgn="b"/>
+                      <a:r>
+                        <a:rPr lang="en-US" sz="1000" b="0" i="0" u="none" strike="noStrike">
+                          <a:solidFill>
+                            <a:srgbClr val="000000"/>
+                          </a:solidFill>
+                          <a:effectLst/>
+                          <a:latin typeface="Calibri" panose="020F0502020204030204" pitchFamily="34" charset="0"/>
+                        </a:rPr>
+                        <a:t>ode_lstm</a:t>
+                      </a:r>
+                    </a:p>
+                  </a:txBody>
+                  <a:tcPr marL="7687" marR="7687" marT="7687" marB="0" anchor="b">
+                    <a:lnL w="6350" cap="flat" cmpd="sng" algn="ctr">
+                      <a:solidFill>
+                        <a:srgbClr val="000000"/>
+                      </a:solidFill>
+                      <a:prstDash val="solid"/>
+                      <a:round/>
+                      <a:headEnd type="none" w="med" len="med"/>
+                      <a:tailEnd type="none" w="med" len="med"/>
+                    </a:lnL>
+                    <a:lnR w="6350" cap="flat" cmpd="sng" algn="ctr">
+                      <a:solidFill>
+                        <a:srgbClr val="000000"/>
+                      </a:solidFill>
+                      <a:prstDash val="solid"/>
+                      <a:round/>
+                      <a:headEnd type="none" w="med" len="med"/>
+                      <a:tailEnd type="none" w="med" len="med"/>
+                    </a:lnR>
+                    <a:lnT w="6350" cap="flat" cmpd="sng" algn="ctr">
+                      <a:solidFill>
+                        <a:srgbClr val="000000"/>
+                      </a:solidFill>
+                      <a:prstDash val="solid"/>
+                      <a:round/>
+                      <a:headEnd type="none" w="med" len="med"/>
+                      <a:tailEnd type="none" w="med" len="med"/>
+                    </a:lnT>
+                    <a:lnB w="6350" cap="flat" cmpd="sng" algn="ctr">
+                      <a:solidFill>
+                        <a:srgbClr val="000000"/>
+                      </a:solidFill>
+                      <a:prstDash val="solid"/>
+                      <a:round/>
+                      <a:headEnd type="none" w="med" len="med"/>
+                      <a:tailEnd type="none" w="med" len="med"/>
+                    </a:lnB>
+                    <a:solidFill>
+                      <a:srgbClr val="FFFFFF"/>
+                    </a:solidFill>
+                  </a:tcPr>
+                </a:tc>
+                <a:tc>
+                  <a:txBody>
+                    <a:bodyPr/>
+                    <a:lstStyle/>
+                    <a:p>
+                      <a:pPr algn="r" fontAlgn="b"/>
+                      <a:r>
+                        <a:rPr lang="en-AT" sz="1000" b="0" i="0" u="none" strike="noStrike">
+                          <a:solidFill>
+                            <a:srgbClr val="000000"/>
+                          </a:solidFill>
+                          <a:effectLst/>
+                          <a:latin typeface="Calibri" panose="020F0502020204030204" pitchFamily="34" charset="0"/>
+                        </a:rPr>
+                        <a:t>27207</a:t>
+                      </a:r>
+                    </a:p>
+                  </a:txBody>
+                  <a:tcPr marL="7687" marR="7687" marT="7687" marB="0" anchor="b">
+                    <a:lnL w="6350" cap="flat" cmpd="sng" algn="ctr">
+                      <a:solidFill>
+                        <a:srgbClr val="000000"/>
+                      </a:solidFill>
+                      <a:prstDash val="solid"/>
+                      <a:round/>
+                      <a:headEnd type="none" w="med" len="med"/>
+                      <a:tailEnd type="none" w="med" len="med"/>
+                    </a:lnL>
+                    <a:lnR w="6350" cap="flat" cmpd="sng" algn="ctr">
+                      <a:solidFill>
+                        <a:srgbClr val="000000"/>
+                      </a:solidFill>
+                      <a:prstDash val="solid"/>
+                      <a:round/>
+                      <a:headEnd type="none" w="med" len="med"/>
+                      <a:tailEnd type="none" w="med" len="med"/>
+                    </a:lnR>
+                    <a:lnT w="6350" cap="flat" cmpd="sng" algn="ctr">
+                      <a:solidFill>
+                        <a:srgbClr val="000000"/>
+                      </a:solidFill>
+                      <a:prstDash val="solid"/>
+                      <a:round/>
+                      <a:headEnd type="none" w="med" len="med"/>
+                      <a:tailEnd type="none" w="med" len="med"/>
+                    </a:lnT>
+                    <a:lnB w="6350" cap="flat" cmpd="sng" algn="ctr">
+                      <a:solidFill>
+                        <a:srgbClr val="000000"/>
+                      </a:solidFill>
+                      <a:prstDash val="solid"/>
+                      <a:round/>
+                      <a:headEnd type="none" w="med" len="med"/>
+                      <a:tailEnd type="none" w="med" len="med"/>
+                    </a:lnB>
+                    <a:solidFill>
+                      <a:srgbClr val="FFFFFF"/>
+                    </a:solidFill>
+                  </a:tcPr>
+                </a:tc>
+                <a:tc>
+                  <a:txBody>
+                    <a:bodyPr/>
+                    <a:lstStyle/>
+                    <a:p>
+                      <a:pPr algn="l" fontAlgn="b"/>
+                      <a:r>
+                        <a:rPr lang="en-AT" sz="1000" b="0" i="0" u="none" strike="noStrike">
+                          <a:solidFill>
+                            <a:srgbClr val="000000"/>
+                          </a:solidFill>
+                          <a:effectLst/>
+                          <a:latin typeface="Calibri" panose="020F0502020204030204" pitchFamily="34" charset="0"/>
+                        </a:rPr>
+                        <a:t>1127.534 ± 168.389</a:t>
+                      </a:r>
+                    </a:p>
+                  </a:txBody>
+                  <a:tcPr marL="7687" marR="7687" marT="7687" marB="0" anchor="b">
+                    <a:lnL w="6350" cap="flat" cmpd="sng" algn="ctr">
+                      <a:solidFill>
+                        <a:srgbClr val="000000"/>
+                      </a:solidFill>
+                      <a:prstDash val="solid"/>
+                      <a:round/>
+                      <a:headEnd type="none" w="med" len="med"/>
+                      <a:tailEnd type="none" w="med" len="med"/>
+                    </a:lnL>
+                    <a:lnR w="6350" cap="flat" cmpd="sng" algn="ctr">
+                      <a:solidFill>
+                        <a:srgbClr val="000000"/>
+                      </a:solidFill>
+                      <a:prstDash val="solid"/>
+                      <a:round/>
+                      <a:headEnd type="none" w="med" len="med"/>
+                      <a:tailEnd type="none" w="med" len="med"/>
+                    </a:lnR>
+                    <a:lnT w="6350" cap="flat" cmpd="sng" algn="ctr">
+                      <a:solidFill>
+                        <a:srgbClr val="000000"/>
+                      </a:solidFill>
+                      <a:prstDash val="solid"/>
+                      <a:round/>
+                      <a:headEnd type="none" w="med" len="med"/>
+                      <a:tailEnd type="none" w="med" len="med"/>
+                    </a:lnT>
+                    <a:lnB w="6350" cap="flat" cmpd="sng" algn="ctr">
+                      <a:solidFill>
+                        <a:srgbClr val="000000"/>
+                      </a:solidFill>
+                      <a:prstDash val="solid"/>
+                      <a:round/>
+                      <a:headEnd type="none" w="med" len="med"/>
+                      <a:tailEnd type="none" w="med" len="med"/>
+                    </a:lnB>
+                    <a:solidFill>
+                      <a:srgbClr val="FFFFFF"/>
+                    </a:solidFill>
+                  </a:tcPr>
+                </a:tc>
+                <a:tc>
+                  <a:txBody>
+                    <a:bodyPr/>
+                    <a:lstStyle/>
+                    <a:p>
+                      <a:pPr algn="l" fontAlgn="b"/>
+                      <a:r>
+                        <a:rPr lang="en-AT" sz="1000" b="0" i="0" u="none" strike="noStrike">
+                          <a:solidFill>
+                            <a:srgbClr val="000000"/>
+                          </a:solidFill>
+                          <a:effectLst/>
+                          <a:latin typeface="Calibri" panose="020F0502020204030204" pitchFamily="34" charset="0"/>
+                        </a:rPr>
+                        <a:t>29.398 ± 0.503</a:t>
+                      </a:r>
+                    </a:p>
+                  </a:txBody>
+                  <a:tcPr marL="7687" marR="7687" marT="7687" marB="0" anchor="b">
+                    <a:lnL w="6350" cap="flat" cmpd="sng" algn="ctr">
+                      <a:solidFill>
+                        <a:srgbClr val="000000"/>
+                      </a:solidFill>
+                      <a:prstDash val="solid"/>
+                      <a:round/>
+                      <a:headEnd type="none" w="med" len="med"/>
+                      <a:tailEnd type="none" w="med" len="med"/>
+                    </a:lnL>
+                    <a:lnR w="6350" cap="flat" cmpd="sng" algn="ctr">
+                      <a:solidFill>
+                        <a:srgbClr val="000000"/>
+                      </a:solidFill>
+                      <a:prstDash val="solid"/>
+                      <a:round/>
+                      <a:headEnd type="none" w="med" len="med"/>
+                      <a:tailEnd type="none" w="med" len="med"/>
+                    </a:lnR>
+                    <a:lnT w="6350" cap="flat" cmpd="sng" algn="ctr">
+                      <a:solidFill>
+                        <a:srgbClr val="000000"/>
+                      </a:solidFill>
+                      <a:prstDash val="solid"/>
+                      <a:round/>
+                      <a:headEnd type="none" w="med" len="med"/>
+                      <a:tailEnd type="none" w="med" len="med"/>
+                    </a:lnT>
+                    <a:lnB w="6350" cap="flat" cmpd="sng" algn="ctr">
+                      <a:solidFill>
+                        <a:srgbClr val="000000"/>
+                      </a:solidFill>
+                      <a:prstDash val="solid"/>
+                      <a:round/>
+                      <a:headEnd type="none" w="med" len="med"/>
+                      <a:tailEnd type="none" w="med" len="med"/>
+                    </a:lnB>
+                    <a:solidFill>
+                      <a:srgbClr val="FFFFFF"/>
+                    </a:solidFill>
+                  </a:tcPr>
+                </a:tc>
+                <a:tc>
+                  <a:txBody>
+                    <a:bodyPr/>
+                    <a:lstStyle/>
+                    <a:p>
+                      <a:pPr algn="l" fontAlgn="b"/>
+                      <a:r>
+                        <a:rPr lang="en-AT" sz="1000" b="0" i="0" u="none" strike="noStrike">
+                          <a:solidFill>
+                            <a:srgbClr val="000000"/>
+                          </a:solidFill>
+                          <a:effectLst/>
+                          <a:latin typeface="Calibri" panose="020F0502020204030204" pitchFamily="34" charset="0"/>
+                        </a:rPr>
+                        <a:t>38.333 ± 5.508</a:t>
+                      </a:r>
+                    </a:p>
+                  </a:txBody>
+                  <a:tcPr marL="7687" marR="7687" marT="7687" marB="0" anchor="b">
+                    <a:lnL w="6350" cap="flat" cmpd="sng" algn="ctr">
+                      <a:solidFill>
+                        <a:srgbClr val="000000"/>
+                      </a:solidFill>
+                      <a:prstDash val="solid"/>
+                      <a:round/>
+                      <a:headEnd type="none" w="med" len="med"/>
+                      <a:tailEnd type="none" w="med" len="med"/>
+                    </a:lnL>
+                    <a:lnR w="6350" cap="flat" cmpd="sng" algn="ctr">
+                      <a:solidFill>
+                        <a:srgbClr val="000000"/>
+                      </a:solidFill>
+                      <a:prstDash val="solid"/>
+                      <a:round/>
+                      <a:headEnd type="none" w="med" len="med"/>
+                      <a:tailEnd type="none" w="med" len="med"/>
+                    </a:lnR>
+                    <a:lnT w="6350" cap="flat" cmpd="sng" algn="ctr">
+                      <a:solidFill>
+                        <a:srgbClr val="000000"/>
+                      </a:solidFill>
+                      <a:prstDash val="solid"/>
+                      <a:round/>
+                      <a:headEnd type="none" w="med" len="med"/>
+                      <a:tailEnd type="none" w="med" len="med"/>
+                    </a:lnT>
+                    <a:lnB w="6350" cap="flat" cmpd="sng" algn="ctr">
+                      <a:solidFill>
+                        <a:srgbClr val="000000"/>
+                      </a:solidFill>
+                      <a:prstDash val="solid"/>
+                      <a:round/>
+                      <a:headEnd type="none" w="med" len="med"/>
+                      <a:tailEnd type="none" w="med" len="med"/>
+                    </a:lnB>
+                    <a:solidFill>
+                      <a:srgbClr val="FFFFFF"/>
+                    </a:solidFill>
+                  </a:tcPr>
+                </a:tc>
+                <a:tc>
+                  <a:txBody>
+                    <a:bodyPr/>
+                    <a:lstStyle/>
+                    <a:p>
+                      <a:pPr algn="l" fontAlgn="b"/>
+                      <a:r>
+                        <a:rPr lang="en-AT" sz="1000" b="0" i="0" u="none" strike="noStrike">
+                          <a:solidFill>
+                            <a:srgbClr val="000000"/>
+                          </a:solidFill>
+                          <a:effectLst/>
+                          <a:latin typeface="Calibri" panose="020F0502020204030204" pitchFamily="34" charset="0"/>
+                        </a:rPr>
+                        <a:t>0.235 ± 0.021</a:t>
+                      </a:r>
+                    </a:p>
+                  </a:txBody>
+                  <a:tcPr marL="7687" marR="7687" marT="7687" marB="0" anchor="b">
+                    <a:lnL w="6350" cap="flat" cmpd="sng" algn="ctr">
+                      <a:solidFill>
+                        <a:srgbClr val="000000"/>
+                      </a:solidFill>
+                      <a:prstDash val="solid"/>
+                      <a:round/>
+                      <a:headEnd type="none" w="med" len="med"/>
+                      <a:tailEnd type="none" w="med" len="med"/>
+                    </a:lnL>
+                    <a:lnR w="6350" cap="flat" cmpd="sng" algn="ctr">
+                      <a:solidFill>
+                        <a:srgbClr val="000000"/>
+                      </a:solidFill>
+                      <a:prstDash val="solid"/>
+                      <a:round/>
+                      <a:headEnd type="none" w="med" len="med"/>
+                      <a:tailEnd type="none" w="med" len="med"/>
+                    </a:lnR>
+                    <a:lnT w="6350" cap="flat" cmpd="sng" algn="ctr">
+                      <a:solidFill>
+                        <a:srgbClr val="000000"/>
+                      </a:solidFill>
+                      <a:prstDash val="solid"/>
+                      <a:round/>
+                      <a:headEnd type="none" w="med" len="med"/>
+                      <a:tailEnd type="none" w="med" len="med"/>
+                    </a:lnT>
+                    <a:lnB w="6350" cap="flat" cmpd="sng" algn="ctr">
+                      <a:solidFill>
+                        <a:srgbClr val="000000"/>
+                      </a:solidFill>
+                      <a:prstDash val="solid"/>
+                      <a:round/>
+                      <a:headEnd type="none" w="med" len="med"/>
+                      <a:tailEnd type="none" w="med" len="med"/>
+                    </a:lnB>
+                    <a:solidFill>
+                      <a:srgbClr val="FFFFFF"/>
+                    </a:solidFill>
+                  </a:tcPr>
+                </a:tc>
+                <a:tc>
+                  <a:txBody>
+                    <a:bodyPr/>
+                    <a:lstStyle/>
+                    <a:p>
+                      <a:pPr algn="l" fontAlgn="b"/>
+                      <a:r>
+                        <a:rPr lang="en-AT" sz="1000" b="0" i="0" u="none" strike="noStrike">
+                          <a:solidFill>
+                            <a:srgbClr val="000000"/>
+                          </a:solidFill>
+                          <a:effectLst/>
+                          <a:latin typeface="Calibri" panose="020F0502020204030204" pitchFamily="34" charset="0"/>
+                        </a:rPr>
+                        <a:t>0.914 ± 0.009</a:t>
+                      </a:r>
+                    </a:p>
+                  </a:txBody>
+                  <a:tcPr marL="7687" marR="7687" marT="7687" marB="0" anchor="b">
+                    <a:lnL w="6350" cap="flat" cmpd="sng" algn="ctr">
+                      <a:solidFill>
+                        <a:srgbClr val="000000"/>
+                      </a:solidFill>
+                      <a:prstDash val="solid"/>
+                      <a:round/>
+                      <a:headEnd type="none" w="med" len="med"/>
+                      <a:tailEnd type="none" w="med" len="med"/>
+                    </a:lnL>
+                    <a:lnR w="6350" cap="flat" cmpd="sng" algn="ctr">
+                      <a:solidFill>
+                        <a:srgbClr val="000000"/>
+                      </a:solidFill>
+                      <a:prstDash val="solid"/>
+                      <a:round/>
+                      <a:headEnd type="none" w="med" len="med"/>
+                      <a:tailEnd type="none" w="med" len="med"/>
+                    </a:lnR>
+                    <a:lnT w="6350" cap="flat" cmpd="sng" algn="ctr">
+                      <a:solidFill>
+                        <a:srgbClr val="000000"/>
+                      </a:solidFill>
+                      <a:prstDash val="solid"/>
+                      <a:round/>
+                      <a:headEnd type="none" w="med" len="med"/>
+                      <a:tailEnd type="none" w="med" len="med"/>
+                    </a:lnT>
+                    <a:lnB w="6350" cap="flat" cmpd="sng" algn="ctr">
+                      <a:solidFill>
+                        <a:srgbClr val="000000"/>
+                      </a:solidFill>
+                      <a:prstDash val="solid"/>
+                      <a:round/>
+                      <a:headEnd type="none" w="med" len="med"/>
+                      <a:tailEnd type="none" w="med" len="med"/>
+                    </a:lnB>
+                    <a:solidFill>
+                      <a:srgbClr val="FFFFFF"/>
+                    </a:solidFill>
+                  </a:tcPr>
+                </a:tc>
+                <a:extLst>
+                  <a:ext uri="{0D108BD9-81ED-4DB2-BD59-A6C34878D82A}">
+                    <a16:rowId xmlns:a16="http://schemas.microsoft.com/office/drawing/2014/main" val="1087624264"/>
+                  </a:ext>
+                </a:extLst>
+              </a:tr>
+              <a:tr h="153737">
+                <a:tc>
+                  <a:txBody>
+                    <a:bodyPr/>
+                    <a:lstStyle/>
+                    <a:p>
+                      <a:pPr algn="l" fontAlgn="b"/>
+                      <a:r>
+                        <a:rPr lang="en-US" sz="1000" b="0" i="0" u="none" strike="noStrike">
+                          <a:solidFill>
+                            <a:srgbClr val="000000"/>
+                          </a:solidFill>
+                          <a:effectLst/>
+                          <a:latin typeface="Calibri" panose="020F0502020204030204" pitchFamily="34" charset="0"/>
+                        </a:rPr>
+                        <a:t>lstm</a:t>
+                      </a:r>
+                    </a:p>
+                  </a:txBody>
+                  <a:tcPr marL="7687" marR="7687" marT="7687" marB="0" anchor="b">
+                    <a:lnL w="6350" cap="flat" cmpd="sng" algn="ctr">
+                      <a:solidFill>
+                        <a:srgbClr val="000000"/>
+                      </a:solidFill>
+                      <a:prstDash val="solid"/>
+                      <a:round/>
+                      <a:headEnd type="none" w="med" len="med"/>
+                      <a:tailEnd type="none" w="med" len="med"/>
+                    </a:lnL>
+                    <a:lnR w="6350" cap="flat" cmpd="sng" algn="ctr">
+                      <a:solidFill>
+                        <a:srgbClr val="000000"/>
+                      </a:solidFill>
+                      <a:prstDash val="solid"/>
+                      <a:round/>
+                      <a:headEnd type="none" w="med" len="med"/>
+                      <a:tailEnd type="none" w="med" len="med"/>
+                    </a:lnR>
+                    <a:lnT w="6350" cap="flat" cmpd="sng" algn="ctr">
+                      <a:solidFill>
+                        <a:srgbClr val="000000"/>
+                      </a:solidFill>
+                      <a:prstDash val="solid"/>
+                      <a:round/>
+                      <a:headEnd type="none" w="med" len="med"/>
+                      <a:tailEnd type="none" w="med" len="med"/>
+                    </a:lnT>
+                    <a:lnB w="6350" cap="flat" cmpd="sng" algn="ctr">
+                      <a:solidFill>
+                        <a:srgbClr val="000000"/>
+                      </a:solidFill>
+                      <a:prstDash val="solid"/>
+                      <a:round/>
+                      <a:headEnd type="none" w="med" len="med"/>
+                      <a:tailEnd type="none" w="med" len="med"/>
+                    </a:lnB>
+                    <a:solidFill>
+                      <a:srgbClr val="FFFFFF"/>
+                    </a:solidFill>
+                  </a:tcPr>
+                </a:tc>
+                <a:tc>
+                  <a:txBody>
+                    <a:bodyPr/>
+                    <a:lstStyle/>
+                    <a:p>
+                      <a:pPr algn="r" fontAlgn="b"/>
+                      <a:r>
+                        <a:rPr lang="en-AT" sz="1000" b="0" i="0" u="none" strike="noStrike">
+                          <a:solidFill>
+                            <a:srgbClr val="000000"/>
+                          </a:solidFill>
+                          <a:effectLst/>
+                          <a:latin typeface="Calibri" panose="020F0502020204030204" pitchFamily="34" charset="0"/>
+                        </a:rPr>
+                        <a:t>18887</a:t>
+                      </a:r>
+                    </a:p>
+                  </a:txBody>
+                  <a:tcPr marL="7687" marR="7687" marT="7687" marB="0" anchor="b">
+                    <a:lnL w="6350" cap="flat" cmpd="sng" algn="ctr">
+                      <a:solidFill>
+                        <a:srgbClr val="000000"/>
+                      </a:solidFill>
+                      <a:prstDash val="solid"/>
+                      <a:round/>
+                      <a:headEnd type="none" w="med" len="med"/>
+                      <a:tailEnd type="none" w="med" len="med"/>
+                    </a:lnL>
+                    <a:lnR w="6350" cap="flat" cmpd="sng" algn="ctr">
+                      <a:solidFill>
+                        <a:srgbClr val="000000"/>
+                      </a:solidFill>
+                      <a:prstDash val="solid"/>
+                      <a:round/>
+                      <a:headEnd type="none" w="med" len="med"/>
+                      <a:tailEnd type="none" w="med" len="med"/>
+                    </a:lnR>
+                    <a:lnT w="6350" cap="flat" cmpd="sng" algn="ctr">
+                      <a:solidFill>
+                        <a:srgbClr val="000000"/>
+                      </a:solidFill>
+                      <a:prstDash val="solid"/>
+                      <a:round/>
+                      <a:headEnd type="none" w="med" len="med"/>
+                      <a:tailEnd type="none" w="med" len="med"/>
+                    </a:lnT>
+                    <a:lnB w="6350" cap="flat" cmpd="sng" algn="ctr">
+                      <a:solidFill>
+                        <a:srgbClr val="000000"/>
+                      </a:solidFill>
+                      <a:prstDash val="solid"/>
+                      <a:round/>
+                      <a:headEnd type="none" w="med" len="med"/>
+                      <a:tailEnd type="none" w="med" len="med"/>
+                    </a:lnB>
+                    <a:solidFill>
+                      <a:srgbClr val="FFFFFF"/>
+                    </a:solidFill>
+                  </a:tcPr>
+                </a:tc>
+                <a:tc>
+                  <a:txBody>
+                    <a:bodyPr/>
+                    <a:lstStyle/>
+                    <a:p>
+                      <a:pPr algn="l" fontAlgn="b"/>
+                      <a:r>
+                        <a:rPr lang="en-AT" sz="1000" b="0" i="0" u="none" strike="noStrike">
+                          <a:solidFill>
+                            <a:srgbClr val="000000"/>
+                          </a:solidFill>
+                          <a:effectLst/>
+                          <a:latin typeface="Calibri" panose="020F0502020204030204" pitchFamily="34" charset="0"/>
+                        </a:rPr>
+                        <a:t>561.106 ± 56.684</a:t>
+                      </a:r>
+                    </a:p>
+                  </a:txBody>
+                  <a:tcPr marL="7687" marR="7687" marT="7687" marB="0" anchor="b">
+                    <a:lnL w="6350" cap="flat" cmpd="sng" algn="ctr">
+                      <a:solidFill>
+                        <a:srgbClr val="000000"/>
+                      </a:solidFill>
+                      <a:prstDash val="solid"/>
+                      <a:round/>
+                      <a:headEnd type="none" w="med" len="med"/>
+                      <a:tailEnd type="none" w="med" len="med"/>
+                    </a:lnL>
+                    <a:lnR w="6350" cap="flat" cmpd="sng" algn="ctr">
+                      <a:solidFill>
+                        <a:srgbClr val="000000"/>
+                      </a:solidFill>
+                      <a:prstDash val="solid"/>
+                      <a:round/>
+                      <a:headEnd type="none" w="med" len="med"/>
+                      <a:tailEnd type="none" w="med" len="med"/>
+                    </a:lnR>
+                    <a:lnT w="6350" cap="flat" cmpd="sng" algn="ctr">
+                      <a:solidFill>
+                        <a:srgbClr val="000000"/>
+                      </a:solidFill>
+                      <a:prstDash val="solid"/>
+                      <a:round/>
+                      <a:headEnd type="none" w="med" len="med"/>
+                      <a:tailEnd type="none" w="med" len="med"/>
+                    </a:lnT>
+                    <a:lnB w="6350" cap="flat" cmpd="sng" algn="ctr">
+                      <a:solidFill>
+                        <a:srgbClr val="000000"/>
+                      </a:solidFill>
+                      <a:prstDash val="solid"/>
+                      <a:round/>
+                      <a:headEnd type="none" w="med" len="med"/>
+                      <a:tailEnd type="none" w="med" len="med"/>
+                    </a:lnB>
+                    <a:solidFill>
+                      <a:srgbClr val="FFFFFF"/>
+                    </a:solidFill>
+                  </a:tcPr>
+                </a:tc>
+                <a:tc>
+                  <a:txBody>
+                    <a:bodyPr/>
+                    <a:lstStyle/>
+                    <a:p>
+                      <a:pPr algn="l" fontAlgn="b"/>
+                      <a:r>
+                        <a:rPr lang="en-AT" sz="1000" b="0" i="0" u="none" strike="noStrike">
+                          <a:solidFill>
+                            <a:srgbClr val="000000"/>
+                          </a:solidFill>
+                          <a:effectLst/>
+                          <a:latin typeface="Calibri" panose="020F0502020204030204" pitchFamily="34" charset="0"/>
+                        </a:rPr>
+                        <a:t>13.786 ± 0.216</a:t>
+                      </a:r>
+                    </a:p>
+                  </a:txBody>
+                  <a:tcPr marL="7687" marR="7687" marT="7687" marB="0" anchor="b">
+                    <a:lnL w="6350" cap="flat" cmpd="sng" algn="ctr">
+                      <a:solidFill>
+                        <a:srgbClr val="000000"/>
+                      </a:solidFill>
+                      <a:prstDash val="solid"/>
+                      <a:round/>
+                      <a:headEnd type="none" w="med" len="med"/>
+                      <a:tailEnd type="none" w="med" len="med"/>
+                    </a:lnL>
+                    <a:lnR w="6350" cap="flat" cmpd="sng" algn="ctr">
+                      <a:solidFill>
+                        <a:srgbClr val="000000"/>
+                      </a:solidFill>
+                      <a:prstDash val="solid"/>
+                      <a:round/>
+                      <a:headEnd type="none" w="med" len="med"/>
+                      <a:tailEnd type="none" w="med" len="med"/>
+                    </a:lnR>
+                    <a:lnT w="6350" cap="flat" cmpd="sng" algn="ctr">
+                      <a:solidFill>
+                        <a:srgbClr val="000000"/>
+                      </a:solidFill>
+                      <a:prstDash val="solid"/>
+                      <a:round/>
+                      <a:headEnd type="none" w="med" len="med"/>
+                      <a:tailEnd type="none" w="med" len="med"/>
+                    </a:lnT>
+                    <a:lnB w="6350" cap="flat" cmpd="sng" algn="ctr">
+                      <a:solidFill>
+                        <a:srgbClr val="000000"/>
+                      </a:solidFill>
+                      <a:prstDash val="solid"/>
+                      <a:round/>
+                      <a:headEnd type="none" w="med" len="med"/>
+                      <a:tailEnd type="none" w="med" len="med"/>
+                    </a:lnB>
+                    <a:solidFill>
+                      <a:srgbClr val="FFFFFF"/>
+                    </a:solidFill>
+                  </a:tcPr>
+                </a:tc>
+                <a:tc>
+                  <a:txBody>
+                    <a:bodyPr/>
+                    <a:lstStyle/>
+                    <a:p>
+                      <a:pPr algn="l" fontAlgn="b"/>
+                      <a:r>
+                        <a:rPr lang="en-AT" sz="1000" b="0" i="0" u="none" strike="noStrike">
+                          <a:solidFill>
+                            <a:srgbClr val="000000"/>
+                          </a:solidFill>
+                          <a:effectLst/>
+                          <a:latin typeface="Calibri" panose="020F0502020204030204" pitchFamily="34" charset="0"/>
+                        </a:rPr>
+                        <a:t>40.667 ± 3.512</a:t>
+                      </a:r>
+                    </a:p>
+                  </a:txBody>
+                  <a:tcPr marL="7687" marR="7687" marT="7687" marB="0" anchor="b">
+                    <a:lnL w="6350" cap="flat" cmpd="sng" algn="ctr">
+                      <a:solidFill>
+                        <a:srgbClr val="000000"/>
+                      </a:solidFill>
+                      <a:prstDash val="solid"/>
+                      <a:round/>
+                      <a:headEnd type="none" w="med" len="med"/>
+                      <a:tailEnd type="none" w="med" len="med"/>
+                    </a:lnL>
+                    <a:lnR w="6350" cap="flat" cmpd="sng" algn="ctr">
+                      <a:solidFill>
+                        <a:srgbClr val="000000"/>
+                      </a:solidFill>
+                      <a:prstDash val="solid"/>
+                      <a:round/>
+                      <a:headEnd type="none" w="med" len="med"/>
+                      <a:tailEnd type="none" w="med" len="med"/>
+                    </a:lnR>
+                    <a:lnT w="6350" cap="flat" cmpd="sng" algn="ctr">
+                      <a:solidFill>
+                        <a:srgbClr val="000000"/>
+                      </a:solidFill>
+                      <a:prstDash val="solid"/>
+                      <a:round/>
+                      <a:headEnd type="none" w="med" len="med"/>
+                      <a:tailEnd type="none" w="med" len="med"/>
+                    </a:lnT>
+                    <a:lnB w="6350" cap="flat" cmpd="sng" algn="ctr">
+                      <a:solidFill>
+                        <a:srgbClr val="000000"/>
+                      </a:solidFill>
+                      <a:prstDash val="solid"/>
+                      <a:round/>
+                      <a:headEnd type="none" w="med" len="med"/>
+                      <a:tailEnd type="none" w="med" len="med"/>
+                    </a:lnB>
+                    <a:solidFill>
+                      <a:srgbClr val="FFFFFF"/>
+                    </a:solidFill>
+                  </a:tcPr>
+                </a:tc>
+                <a:tc>
+                  <a:txBody>
+                    <a:bodyPr/>
+                    <a:lstStyle/>
+                    <a:p>
+                      <a:pPr algn="l" fontAlgn="b"/>
+                      <a:r>
+                        <a:rPr lang="en-AT" sz="1000" b="0" i="0" u="none" strike="noStrike">
+                          <a:solidFill>
+                            <a:srgbClr val="000000"/>
+                          </a:solidFill>
+                          <a:effectLst/>
+                          <a:latin typeface="Calibri" panose="020F0502020204030204" pitchFamily="34" charset="0"/>
+                        </a:rPr>
+                        <a:t>0.245 ± 0.039</a:t>
+                      </a:r>
+                    </a:p>
+                  </a:txBody>
+                  <a:tcPr marL="7687" marR="7687" marT="7687" marB="0" anchor="b">
+                    <a:lnL w="6350" cap="flat" cmpd="sng" algn="ctr">
+                      <a:solidFill>
+                        <a:srgbClr val="000000"/>
+                      </a:solidFill>
+                      <a:prstDash val="solid"/>
+                      <a:round/>
+                      <a:headEnd type="none" w="med" len="med"/>
+                      <a:tailEnd type="none" w="med" len="med"/>
+                    </a:lnL>
+                    <a:lnR w="6350" cap="flat" cmpd="sng" algn="ctr">
+                      <a:solidFill>
+                        <a:srgbClr val="000000"/>
+                      </a:solidFill>
+                      <a:prstDash val="solid"/>
+                      <a:round/>
+                      <a:headEnd type="none" w="med" len="med"/>
+                      <a:tailEnd type="none" w="med" len="med"/>
+                    </a:lnR>
+                    <a:lnT w="6350" cap="flat" cmpd="sng" algn="ctr">
+                      <a:solidFill>
+                        <a:srgbClr val="000000"/>
+                      </a:solidFill>
+                      <a:prstDash val="solid"/>
+                      <a:round/>
+                      <a:headEnd type="none" w="med" len="med"/>
+                      <a:tailEnd type="none" w="med" len="med"/>
+                    </a:lnT>
+                    <a:lnB w="6350" cap="flat" cmpd="sng" algn="ctr">
+                      <a:solidFill>
+                        <a:srgbClr val="000000"/>
+                      </a:solidFill>
+                      <a:prstDash val="solid"/>
+                      <a:round/>
+                      <a:headEnd type="none" w="med" len="med"/>
+                      <a:tailEnd type="none" w="med" len="med"/>
+                    </a:lnB>
+                    <a:solidFill>
+                      <a:srgbClr val="FFFFFF"/>
+                    </a:solidFill>
+                  </a:tcPr>
+                </a:tc>
+                <a:tc>
+                  <a:txBody>
+                    <a:bodyPr/>
+                    <a:lstStyle/>
+                    <a:p>
+                      <a:pPr algn="l" fontAlgn="b"/>
+                      <a:r>
+                        <a:rPr lang="en-AT" sz="1000" b="0" i="0" u="none" strike="noStrike">
+                          <a:solidFill>
+                            <a:srgbClr val="000000"/>
+                          </a:solidFill>
+                          <a:effectLst/>
+                          <a:latin typeface="Calibri" panose="020F0502020204030204" pitchFamily="34" charset="0"/>
+                        </a:rPr>
+                        <a:t>0.909 ± 0.013</a:t>
+                      </a:r>
+                    </a:p>
+                  </a:txBody>
+                  <a:tcPr marL="7687" marR="7687" marT="7687" marB="0" anchor="b">
+                    <a:lnL w="6350" cap="flat" cmpd="sng" algn="ctr">
+                      <a:solidFill>
+                        <a:srgbClr val="000000"/>
+                      </a:solidFill>
+                      <a:prstDash val="solid"/>
+                      <a:round/>
+                      <a:headEnd type="none" w="med" len="med"/>
+                      <a:tailEnd type="none" w="med" len="med"/>
+                    </a:lnL>
+                    <a:lnR w="6350" cap="flat" cmpd="sng" algn="ctr">
+                      <a:solidFill>
+                        <a:srgbClr val="000000"/>
+                      </a:solidFill>
+                      <a:prstDash val="solid"/>
+                      <a:round/>
+                      <a:headEnd type="none" w="med" len="med"/>
+                      <a:tailEnd type="none" w="med" len="med"/>
+                    </a:lnR>
+                    <a:lnT w="6350" cap="flat" cmpd="sng" algn="ctr">
+                      <a:solidFill>
+                        <a:srgbClr val="000000"/>
+                      </a:solidFill>
+                      <a:prstDash val="solid"/>
+                      <a:round/>
+                      <a:headEnd type="none" w="med" len="med"/>
+                      <a:tailEnd type="none" w="med" len="med"/>
+                    </a:lnT>
+                    <a:lnB w="6350" cap="flat" cmpd="sng" algn="ctr">
+                      <a:solidFill>
+                        <a:srgbClr val="000000"/>
+                      </a:solidFill>
+                      <a:prstDash val="solid"/>
+                      <a:round/>
+                      <a:headEnd type="none" w="med" len="med"/>
+                      <a:tailEnd type="none" w="med" len="med"/>
+                    </a:lnB>
+                    <a:solidFill>
+                      <a:srgbClr val="FFFFFF"/>
+                    </a:solidFill>
+                  </a:tcPr>
+                </a:tc>
+                <a:extLst>
+                  <a:ext uri="{0D108BD9-81ED-4DB2-BD59-A6C34878D82A}">
+                    <a16:rowId xmlns:a16="http://schemas.microsoft.com/office/drawing/2014/main" val="602005084"/>
+                  </a:ext>
+                </a:extLst>
+              </a:tr>
+              <a:tr h="153737">
+                <a:tc>
+                  <a:txBody>
+                    <a:bodyPr/>
+                    <a:lstStyle/>
+                    <a:p>
+                      <a:pPr algn="l" fontAlgn="b"/>
+                      <a:r>
+                        <a:rPr lang="en-US" sz="1000" b="0" i="0" u="none" strike="noStrike">
+                          <a:solidFill>
+                            <a:srgbClr val="000000"/>
+                          </a:solidFill>
+                          <a:effectLst/>
+                          <a:latin typeface="Calibri" panose="020F0502020204030204" pitchFamily="34" charset="0"/>
+                        </a:rPr>
+                        <a:t>memory_augmented_transformer</a:t>
+                      </a:r>
+                    </a:p>
+                  </a:txBody>
+                  <a:tcPr marL="7687" marR="7687" marT="7687" marB="0" anchor="b">
+                    <a:lnL w="6350" cap="flat" cmpd="sng" algn="ctr">
+                      <a:solidFill>
+                        <a:srgbClr val="000000"/>
+                      </a:solidFill>
+                      <a:prstDash val="solid"/>
+                      <a:round/>
+                      <a:headEnd type="none" w="med" len="med"/>
+                      <a:tailEnd type="none" w="med" len="med"/>
+                    </a:lnL>
+                    <a:lnR w="6350" cap="flat" cmpd="sng" algn="ctr">
+                      <a:solidFill>
+                        <a:srgbClr val="000000"/>
+                      </a:solidFill>
+                      <a:prstDash val="solid"/>
+                      <a:round/>
+                      <a:headEnd type="none" w="med" len="med"/>
+                      <a:tailEnd type="none" w="med" len="med"/>
+                    </a:lnR>
+                    <a:lnT w="6350" cap="flat" cmpd="sng" algn="ctr">
+                      <a:solidFill>
+                        <a:srgbClr val="000000"/>
+                      </a:solidFill>
+                      <a:prstDash val="solid"/>
+                      <a:round/>
+                      <a:headEnd type="none" w="med" len="med"/>
+                      <a:tailEnd type="none" w="med" len="med"/>
+                    </a:lnT>
+                    <a:lnB w="6350" cap="flat" cmpd="sng" algn="ctr">
+                      <a:solidFill>
+                        <a:srgbClr val="000000"/>
+                      </a:solidFill>
+                      <a:prstDash val="solid"/>
+                      <a:round/>
+                      <a:headEnd type="none" w="med" len="med"/>
+                      <a:tailEnd type="none" w="med" len="med"/>
+                    </a:lnB>
+                    <a:solidFill>
+                      <a:srgbClr val="FFFFFF"/>
+                    </a:solidFill>
+                  </a:tcPr>
+                </a:tc>
+                <a:tc>
+                  <a:txBody>
+                    <a:bodyPr/>
+                    <a:lstStyle/>
+                    <a:p>
+                      <a:pPr algn="r" fontAlgn="b"/>
+                      <a:r>
+                        <a:rPr lang="en-AT" sz="1000" b="0" i="0" u="none" strike="noStrike">
+                          <a:solidFill>
+                            <a:srgbClr val="000000"/>
+                          </a:solidFill>
+                          <a:effectLst/>
+                          <a:latin typeface="Calibri" panose="020F0502020204030204" pitchFamily="34" charset="0"/>
+                        </a:rPr>
+                        <a:t>18424</a:t>
+                      </a:r>
+                    </a:p>
+                  </a:txBody>
+                  <a:tcPr marL="7687" marR="7687" marT="7687" marB="0" anchor="b">
+                    <a:lnL w="6350" cap="flat" cmpd="sng" algn="ctr">
+                      <a:solidFill>
+                        <a:srgbClr val="000000"/>
+                      </a:solidFill>
+                      <a:prstDash val="solid"/>
+                      <a:round/>
+                      <a:headEnd type="none" w="med" len="med"/>
+                      <a:tailEnd type="none" w="med" len="med"/>
+                    </a:lnL>
+                    <a:lnR w="6350" cap="flat" cmpd="sng" algn="ctr">
+                      <a:solidFill>
+                        <a:srgbClr val="000000"/>
+                      </a:solidFill>
+                      <a:prstDash val="solid"/>
+                      <a:round/>
+                      <a:headEnd type="none" w="med" len="med"/>
+                      <a:tailEnd type="none" w="med" len="med"/>
+                    </a:lnR>
+                    <a:lnT w="6350" cap="flat" cmpd="sng" algn="ctr">
+                      <a:solidFill>
+                        <a:srgbClr val="000000"/>
+                      </a:solidFill>
+                      <a:prstDash val="solid"/>
+                      <a:round/>
+                      <a:headEnd type="none" w="med" len="med"/>
+                      <a:tailEnd type="none" w="med" len="med"/>
+                    </a:lnT>
+                    <a:lnB w="6350" cap="flat" cmpd="sng" algn="ctr">
+                      <a:solidFill>
+                        <a:srgbClr val="000000"/>
+                      </a:solidFill>
+                      <a:prstDash val="solid"/>
+                      <a:round/>
+                      <a:headEnd type="none" w="med" len="med"/>
+                      <a:tailEnd type="none" w="med" len="med"/>
+                    </a:lnB>
+                    <a:solidFill>
+                      <a:srgbClr val="FFFFFF"/>
+                    </a:solidFill>
+                  </a:tcPr>
+                </a:tc>
+                <a:tc>
+                  <a:txBody>
+                    <a:bodyPr/>
+                    <a:lstStyle/>
+                    <a:p>
+                      <a:pPr algn="l" fontAlgn="b"/>
+                      <a:r>
+                        <a:rPr lang="en-AT" sz="1000" b="0" i="0" u="none" strike="noStrike">
+                          <a:solidFill>
+                            <a:srgbClr val="000000"/>
+                          </a:solidFill>
+                          <a:effectLst/>
+                          <a:latin typeface="Calibri" panose="020F0502020204030204" pitchFamily="34" charset="0"/>
+                        </a:rPr>
+                        <a:t>6745.386 ± 1335.496</a:t>
+                      </a:r>
+                    </a:p>
+                  </a:txBody>
+                  <a:tcPr marL="7687" marR="7687" marT="7687" marB="0" anchor="b">
+                    <a:lnL w="6350" cap="flat" cmpd="sng" algn="ctr">
+                      <a:solidFill>
+                        <a:srgbClr val="000000"/>
+                      </a:solidFill>
+                      <a:prstDash val="solid"/>
+                      <a:round/>
+                      <a:headEnd type="none" w="med" len="med"/>
+                      <a:tailEnd type="none" w="med" len="med"/>
+                    </a:lnL>
+                    <a:lnR w="6350" cap="flat" cmpd="sng" algn="ctr">
+                      <a:solidFill>
+                        <a:srgbClr val="000000"/>
+                      </a:solidFill>
+                      <a:prstDash val="solid"/>
+                      <a:round/>
+                      <a:headEnd type="none" w="med" len="med"/>
+                      <a:tailEnd type="none" w="med" len="med"/>
+                    </a:lnR>
+                    <a:lnT w="6350" cap="flat" cmpd="sng" algn="ctr">
+                      <a:solidFill>
+                        <a:srgbClr val="000000"/>
+                      </a:solidFill>
+                      <a:prstDash val="solid"/>
+                      <a:round/>
+                      <a:headEnd type="none" w="med" len="med"/>
+                      <a:tailEnd type="none" w="med" len="med"/>
+                    </a:lnT>
+                    <a:lnB w="6350" cap="flat" cmpd="sng" algn="ctr">
+                      <a:solidFill>
+                        <a:srgbClr val="000000"/>
+                      </a:solidFill>
+                      <a:prstDash val="solid"/>
+                      <a:round/>
+                      <a:headEnd type="none" w="med" len="med"/>
+                      <a:tailEnd type="none" w="med" len="med"/>
+                    </a:lnB>
+                    <a:solidFill>
+                      <a:srgbClr val="FFFFFF"/>
+                    </a:solidFill>
+                  </a:tcPr>
+                </a:tc>
+                <a:tc>
+                  <a:txBody>
+                    <a:bodyPr/>
+                    <a:lstStyle/>
+                    <a:p>
+                      <a:pPr algn="l" fontAlgn="b"/>
+                      <a:r>
+                        <a:rPr lang="en-AT" sz="1000" b="0" i="0" u="none" strike="noStrike">
+                          <a:solidFill>
+                            <a:srgbClr val="000000"/>
+                          </a:solidFill>
+                          <a:effectLst/>
+                          <a:latin typeface="Calibri" panose="020F0502020204030204" pitchFamily="34" charset="0"/>
+                        </a:rPr>
+                        <a:t>186.745 ± 6.089</a:t>
+                      </a:r>
+                    </a:p>
+                  </a:txBody>
+                  <a:tcPr marL="7687" marR="7687" marT="7687" marB="0" anchor="b">
+                    <a:lnL w="6350" cap="flat" cmpd="sng" algn="ctr">
+                      <a:solidFill>
+                        <a:srgbClr val="000000"/>
+                      </a:solidFill>
+                      <a:prstDash val="solid"/>
+                      <a:round/>
+                      <a:headEnd type="none" w="med" len="med"/>
+                      <a:tailEnd type="none" w="med" len="med"/>
+                    </a:lnL>
+                    <a:lnR w="6350" cap="flat" cmpd="sng" algn="ctr">
+                      <a:solidFill>
+                        <a:srgbClr val="000000"/>
+                      </a:solidFill>
+                      <a:prstDash val="solid"/>
+                      <a:round/>
+                      <a:headEnd type="none" w="med" len="med"/>
+                      <a:tailEnd type="none" w="med" len="med"/>
+                    </a:lnR>
+                    <a:lnT w="6350" cap="flat" cmpd="sng" algn="ctr">
+                      <a:solidFill>
+                        <a:srgbClr val="000000"/>
+                      </a:solidFill>
+                      <a:prstDash val="solid"/>
+                      <a:round/>
+                      <a:headEnd type="none" w="med" len="med"/>
+                      <a:tailEnd type="none" w="med" len="med"/>
+                    </a:lnT>
+                    <a:lnB w="6350" cap="flat" cmpd="sng" algn="ctr">
+                      <a:solidFill>
+                        <a:srgbClr val="000000"/>
+                      </a:solidFill>
+                      <a:prstDash val="solid"/>
+                      <a:round/>
+                      <a:headEnd type="none" w="med" len="med"/>
+                      <a:tailEnd type="none" w="med" len="med"/>
+                    </a:lnB>
+                    <a:solidFill>
+                      <a:srgbClr val="FFFFFF"/>
+                    </a:solidFill>
+                  </a:tcPr>
+                </a:tc>
+                <a:tc>
+                  <a:txBody>
+                    <a:bodyPr/>
+                    <a:lstStyle/>
+                    <a:p>
+                      <a:pPr algn="l" fontAlgn="b"/>
+                      <a:r>
+                        <a:rPr lang="en-AT" sz="1000" b="0" i="0" u="none" strike="noStrike">
+                          <a:solidFill>
+                            <a:srgbClr val="000000"/>
+                          </a:solidFill>
+                          <a:effectLst/>
+                          <a:latin typeface="Calibri" panose="020F0502020204030204" pitchFamily="34" charset="0"/>
+                        </a:rPr>
+                        <a:t>36.000 ± 6.000</a:t>
+                      </a:r>
+                    </a:p>
+                  </a:txBody>
+                  <a:tcPr marL="7687" marR="7687" marT="7687" marB="0" anchor="b">
+                    <a:lnL w="6350" cap="flat" cmpd="sng" algn="ctr">
+                      <a:solidFill>
+                        <a:srgbClr val="000000"/>
+                      </a:solidFill>
+                      <a:prstDash val="solid"/>
+                      <a:round/>
+                      <a:headEnd type="none" w="med" len="med"/>
+                      <a:tailEnd type="none" w="med" len="med"/>
+                    </a:lnL>
+                    <a:lnR w="6350" cap="flat" cmpd="sng" algn="ctr">
+                      <a:solidFill>
+                        <a:srgbClr val="000000"/>
+                      </a:solidFill>
+                      <a:prstDash val="solid"/>
+                      <a:round/>
+                      <a:headEnd type="none" w="med" len="med"/>
+                      <a:tailEnd type="none" w="med" len="med"/>
+                    </a:lnR>
+                    <a:lnT w="6350" cap="flat" cmpd="sng" algn="ctr">
+                      <a:solidFill>
+                        <a:srgbClr val="000000"/>
+                      </a:solidFill>
+                      <a:prstDash val="solid"/>
+                      <a:round/>
+                      <a:headEnd type="none" w="med" len="med"/>
+                      <a:tailEnd type="none" w="med" len="med"/>
+                    </a:lnT>
+                    <a:lnB w="6350" cap="flat" cmpd="sng" algn="ctr">
+                      <a:solidFill>
+                        <a:srgbClr val="000000"/>
+                      </a:solidFill>
+                      <a:prstDash val="solid"/>
+                      <a:round/>
+                      <a:headEnd type="none" w="med" len="med"/>
+                      <a:tailEnd type="none" w="med" len="med"/>
+                    </a:lnB>
+                    <a:solidFill>
+                      <a:srgbClr val="FFFFFF"/>
+                    </a:solidFill>
+                  </a:tcPr>
+                </a:tc>
+                <a:tc>
+                  <a:txBody>
+                    <a:bodyPr/>
+                    <a:lstStyle/>
+                    <a:p>
+                      <a:pPr algn="l" fontAlgn="b"/>
+                      <a:r>
+                        <a:rPr lang="en-AT" sz="1000" b="0" i="0" u="none" strike="noStrike">
+                          <a:solidFill>
+                            <a:srgbClr val="000000"/>
+                          </a:solidFill>
+                          <a:effectLst/>
+                          <a:latin typeface="Calibri" panose="020F0502020204030204" pitchFamily="34" charset="0"/>
+                        </a:rPr>
+                        <a:t>0.257 ± 0.024</a:t>
+                      </a:r>
+                    </a:p>
+                  </a:txBody>
+                  <a:tcPr marL="7687" marR="7687" marT="7687" marB="0" anchor="b">
+                    <a:lnL w="6350" cap="flat" cmpd="sng" algn="ctr">
+                      <a:solidFill>
+                        <a:srgbClr val="000000"/>
+                      </a:solidFill>
+                      <a:prstDash val="solid"/>
+                      <a:round/>
+                      <a:headEnd type="none" w="med" len="med"/>
+                      <a:tailEnd type="none" w="med" len="med"/>
+                    </a:lnL>
+                    <a:lnR w="6350" cap="flat" cmpd="sng" algn="ctr">
+                      <a:solidFill>
+                        <a:srgbClr val="000000"/>
+                      </a:solidFill>
+                      <a:prstDash val="solid"/>
+                      <a:round/>
+                      <a:headEnd type="none" w="med" len="med"/>
+                      <a:tailEnd type="none" w="med" len="med"/>
+                    </a:lnR>
+                    <a:lnT w="6350" cap="flat" cmpd="sng" algn="ctr">
+                      <a:solidFill>
+                        <a:srgbClr val="000000"/>
+                      </a:solidFill>
+                      <a:prstDash val="solid"/>
+                      <a:round/>
+                      <a:headEnd type="none" w="med" len="med"/>
+                      <a:tailEnd type="none" w="med" len="med"/>
+                    </a:lnT>
+                    <a:lnB w="6350" cap="flat" cmpd="sng" algn="ctr">
+                      <a:solidFill>
+                        <a:srgbClr val="000000"/>
+                      </a:solidFill>
+                      <a:prstDash val="solid"/>
+                      <a:round/>
+                      <a:headEnd type="none" w="med" len="med"/>
+                      <a:tailEnd type="none" w="med" len="med"/>
+                    </a:lnB>
+                    <a:solidFill>
+                      <a:srgbClr val="FFFFFF"/>
+                    </a:solidFill>
+                  </a:tcPr>
+                </a:tc>
+                <a:tc>
+                  <a:txBody>
+                    <a:bodyPr/>
+                    <a:lstStyle/>
+                    <a:p>
+                      <a:pPr algn="l" fontAlgn="b"/>
+                      <a:r>
+                        <a:rPr lang="en-AT" sz="1000" b="0" i="0" u="none" strike="noStrike">
+                          <a:solidFill>
+                            <a:srgbClr val="000000"/>
+                          </a:solidFill>
+                          <a:effectLst/>
+                          <a:latin typeface="Calibri" panose="020F0502020204030204" pitchFamily="34" charset="0"/>
+                        </a:rPr>
+                        <a:t>0.911 ± 0.008</a:t>
+                      </a:r>
+                    </a:p>
+                  </a:txBody>
+                  <a:tcPr marL="7687" marR="7687" marT="7687" marB="0" anchor="b">
+                    <a:lnL w="6350" cap="flat" cmpd="sng" algn="ctr">
+                      <a:solidFill>
+                        <a:srgbClr val="000000"/>
+                      </a:solidFill>
+                      <a:prstDash val="solid"/>
+                      <a:round/>
+                      <a:headEnd type="none" w="med" len="med"/>
+                      <a:tailEnd type="none" w="med" len="med"/>
+                    </a:lnL>
+                    <a:lnR w="6350" cap="flat" cmpd="sng" algn="ctr">
+                      <a:solidFill>
+                        <a:srgbClr val="000000"/>
+                      </a:solidFill>
+                      <a:prstDash val="solid"/>
+                      <a:round/>
+                      <a:headEnd type="none" w="med" len="med"/>
+                      <a:tailEnd type="none" w="med" len="med"/>
+                    </a:lnR>
+                    <a:lnT w="6350" cap="flat" cmpd="sng" algn="ctr">
+                      <a:solidFill>
+                        <a:srgbClr val="000000"/>
+                      </a:solidFill>
+                      <a:prstDash val="solid"/>
+                      <a:round/>
+                      <a:headEnd type="none" w="med" len="med"/>
+                      <a:tailEnd type="none" w="med" len="med"/>
+                    </a:lnT>
+                    <a:lnB w="6350" cap="flat" cmpd="sng" algn="ctr">
+                      <a:solidFill>
+                        <a:srgbClr val="000000"/>
+                      </a:solidFill>
+                      <a:prstDash val="solid"/>
+                      <a:round/>
+                      <a:headEnd type="none" w="med" len="med"/>
+                      <a:tailEnd type="none" w="med" len="med"/>
+                    </a:lnB>
+                    <a:solidFill>
+                      <a:srgbClr val="FFFFFF"/>
+                    </a:solidFill>
+                  </a:tcPr>
+                </a:tc>
+                <a:extLst>
+                  <a:ext uri="{0D108BD9-81ED-4DB2-BD59-A6C34878D82A}">
+                    <a16:rowId xmlns:a16="http://schemas.microsoft.com/office/drawing/2014/main" val="2088308951"/>
+                  </a:ext>
+                </a:extLst>
+              </a:tr>
+              <a:tr h="153737">
+                <a:tc>
+                  <a:txBody>
+                    <a:bodyPr/>
+                    <a:lstStyle/>
+                    <a:p>
+                      <a:pPr algn="l" fontAlgn="b"/>
+                      <a:r>
+                        <a:rPr lang="en-US" sz="1000" b="0" i="0" u="none" strike="noStrike">
+                          <a:solidFill>
+                            <a:srgbClr val="000000"/>
+                          </a:solidFill>
+                          <a:effectLst/>
+                          <a:latin typeface="Calibri" panose="020F0502020204030204" pitchFamily="34" charset="0"/>
+                        </a:rPr>
+                        <a:t>matrix_exponential_unitary_rnn</a:t>
+                      </a:r>
+                    </a:p>
+                  </a:txBody>
+                  <a:tcPr marL="7687" marR="7687" marT="7687" marB="0" anchor="b">
+                    <a:lnL w="6350" cap="flat" cmpd="sng" algn="ctr">
+                      <a:solidFill>
+                        <a:srgbClr val="000000"/>
+                      </a:solidFill>
+                      <a:prstDash val="solid"/>
+                      <a:round/>
+                      <a:headEnd type="none" w="med" len="med"/>
+                      <a:tailEnd type="none" w="med" len="med"/>
+                    </a:lnL>
+                    <a:lnR w="6350" cap="flat" cmpd="sng" algn="ctr">
+                      <a:solidFill>
+                        <a:srgbClr val="000000"/>
+                      </a:solidFill>
+                      <a:prstDash val="solid"/>
+                      <a:round/>
+                      <a:headEnd type="none" w="med" len="med"/>
+                      <a:tailEnd type="none" w="med" len="med"/>
+                    </a:lnR>
+                    <a:lnT w="6350" cap="flat" cmpd="sng" algn="ctr">
+                      <a:solidFill>
+                        <a:srgbClr val="000000"/>
+                      </a:solidFill>
+                      <a:prstDash val="solid"/>
+                      <a:round/>
+                      <a:headEnd type="none" w="med" len="med"/>
+                      <a:tailEnd type="none" w="med" len="med"/>
+                    </a:lnT>
+                    <a:lnB w="6350" cap="flat" cmpd="sng" algn="ctr">
+                      <a:solidFill>
+                        <a:srgbClr val="000000"/>
+                      </a:solidFill>
+                      <a:prstDash val="solid"/>
+                      <a:round/>
+                      <a:headEnd type="none" w="med" len="med"/>
+                      <a:tailEnd type="none" w="med" len="med"/>
+                    </a:lnB>
+                    <a:solidFill>
+                      <a:srgbClr val="FFFFFF"/>
+                    </a:solidFill>
+                  </a:tcPr>
+                </a:tc>
+                <a:tc>
+                  <a:txBody>
+                    <a:bodyPr/>
+                    <a:lstStyle/>
+                    <a:p>
+                      <a:pPr algn="r" fontAlgn="b"/>
+                      <a:r>
+                        <a:rPr lang="en-AT" sz="1000" b="0" i="0" u="none" strike="noStrike">
+                          <a:solidFill>
+                            <a:srgbClr val="000000"/>
+                          </a:solidFill>
+                          <a:effectLst/>
+                          <a:latin typeface="Calibri" panose="020F0502020204030204" pitchFamily="34" charset="0"/>
+                        </a:rPr>
+                        <a:t>20231</a:t>
+                      </a:r>
+                    </a:p>
+                  </a:txBody>
+                  <a:tcPr marL="7687" marR="7687" marT="7687" marB="0" anchor="b">
+                    <a:lnL w="6350" cap="flat" cmpd="sng" algn="ctr">
+                      <a:solidFill>
+                        <a:srgbClr val="000000"/>
+                      </a:solidFill>
+                      <a:prstDash val="solid"/>
+                      <a:round/>
+                      <a:headEnd type="none" w="med" len="med"/>
+                      <a:tailEnd type="none" w="med" len="med"/>
+                    </a:lnL>
+                    <a:lnR w="6350" cap="flat" cmpd="sng" algn="ctr">
+                      <a:solidFill>
+                        <a:srgbClr val="000000"/>
+                      </a:solidFill>
+                      <a:prstDash val="solid"/>
+                      <a:round/>
+                      <a:headEnd type="none" w="med" len="med"/>
+                      <a:tailEnd type="none" w="med" len="med"/>
+                    </a:lnR>
+                    <a:lnT w="6350" cap="flat" cmpd="sng" algn="ctr">
+                      <a:solidFill>
+                        <a:srgbClr val="000000"/>
+                      </a:solidFill>
+                      <a:prstDash val="solid"/>
+                      <a:round/>
+                      <a:headEnd type="none" w="med" len="med"/>
+                      <a:tailEnd type="none" w="med" len="med"/>
+                    </a:lnT>
+                    <a:lnB w="6350" cap="flat" cmpd="sng" algn="ctr">
+                      <a:solidFill>
+                        <a:srgbClr val="000000"/>
+                      </a:solidFill>
+                      <a:prstDash val="solid"/>
+                      <a:round/>
+                      <a:headEnd type="none" w="med" len="med"/>
+                      <a:tailEnd type="none" w="med" len="med"/>
+                    </a:lnB>
+                    <a:solidFill>
+                      <a:srgbClr val="FFFFFF"/>
+                    </a:solidFill>
+                  </a:tcPr>
+                </a:tc>
+                <a:tc>
+                  <a:txBody>
+                    <a:bodyPr/>
+                    <a:lstStyle/>
+                    <a:p>
+                      <a:pPr algn="l" fontAlgn="b"/>
+                      <a:r>
+                        <a:rPr lang="en-AT" sz="1000" b="0" i="0" u="none" strike="noStrike">
+                          <a:solidFill>
+                            <a:srgbClr val="000000"/>
+                          </a:solidFill>
+                          <a:effectLst/>
+                          <a:latin typeface="Calibri" panose="020F0502020204030204" pitchFamily="34" charset="0"/>
+                        </a:rPr>
+                        <a:t>4206.879 ± 917.213</a:t>
+                      </a:r>
+                    </a:p>
+                  </a:txBody>
+                  <a:tcPr marL="7687" marR="7687" marT="7687" marB="0" anchor="b">
+                    <a:lnL w="6350" cap="flat" cmpd="sng" algn="ctr">
+                      <a:solidFill>
+                        <a:srgbClr val="000000"/>
+                      </a:solidFill>
+                      <a:prstDash val="solid"/>
+                      <a:round/>
+                      <a:headEnd type="none" w="med" len="med"/>
+                      <a:tailEnd type="none" w="med" len="med"/>
+                    </a:lnL>
+                    <a:lnR w="6350" cap="flat" cmpd="sng" algn="ctr">
+                      <a:solidFill>
+                        <a:srgbClr val="000000"/>
+                      </a:solidFill>
+                      <a:prstDash val="solid"/>
+                      <a:round/>
+                      <a:headEnd type="none" w="med" len="med"/>
+                      <a:tailEnd type="none" w="med" len="med"/>
+                    </a:lnR>
+                    <a:lnT w="6350" cap="flat" cmpd="sng" algn="ctr">
+                      <a:solidFill>
+                        <a:srgbClr val="000000"/>
+                      </a:solidFill>
+                      <a:prstDash val="solid"/>
+                      <a:round/>
+                      <a:headEnd type="none" w="med" len="med"/>
+                      <a:tailEnd type="none" w="med" len="med"/>
+                    </a:lnT>
+                    <a:lnB w="6350" cap="flat" cmpd="sng" algn="ctr">
+                      <a:solidFill>
+                        <a:srgbClr val="000000"/>
+                      </a:solidFill>
+                      <a:prstDash val="solid"/>
+                      <a:round/>
+                      <a:headEnd type="none" w="med" len="med"/>
+                      <a:tailEnd type="none" w="med" len="med"/>
+                    </a:lnB>
+                    <a:solidFill>
+                      <a:srgbClr val="FFFFFF"/>
+                    </a:solidFill>
+                  </a:tcPr>
+                </a:tc>
+                <a:tc>
+                  <a:txBody>
+                    <a:bodyPr/>
+                    <a:lstStyle/>
+                    <a:p>
+                      <a:pPr algn="l" fontAlgn="b"/>
+                      <a:r>
+                        <a:rPr lang="en-AT" sz="1000" b="0" i="0" u="none" strike="noStrike">
+                          <a:solidFill>
+                            <a:srgbClr val="000000"/>
+                          </a:solidFill>
+                          <a:effectLst/>
+                          <a:latin typeface="Calibri" panose="020F0502020204030204" pitchFamily="34" charset="0"/>
+                        </a:rPr>
+                        <a:t>72.567 ± 2.383</a:t>
+                      </a:r>
+                    </a:p>
+                  </a:txBody>
+                  <a:tcPr marL="7687" marR="7687" marT="7687" marB="0" anchor="b">
+                    <a:lnL w="6350" cap="flat" cmpd="sng" algn="ctr">
+                      <a:solidFill>
+                        <a:srgbClr val="000000"/>
+                      </a:solidFill>
+                      <a:prstDash val="solid"/>
+                      <a:round/>
+                      <a:headEnd type="none" w="med" len="med"/>
+                      <a:tailEnd type="none" w="med" len="med"/>
+                    </a:lnL>
+                    <a:lnR w="6350" cap="flat" cmpd="sng" algn="ctr">
+                      <a:solidFill>
+                        <a:srgbClr val="000000"/>
+                      </a:solidFill>
+                      <a:prstDash val="solid"/>
+                      <a:round/>
+                      <a:headEnd type="none" w="med" len="med"/>
+                      <a:tailEnd type="none" w="med" len="med"/>
+                    </a:lnR>
+                    <a:lnT w="6350" cap="flat" cmpd="sng" algn="ctr">
+                      <a:solidFill>
+                        <a:srgbClr val="000000"/>
+                      </a:solidFill>
+                      <a:prstDash val="solid"/>
+                      <a:round/>
+                      <a:headEnd type="none" w="med" len="med"/>
+                      <a:tailEnd type="none" w="med" len="med"/>
+                    </a:lnT>
+                    <a:lnB w="6350" cap="flat" cmpd="sng" algn="ctr">
+                      <a:solidFill>
+                        <a:srgbClr val="000000"/>
+                      </a:solidFill>
+                      <a:prstDash val="solid"/>
+                      <a:round/>
+                      <a:headEnd type="none" w="med" len="med"/>
+                      <a:tailEnd type="none" w="med" len="med"/>
+                    </a:lnB>
+                    <a:solidFill>
+                      <a:srgbClr val="FFFFFF"/>
+                    </a:solidFill>
+                  </a:tcPr>
+                </a:tc>
+                <a:tc>
+                  <a:txBody>
+                    <a:bodyPr/>
+                    <a:lstStyle/>
+                    <a:p>
+                      <a:pPr algn="l" fontAlgn="b"/>
+                      <a:r>
+                        <a:rPr lang="en-AT" sz="1000" b="0" i="0" u="none" strike="noStrike">
+                          <a:solidFill>
+                            <a:srgbClr val="000000"/>
+                          </a:solidFill>
+                          <a:effectLst/>
+                          <a:latin typeface="Calibri" panose="020F0502020204030204" pitchFamily="34" charset="0"/>
+                        </a:rPr>
+                        <a:t>58.000 ± 12.490</a:t>
+                      </a:r>
+                    </a:p>
+                  </a:txBody>
+                  <a:tcPr marL="7687" marR="7687" marT="7687" marB="0" anchor="b">
+                    <a:lnL w="6350" cap="flat" cmpd="sng" algn="ctr">
+                      <a:solidFill>
+                        <a:srgbClr val="000000"/>
+                      </a:solidFill>
+                      <a:prstDash val="solid"/>
+                      <a:round/>
+                      <a:headEnd type="none" w="med" len="med"/>
+                      <a:tailEnd type="none" w="med" len="med"/>
+                    </a:lnL>
+                    <a:lnR w="6350" cap="flat" cmpd="sng" algn="ctr">
+                      <a:solidFill>
+                        <a:srgbClr val="000000"/>
+                      </a:solidFill>
+                      <a:prstDash val="solid"/>
+                      <a:round/>
+                      <a:headEnd type="none" w="med" len="med"/>
+                      <a:tailEnd type="none" w="med" len="med"/>
+                    </a:lnR>
+                    <a:lnT w="6350" cap="flat" cmpd="sng" algn="ctr">
+                      <a:solidFill>
+                        <a:srgbClr val="000000"/>
+                      </a:solidFill>
+                      <a:prstDash val="solid"/>
+                      <a:round/>
+                      <a:headEnd type="none" w="med" len="med"/>
+                      <a:tailEnd type="none" w="med" len="med"/>
+                    </a:lnT>
+                    <a:lnB w="6350" cap="flat" cmpd="sng" algn="ctr">
+                      <a:solidFill>
+                        <a:srgbClr val="000000"/>
+                      </a:solidFill>
+                      <a:prstDash val="solid"/>
+                      <a:round/>
+                      <a:headEnd type="none" w="med" len="med"/>
+                      <a:tailEnd type="none" w="med" len="med"/>
+                    </a:lnB>
+                    <a:solidFill>
+                      <a:srgbClr val="FFFFFF"/>
+                    </a:solidFill>
+                  </a:tcPr>
+                </a:tc>
+                <a:tc>
+                  <a:txBody>
+                    <a:bodyPr/>
+                    <a:lstStyle/>
+                    <a:p>
+                      <a:pPr algn="l" fontAlgn="b"/>
+                      <a:r>
+                        <a:rPr lang="en-AT" sz="1000" b="0" i="0" u="none" strike="noStrike">
+                          <a:solidFill>
+                            <a:srgbClr val="000000"/>
+                          </a:solidFill>
+                          <a:effectLst/>
+                          <a:latin typeface="Calibri" panose="020F0502020204030204" pitchFamily="34" charset="0"/>
+                        </a:rPr>
+                        <a:t>0.336 ± 0.047</a:t>
+                      </a:r>
+                    </a:p>
+                  </a:txBody>
+                  <a:tcPr marL="7687" marR="7687" marT="7687" marB="0" anchor="b">
+                    <a:lnL w="6350" cap="flat" cmpd="sng" algn="ctr">
+                      <a:solidFill>
+                        <a:srgbClr val="000000"/>
+                      </a:solidFill>
+                      <a:prstDash val="solid"/>
+                      <a:round/>
+                      <a:headEnd type="none" w="med" len="med"/>
+                      <a:tailEnd type="none" w="med" len="med"/>
+                    </a:lnL>
+                    <a:lnR w="6350" cap="flat" cmpd="sng" algn="ctr">
+                      <a:solidFill>
+                        <a:srgbClr val="000000"/>
+                      </a:solidFill>
+                      <a:prstDash val="solid"/>
+                      <a:round/>
+                      <a:headEnd type="none" w="med" len="med"/>
+                      <a:tailEnd type="none" w="med" len="med"/>
+                    </a:lnR>
+                    <a:lnT w="6350" cap="flat" cmpd="sng" algn="ctr">
+                      <a:solidFill>
+                        <a:srgbClr val="000000"/>
+                      </a:solidFill>
+                      <a:prstDash val="solid"/>
+                      <a:round/>
+                      <a:headEnd type="none" w="med" len="med"/>
+                      <a:tailEnd type="none" w="med" len="med"/>
+                    </a:lnT>
+                    <a:lnB w="6350" cap="flat" cmpd="sng" algn="ctr">
+                      <a:solidFill>
+                        <a:srgbClr val="000000"/>
+                      </a:solidFill>
+                      <a:prstDash val="solid"/>
+                      <a:round/>
+                      <a:headEnd type="none" w="med" len="med"/>
+                      <a:tailEnd type="none" w="med" len="med"/>
+                    </a:lnB>
+                    <a:solidFill>
+                      <a:srgbClr val="FFFFFF"/>
+                    </a:solidFill>
+                  </a:tcPr>
+                </a:tc>
+                <a:tc>
+                  <a:txBody>
+                    <a:bodyPr/>
+                    <a:lstStyle/>
+                    <a:p>
+                      <a:pPr algn="l" fontAlgn="b"/>
+                      <a:r>
+                        <a:rPr lang="en-AT" sz="1000" b="0" i="0" u="none" strike="noStrike">
+                          <a:solidFill>
+                            <a:srgbClr val="000000"/>
+                          </a:solidFill>
+                          <a:effectLst/>
+                          <a:latin typeface="Calibri" panose="020F0502020204030204" pitchFamily="34" charset="0"/>
+                        </a:rPr>
+                        <a:t>0.883 ± 0.015</a:t>
+                      </a:r>
+                    </a:p>
+                  </a:txBody>
+                  <a:tcPr marL="7687" marR="7687" marT="7687" marB="0" anchor="b">
+                    <a:lnL w="6350" cap="flat" cmpd="sng" algn="ctr">
+                      <a:solidFill>
+                        <a:srgbClr val="000000"/>
+                      </a:solidFill>
+                      <a:prstDash val="solid"/>
+                      <a:round/>
+                      <a:headEnd type="none" w="med" len="med"/>
+                      <a:tailEnd type="none" w="med" len="med"/>
+                    </a:lnL>
+                    <a:lnR w="6350" cap="flat" cmpd="sng" algn="ctr">
+                      <a:solidFill>
+                        <a:srgbClr val="000000"/>
+                      </a:solidFill>
+                      <a:prstDash val="solid"/>
+                      <a:round/>
+                      <a:headEnd type="none" w="med" len="med"/>
+                      <a:tailEnd type="none" w="med" len="med"/>
+                    </a:lnR>
+                    <a:lnT w="6350" cap="flat" cmpd="sng" algn="ctr">
+                      <a:solidFill>
+                        <a:srgbClr val="000000"/>
+                      </a:solidFill>
+                      <a:prstDash val="solid"/>
+                      <a:round/>
+                      <a:headEnd type="none" w="med" len="med"/>
+                      <a:tailEnd type="none" w="med" len="med"/>
+                    </a:lnT>
+                    <a:lnB w="6350" cap="flat" cmpd="sng" algn="ctr">
+                      <a:solidFill>
+                        <a:srgbClr val="000000"/>
+                      </a:solidFill>
+                      <a:prstDash val="solid"/>
+                      <a:round/>
+                      <a:headEnd type="none" w="med" len="med"/>
+                      <a:tailEnd type="none" w="med" len="med"/>
+                    </a:lnB>
+                    <a:solidFill>
+                      <a:srgbClr val="FFFFFF"/>
+                    </a:solidFill>
+                  </a:tcPr>
+                </a:tc>
+                <a:extLst>
+                  <a:ext uri="{0D108BD9-81ED-4DB2-BD59-A6C34878D82A}">
+                    <a16:rowId xmlns:a16="http://schemas.microsoft.com/office/drawing/2014/main" val="2028814749"/>
+                  </a:ext>
+                </a:extLst>
+              </a:tr>
+              <a:tr h="153737">
+                <a:tc>
+                  <a:txBody>
+                    <a:bodyPr/>
+                    <a:lstStyle/>
+                    <a:p>
+                      <a:pPr algn="l" fontAlgn="b"/>
+                      <a:r>
+                        <a:rPr lang="en-US" sz="1000" b="0" i="0" u="none" strike="noStrike">
+                          <a:solidFill>
+                            <a:srgbClr val="000000"/>
+                          </a:solidFill>
+                          <a:effectLst/>
+                          <a:latin typeface="Calibri" panose="020F0502020204030204" pitchFamily="34" charset="0"/>
+                        </a:rPr>
+                        <a:t>recurrent_network_augmented_transformer</a:t>
+                      </a:r>
+                    </a:p>
+                  </a:txBody>
+                  <a:tcPr marL="7687" marR="7687" marT="7687" marB="0" anchor="b">
+                    <a:lnL w="6350" cap="flat" cmpd="sng" algn="ctr">
+                      <a:solidFill>
+                        <a:srgbClr val="000000"/>
+                      </a:solidFill>
+                      <a:prstDash val="solid"/>
+                      <a:round/>
+                      <a:headEnd type="none" w="med" len="med"/>
+                      <a:tailEnd type="none" w="med" len="med"/>
+                    </a:lnL>
+                    <a:lnR w="6350" cap="flat" cmpd="sng" algn="ctr">
+                      <a:solidFill>
+                        <a:srgbClr val="000000"/>
+                      </a:solidFill>
+                      <a:prstDash val="solid"/>
+                      <a:round/>
+                      <a:headEnd type="none" w="med" len="med"/>
+                      <a:tailEnd type="none" w="med" len="med"/>
+                    </a:lnR>
+                    <a:lnT w="6350" cap="flat" cmpd="sng" algn="ctr">
+                      <a:solidFill>
+                        <a:srgbClr val="000000"/>
+                      </a:solidFill>
+                      <a:prstDash val="solid"/>
+                      <a:round/>
+                      <a:headEnd type="none" w="med" len="med"/>
+                      <a:tailEnd type="none" w="med" len="med"/>
+                    </a:lnT>
+                    <a:lnB w="6350" cap="flat" cmpd="sng" algn="ctr">
+                      <a:solidFill>
+                        <a:srgbClr val="000000"/>
+                      </a:solidFill>
+                      <a:prstDash val="solid"/>
+                      <a:round/>
+                      <a:headEnd type="none" w="med" len="med"/>
+                      <a:tailEnd type="none" w="med" len="med"/>
+                    </a:lnB>
+                    <a:solidFill>
+                      <a:srgbClr val="FFFFFF"/>
+                    </a:solidFill>
+                  </a:tcPr>
+                </a:tc>
+                <a:tc>
+                  <a:txBody>
+                    <a:bodyPr/>
+                    <a:lstStyle/>
+                    <a:p>
+                      <a:pPr algn="r" fontAlgn="b"/>
+                      <a:r>
+                        <a:rPr lang="en-AT" sz="1000" b="0" i="0" u="none" strike="noStrike">
+                          <a:solidFill>
+                            <a:srgbClr val="000000"/>
+                          </a:solidFill>
+                          <a:effectLst/>
+                          <a:latin typeface="Calibri" panose="020F0502020204030204" pitchFamily="34" charset="0"/>
+                        </a:rPr>
+                        <a:t>3871</a:t>
+                      </a:r>
+                    </a:p>
+                  </a:txBody>
+                  <a:tcPr marL="7687" marR="7687" marT="7687" marB="0" anchor="b">
+                    <a:lnL w="6350" cap="flat" cmpd="sng" algn="ctr">
+                      <a:solidFill>
+                        <a:srgbClr val="000000"/>
+                      </a:solidFill>
+                      <a:prstDash val="solid"/>
+                      <a:round/>
+                      <a:headEnd type="none" w="med" len="med"/>
+                      <a:tailEnd type="none" w="med" len="med"/>
+                    </a:lnL>
+                    <a:lnR w="6350" cap="flat" cmpd="sng" algn="ctr">
+                      <a:solidFill>
+                        <a:srgbClr val="000000"/>
+                      </a:solidFill>
+                      <a:prstDash val="solid"/>
+                      <a:round/>
+                      <a:headEnd type="none" w="med" len="med"/>
+                      <a:tailEnd type="none" w="med" len="med"/>
+                    </a:lnR>
+                    <a:lnT w="6350" cap="flat" cmpd="sng" algn="ctr">
+                      <a:solidFill>
+                        <a:srgbClr val="000000"/>
+                      </a:solidFill>
+                      <a:prstDash val="solid"/>
+                      <a:round/>
+                      <a:headEnd type="none" w="med" len="med"/>
+                      <a:tailEnd type="none" w="med" len="med"/>
+                    </a:lnT>
+                    <a:lnB w="6350" cap="flat" cmpd="sng" algn="ctr">
+                      <a:solidFill>
+                        <a:srgbClr val="000000"/>
+                      </a:solidFill>
+                      <a:prstDash val="solid"/>
+                      <a:round/>
+                      <a:headEnd type="none" w="med" len="med"/>
+                      <a:tailEnd type="none" w="med" len="med"/>
+                    </a:lnB>
+                    <a:solidFill>
+                      <a:srgbClr val="FFFFFF"/>
+                    </a:solidFill>
+                  </a:tcPr>
+                </a:tc>
+                <a:tc>
+                  <a:txBody>
+                    <a:bodyPr/>
+                    <a:lstStyle/>
+                    <a:p>
+                      <a:pPr algn="l" fontAlgn="b"/>
+                      <a:r>
+                        <a:rPr lang="en-AT" sz="1000" b="0" i="0" u="none" strike="noStrike">
+                          <a:solidFill>
+                            <a:srgbClr val="000000"/>
+                          </a:solidFill>
+                          <a:effectLst/>
+                          <a:latin typeface="Calibri" panose="020F0502020204030204" pitchFamily="34" charset="0"/>
+                        </a:rPr>
+                        <a:t>4240.549 ± 859.176</a:t>
+                      </a:r>
+                    </a:p>
+                  </a:txBody>
+                  <a:tcPr marL="7687" marR="7687" marT="7687" marB="0" anchor="b">
+                    <a:lnL w="6350" cap="flat" cmpd="sng" algn="ctr">
+                      <a:solidFill>
+                        <a:srgbClr val="000000"/>
+                      </a:solidFill>
+                      <a:prstDash val="solid"/>
+                      <a:round/>
+                      <a:headEnd type="none" w="med" len="med"/>
+                      <a:tailEnd type="none" w="med" len="med"/>
+                    </a:lnL>
+                    <a:lnR w="6350" cap="flat" cmpd="sng" algn="ctr">
+                      <a:solidFill>
+                        <a:srgbClr val="000000"/>
+                      </a:solidFill>
+                      <a:prstDash val="solid"/>
+                      <a:round/>
+                      <a:headEnd type="none" w="med" len="med"/>
+                      <a:tailEnd type="none" w="med" len="med"/>
+                    </a:lnR>
+                    <a:lnT w="6350" cap="flat" cmpd="sng" algn="ctr">
+                      <a:solidFill>
+                        <a:srgbClr val="000000"/>
+                      </a:solidFill>
+                      <a:prstDash val="solid"/>
+                      <a:round/>
+                      <a:headEnd type="none" w="med" len="med"/>
+                      <a:tailEnd type="none" w="med" len="med"/>
+                    </a:lnT>
+                    <a:lnB w="6350" cap="flat" cmpd="sng" algn="ctr">
+                      <a:solidFill>
+                        <a:srgbClr val="000000"/>
+                      </a:solidFill>
+                      <a:prstDash val="solid"/>
+                      <a:round/>
+                      <a:headEnd type="none" w="med" len="med"/>
+                      <a:tailEnd type="none" w="med" len="med"/>
+                    </a:lnB>
+                    <a:solidFill>
+                      <a:srgbClr val="FFFFFF"/>
+                    </a:solidFill>
+                  </a:tcPr>
+                </a:tc>
+                <a:tc>
+                  <a:txBody>
+                    <a:bodyPr/>
+                    <a:lstStyle/>
+                    <a:p>
+                      <a:pPr algn="l" fontAlgn="b"/>
+                      <a:r>
+                        <a:rPr lang="en-AT" sz="1000" b="0" i="0" u="none" strike="noStrike">
+                          <a:solidFill>
+                            <a:srgbClr val="000000"/>
+                          </a:solidFill>
+                          <a:effectLst/>
+                          <a:latin typeface="Calibri" panose="020F0502020204030204" pitchFamily="34" charset="0"/>
+                        </a:rPr>
+                        <a:t>95.246 ± 4.026</a:t>
+                      </a:r>
+                    </a:p>
+                  </a:txBody>
+                  <a:tcPr marL="7687" marR="7687" marT="7687" marB="0" anchor="b">
+                    <a:lnL w="6350" cap="flat" cmpd="sng" algn="ctr">
+                      <a:solidFill>
+                        <a:srgbClr val="000000"/>
+                      </a:solidFill>
+                      <a:prstDash val="solid"/>
+                      <a:round/>
+                      <a:headEnd type="none" w="med" len="med"/>
+                      <a:tailEnd type="none" w="med" len="med"/>
+                    </a:lnL>
+                    <a:lnR w="6350" cap="flat" cmpd="sng" algn="ctr">
+                      <a:solidFill>
+                        <a:srgbClr val="000000"/>
+                      </a:solidFill>
+                      <a:prstDash val="solid"/>
+                      <a:round/>
+                      <a:headEnd type="none" w="med" len="med"/>
+                      <a:tailEnd type="none" w="med" len="med"/>
+                    </a:lnR>
+                    <a:lnT w="6350" cap="flat" cmpd="sng" algn="ctr">
+                      <a:solidFill>
+                        <a:srgbClr val="000000"/>
+                      </a:solidFill>
+                      <a:prstDash val="solid"/>
+                      <a:round/>
+                      <a:headEnd type="none" w="med" len="med"/>
+                      <a:tailEnd type="none" w="med" len="med"/>
+                    </a:lnT>
+                    <a:lnB w="6350" cap="flat" cmpd="sng" algn="ctr">
+                      <a:solidFill>
+                        <a:srgbClr val="000000"/>
+                      </a:solidFill>
+                      <a:prstDash val="solid"/>
+                      <a:round/>
+                      <a:headEnd type="none" w="med" len="med"/>
+                      <a:tailEnd type="none" w="med" len="med"/>
+                    </a:lnB>
+                    <a:solidFill>
+                      <a:srgbClr val="FFFFFF"/>
+                    </a:solidFill>
+                  </a:tcPr>
+                </a:tc>
+                <a:tc>
+                  <a:txBody>
+                    <a:bodyPr/>
+                    <a:lstStyle/>
+                    <a:p>
+                      <a:pPr algn="l" fontAlgn="b"/>
+                      <a:r>
+                        <a:rPr lang="en-AT" sz="1000" b="0" i="0" u="none" strike="noStrike">
+                          <a:solidFill>
+                            <a:srgbClr val="000000"/>
+                          </a:solidFill>
+                          <a:effectLst/>
+                          <a:latin typeface="Calibri" panose="020F0502020204030204" pitchFamily="34" charset="0"/>
+                        </a:rPr>
+                        <a:t>44.333 ± 7.095</a:t>
+                      </a:r>
+                    </a:p>
+                  </a:txBody>
+                  <a:tcPr marL="7687" marR="7687" marT="7687" marB="0" anchor="b">
+                    <a:lnL w="6350" cap="flat" cmpd="sng" algn="ctr">
+                      <a:solidFill>
+                        <a:srgbClr val="000000"/>
+                      </a:solidFill>
+                      <a:prstDash val="solid"/>
+                      <a:round/>
+                      <a:headEnd type="none" w="med" len="med"/>
+                      <a:tailEnd type="none" w="med" len="med"/>
+                    </a:lnL>
+                    <a:lnR w="6350" cap="flat" cmpd="sng" algn="ctr">
+                      <a:solidFill>
+                        <a:srgbClr val="000000"/>
+                      </a:solidFill>
+                      <a:prstDash val="solid"/>
+                      <a:round/>
+                      <a:headEnd type="none" w="med" len="med"/>
+                      <a:tailEnd type="none" w="med" len="med"/>
+                    </a:lnR>
+                    <a:lnT w="6350" cap="flat" cmpd="sng" algn="ctr">
+                      <a:solidFill>
+                        <a:srgbClr val="000000"/>
+                      </a:solidFill>
+                      <a:prstDash val="solid"/>
+                      <a:round/>
+                      <a:headEnd type="none" w="med" len="med"/>
+                      <a:tailEnd type="none" w="med" len="med"/>
+                    </a:lnT>
+                    <a:lnB w="6350" cap="flat" cmpd="sng" algn="ctr">
+                      <a:solidFill>
+                        <a:srgbClr val="000000"/>
+                      </a:solidFill>
+                      <a:prstDash val="solid"/>
+                      <a:round/>
+                      <a:headEnd type="none" w="med" len="med"/>
+                      <a:tailEnd type="none" w="med" len="med"/>
+                    </a:lnB>
+                    <a:solidFill>
+                      <a:srgbClr val="FFFFFF"/>
+                    </a:solidFill>
+                  </a:tcPr>
+                </a:tc>
+                <a:tc>
+                  <a:txBody>
+                    <a:bodyPr/>
+                    <a:lstStyle/>
+                    <a:p>
+                      <a:pPr algn="l" fontAlgn="b"/>
+                      <a:r>
+                        <a:rPr lang="en-AT" sz="1000" b="0" i="0" u="none" strike="noStrike">
+                          <a:solidFill>
+                            <a:srgbClr val="000000"/>
+                          </a:solidFill>
+                          <a:effectLst/>
+                          <a:latin typeface="Calibri" panose="020F0502020204030204" pitchFamily="34" charset="0"/>
+                        </a:rPr>
+                        <a:t>0.373 ± 0.016</a:t>
+                      </a:r>
+                    </a:p>
+                  </a:txBody>
+                  <a:tcPr marL="7687" marR="7687" marT="7687" marB="0" anchor="b">
+                    <a:lnL w="6350" cap="flat" cmpd="sng" algn="ctr">
+                      <a:solidFill>
+                        <a:srgbClr val="000000"/>
+                      </a:solidFill>
+                      <a:prstDash val="solid"/>
+                      <a:round/>
+                      <a:headEnd type="none" w="med" len="med"/>
+                      <a:tailEnd type="none" w="med" len="med"/>
+                    </a:lnL>
+                    <a:lnR w="6350" cap="flat" cmpd="sng" algn="ctr">
+                      <a:solidFill>
+                        <a:srgbClr val="000000"/>
+                      </a:solidFill>
+                      <a:prstDash val="solid"/>
+                      <a:round/>
+                      <a:headEnd type="none" w="med" len="med"/>
+                      <a:tailEnd type="none" w="med" len="med"/>
+                    </a:lnR>
+                    <a:lnT w="6350" cap="flat" cmpd="sng" algn="ctr">
+                      <a:solidFill>
+                        <a:srgbClr val="000000"/>
+                      </a:solidFill>
+                      <a:prstDash val="solid"/>
+                      <a:round/>
+                      <a:headEnd type="none" w="med" len="med"/>
+                      <a:tailEnd type="none" w="med" len="med"/>
+                    </a:lnT>
+                    <a:lnB w="6350" cap="flat" cmpd="sng" algn="ctr">
+                      <a:solidFill>
+                        <a:srgbClr val="000000"/>
+                      </a:solidFill>
+                      <a:prstDash val="solid"/>
+                      <a:round/>
+                      <a:headEnd type="none" w="med" len="med"/>
+                      <a:tailEnd type="none" w="med" len="med"/>
+                    </a:lnB>
+                    <a:solidFill>
+                      <a:srgbClr val="FFFFFF"/>
+                    </a:solidFill>
+                  </a:tcPr>
+                </a:tc>
+                <a:tc>
+                  <a:txBody>
+                    <a:bodyPr/>
+                    <a:lstStyle/>
+                    <a:p>
+                      <a:pPr algn="l" fontAlgn="b"/>
+                      <a:r>
+                        <a:rPr lang="en-AT" sz="1000" b="0" i="0" u="none" strike="noStrike">
+                          <a:solidFill>
+                            <a:srgbClr val="000000"/>
+                          </a:solidFill>
+                          <a:effectLst/>
+                          <a:latin typeface="Calibri" panose="020F0502020204030204" pitchFamily="34" charset="0"/>
+                        </a:rPr>
+                        <a:t>0.868 ± 0.010</a:t>
+                      </a:r>
+                    </a:p>
+                  </a:txBody>
+                  <a:tcPr marL="7687" marR="7687" marT="7687" marB="0" anchor="b">
+                    <a:lnL w="6350" cap="flat" cmpd="sng" algn="ctr">
+                      <a:solidFill>
+                        <a:srgbClr val="000000"/>
+                      </a:solidFill>
+                      <a:prstDash val="solid"/>
+                      <a:round/>
+                      <a:headEnd type="none" w="med" len="med"/>
+                      <a:tailEnd type="none" w="med" len="med"/>
+                    </a:lnL>
+                    <a:lnR w="6350" cap="flat" cmpd="sng" algn="ctr">
+                      <a:solidFill>
+                        <a:srgbClr val="000000"/>
+                      </a:solidFill>
+                      <a:prstDash val="solid"/>
+                      <a:round/>
+                      <a:headEnd type="none" w="med" len="med"/>
+                      <a:tailEnd type="none" w="med" len="med"/>
+                    </a:lnR>
+                    <a:lnT w="6350" cap="flat" cmpd="sng" algn="ctr">
+                      <a:solidFill>
+                        <a:srgbClr val="000000"/>
+                      </a:solidFill>
+                      <a:prstDash val="solid"/>
+                      <a:round/>
+                      <a:headEnd type="none" w="med" len="med"/>
+                      <a:tailEnd type="none" w="med" len="med"/>
+                    </a:lnT>
+                    <a:lnB w="6350" cap="flat" cmpd="sng" algn="ctr">
+                      <a:solidFill>
+                        <a:srgbClr val="000000"/>
+                      </a:solidFill>
+                      <a:prstDash val="solid"/>
+                      <a:round/>
+                      <a:headEnd type="none" w="med" len="med"/>
+                      <a:tailEnd type="none" w="med" len="med"/>
+                    </a:lnB>
+                    <a:solidFill>
+                      <a:srgbClr val="FFFFFF"/>
+                    </a:solidFill>
+                  </a:tcPr>
+                </a:tc>
+                <a:extLst>
+                  <a:ext uri="{0D108BD9-81ED-4DB2-BD59-A6C34878D82A}">
+                    <a16:rowId xmlns:a16="http://schemas.microsoft.com/office/drawing/2014/main" val="1445525357"/>
+                  </a:ext>
+                </a:extLst>
+              </a:tr>
+              <a:tr h="153737">
+                <a:tc>
+                  <a:txBody>
+                    <a:bodyPr/>
+                    <a:lstStyle/>
+                    <a:p>
+                      <a:pPr algn="l" fontAlgn="b"/>
+                      <a:r>
+                        <a:rPr lang="en-US" sz="1000" b="0" i="0" u="none" strike="noStrike">
+                          <a:solidFill>
+                            <a:srgbClr val="000000"/>
+                          </a:solidFill>
+                          <a:effectLst/>
+                          <a:latin typeface="Calibri" panose="020F0502020204030204" pitchFamily="34" charset="0"/>
+                        </a:rPr>
+                        <a:t>recurrent_network_attention_transformer</a:t>
+                      </a:r>
+                    </a:p>
+                  </a:txBody>
+                  <a:tcPr marL="7687" marR="7687" marT="7687" marB="0" anchor="b">
+                    <a:lnL w="6350" cap="flat" cmpd="sng" algn="ctr">
+                      <a:solidFill>
+                        <a:srgbClr val="000000"/>
+                      </a:solidFill>
+                      <a:prstDash val="solid"/>
+                      <a:round/>
+                      <a:headEnd type="none" w="med" len="med"/>
+                      <a:tailEnd type="none" w="med" len="med"/>
+                    </a:lnL>
+                    <a:lnR w="6350" cap="flat" cmpd="sng" algn="ctr">
+                      <a:solidFill>
+                        <a:srgbClr val="000000"/>
+                      </a:solidFill>
+                      <a:prstDash val="solid"/>
+                      <a:round/>
+                      <a:headEnd type="none" w="med" len="med"/>
+                      <a:tailEnd type="none" w="med" len="med"/>
+                    </a:lnR>
+                    <a:lnT w="6350" cap="flat" cmpd="sng" algn="ctr">
+                      <a:solidFill>
+                        <a:srgbClr val="000000"/>
+                      </a:solidFill>
+                      <a:prstDash val="solid"/>
+                      <a:round/>
+                      <a:headEnd type="none" w="med" len="med"/>
+                      <a:tailEnd type="none" w="med" len="med"/>
+                    </a:lnT>
+                    <a:lnB w="6350" cap="flat" cmpd="sng" algn="ctr">
+                      <a:solidFill>
+                        <a:srgbClr val="000000"/>
+                      </a:solidFill>
+                      <a:prstDash val="solid"/>
+                      <a:round/>
+                      <a:headEnd type="none" w="med" len="med"/>
+                      <a:tailEnd type="none" w="med" len="med"/>
+                    </a:lnB>
+                    <a:solidFill>
+                      <a:srgbClr val="FFFFFF"/>
+                    </a:solidFill>
+                  </a:tcPr>
+                </a:tc>
+                <a:tc>
+                  <a:txBody>
+                    <a:bodyPr/>
+                    <a:lstStyle/>
+                    <a:p>
+                      <a:pPr algn="r" fontAlgn="b"/>
+                      <a:r>
+                        <a:rPr lang="en-AT" sz="1000" b="0" i="0" u="none" strike="noStrike">
+                          <a:solidFill>
+                            <a:srgbClr val="000000"/>
+                          </a:solidFill>
+                          <a:effectLst/>
+                          <a:latin typeface="Calibri" panose="020F0502020204030204" pitchFamily="34" charset="0"/>
+                        </a:rPr>
+                        <a:t>2491</a:t>
+                      </a:r>
+                    </a:p>
+                  </a:txBody>
+                  <a:tcPr marL="7687" marR="7687" marT="7687" marB="0" anchor="b">
+                    <a:lnL w="6350" cap="flat" cmpd="sng" algn="ctr">
+                      <a:solidFill>
+                        <a:srgbClr val="000000"/>
+                      </a:solidFill>
+                      <a:prstDash val="solid"/>
+                      <a:round/>
+                      <a:headEnd type="none" w="med" len="med"/>
+                      <a:tailEnd type="none" w="med" len="med"/>
+                    </a:lnL>
+                    <a:lnR w="6350" cap="flat" cmpd="sng" algn="ctr">
+                      <a:solidFill>
+                        <a:srgbClr val="000000"/>
+                      </a:solidFill>
+                      <a:prstDash val="solid"/>
+                      <a:round/>
+                      <a:headEnd type="none" w="med" len="med"/>
+                      <a:tailEnd type="none" w="med" len="med"/>
+                    </a:lnR>
+                    <a:lnT w="6350" cap="flat" cmpd="sng" algn="ctr">
+                      <a:solidFill>
+                        <a:srgbClr val="000000"/>
+                      </a:solidFill>
+                      <a:prstDash val="solid"/>
+                      <a:round/>
+                      <a:headEnd type="none" w="med" len="med"/>
+                      <a:tailEnd type="none" w="med" len="med"/>
+                    </a:lnT>
+                    <a:lnB w="6350" cap="flat" cmpd="sng" algn="ctr">
+                      <a:solidFill>
+                        <a:srgbClr val="000000"/>
+                      </a:solidFill>
+                      <a:prstDash val="solid"/>
+                      <a:round/>
+                      <a:headEnd type="none" w="med" len="med"/>
+                      <a:tailEnd type="none" w="med" len="med"/>
+                    </a:lnB>
+                    <a:solidFill>
+                      <a:srgbClr val="FFFFFF"/>
+                    </a:solidFill>
+                  </a:tcPr>
+                </a:tc>
+                <a:tc>
+                  <a:txBody>
+                    <a:bodyPr/>
+                    <a:lstStyle/>
+                    <a:p>
+                      <a:pPr algn="l" fontAlgn="b"/>
+                      <a:r>
+                        <a:rPr lang="en-AT" sz="1000" b="0" i="0" u="none" strike="noStrike">
+                          <a:solidFill>
+                            <a:srgbClr val="000000"/>
+                          </a:solidFill>
+                          <a:effectLst/>
+                          <a:latin typeface="Calibri" panose="020F0502020204030204" pitchFamily="34" charset="0"/>
+                        </a:rPr>
+                        <a:t>6245.701 ± 669.365</a:t>
+                      </a:r>
+                    </a:p>
+                  </a:txBody>
+                  <a:tcPr marL="7687" marR="7687" marT="7687" marB="0" anchor="b">
+                    <a:lnL w="6350" cap="flat" cmpd="sng" algn="ctr">
+                      <a:solidFill>
+                        <a:srgbClr val="000000"/>
+                      </a:solidFill>
+                      <a:prstDash val="solid"/>
+                      <a:round/>
+                      <a:headEnd type="none" w="med" len="med"/>
+                      <a:tailEnd type="none" w="med" len="med"/>
+                    </a:lnL>
+                    <a:lnR w="6350" cap="flat" cmpd="sng" algn="ctr">
+                      <a:solidFill>
+                        <a:srgbClr val="000000"/>
+                      </a:solidFill>
+                      <a:prstDash val="solid"/>
+                      <a:round/>
+                      <a:headEnd type="none" w="med" len="med"/>
+                      <a:tailEnd type="none" w="med" len="med"/>
+                    </a:lnR>
+                    <a:lnT w="6350" cap="flat" cmpd="sng" algn="ctr">
+                      <a:solidFill>
+                        <a:srgbClr val="000000"/>
+                      </a:solidFill>
+                      <a:prstDash val="solid"/>
+                      <a:round/>
+                      <a:headEnd type="none" w="med" len="med"/>
+                      <a:tailEnd type="none" w="med" len="med"/>
+                    </a:lnT>
+                    <a:lnB w="6350" cap="flat" cmpd="sng" algn="ctr">
+                      <a:solidFill>
+                        <a:srgbClr val="000000"/>
+                      </a:solidFill>
+                      <a:prstDash val="solid"/>
+                      <a:round/>
+                      <a:headEnd type="none" w="med" len="med"/>
+                      <a:tailEnd type="none" w="med" len="med"/>
+                    </a:lnB>
+                    <a:solidFill>
+                      <a:srgbClr val="FFFFFF"/>
+                    </a:solidFill>
+                  </a:tcPr>
+                </a:tc>
+                <a:tc>
+                  <a:txBody>
+                    <a:bodyPr/>
+                    <a:lstStyle/>
+                    <a:p>
+                      <a:pPr algn="l" fontAlgn="b"/>
+                      <a:r>
+                        <a:rPr lang="en-AT" sz="1000" b="0" i="0" u="none" strike="noStrike">
+                          <a:solidFill>
+                            <a:srgbClr val="000000"/>
+                          </a:solidFill>
+                          <a:effectLst/>
+                          <a:latin typeface="Calibri" panose="020F0502020204030204" pitchFamily="34" charset="0"/>
+                        </a:rPr>
+                        <a:t>170.609 ± 4.495</a:t>
+                      </a:r>
+                    </a:p>
+                  </a:txBody>
+                  <a:tcPr marL="7687" marR="7687" marT="7687" marB="0" anchor="b">
+                    <a:lnL w="6350" cap="flat" cmpd="sng" algn="ctr">
+                      <a:solidFill>
+                        <a:srgbClr val="000000"/>
+                      </a:solidFill>
+                      <a:prstDash val="solid"/>
+                      <a:round/>
+                      <a:headEnd type="none" w="med" len="med"/>
+                      <a:tailEnd type="none" w="med" len="med"/>
+                    </a:lnL>
+                    <a:lnR w="6350" cap="flat" cmpd="sng" algn="ctr">
+                      <a:solidFill>
+                        <a:srgbClr val="000000"/>
+                      </a:solidFill>
+                      <a:prstDash val="solid"/>
+                      <a:round/>
+                      <a:headEnd type="none" w="med" len="med"/>
+                      <a:tailEnd type="none" w="med" len="med"/>
+                    </a:lnR>
+                    <a:lnT w="6350" cap="flat" cmpd="sng" algn="ctr">
+                      <a:solidFill>
+                        <a:srgbClr val="000000"/>
+                      </a:solidFill>
+                      <a:prstDash val="solid"/>
+                      <a:round/>
+                      <a:headEnd type="none" w="med" len="med"/>
+                      <a:tailEnd type="none" w="med" len="med"/>
+                    </a:lnT>
+                    <a:lnB w="6350" cap="flat" cmpd="sng" algn="ctr">
+                      <a:solidFill>
+                        <a:srgbClr val="000000"/>
+                      </a:solidFill>
+                      <a:prstDash val="solid"/>
+                      <a:round/>
+                      <a:headEnd type="none" w="med" len="med"/>
+                      <a:tailEnd type="none" w="med" len="med"/>
+                    </a:lnB>
+                    <a:solidFill>
+                      <a:srgbClr val="FFFFFF"/>
+                    </a:solidFill>
+                  </a:tcPr>
+                </a:tc>
+                <a:tc>
+                  <a:txBody>
+                    <a:bodyPr/>
+                    <a:lstStyle/>
+                    <a:p>
+                      <a:pPr algn="l" fontAlgn="b"/>
+                      <a:r>
+                        <a:rPr lang="en-AT" sz="1000" b="0" i="0" u="none" strike="noStrike">
+                          <a:solidFill>
+                            <a:srgbClr val="000000"/>
+                          </a:solidFill>
+                          <a:effectLst/>
+                          <a:latin typeface="Calibri" panose="020F0502020204030204" pitchFamily="34" charset="0"/>
+                        </a:rPr>
+                        <a:t>36.667 ± 4.619</a:t>
+                      </a:r>
+                    </a:p>
+                  </a:txBody>
+                  <a:tcPr marL="7687" marR="7687" marT="7687" marB="0" anchor="b">
+                    <a:lnL w="6350" cap="flat" cmpd="sng" algn="ctr">
+                      <a:solidFill>
+                        <a:srgbClr val="000000"/>
+                      </a:solidFill>
+                      <a:prstDash val="solid"/>
+                      <a:round/>
+                      <a:headEnd type="none" w="med" len="med"/>
+                      <a:tailEnd type="none" w="med" len="med"/>
+                    </a:lnL>
+                    <a:lnR w="6350" cap="flat" cmpd="sng" algn="ctr">
+                      <a:solidFill>
+                        <a:srgbClr val="000000"/>
+                      </a:solidFill>
+                      <a:prstDash val="solid"/>
+                      <a:round/>
+                      <a:headEnd type="none" w="med" len="med"/>
+                      <a:tailEnd type="none" w="med" len="med"/>
+                    </a:lnR>
+                    <a:lnT w="6350" cap="flat" cmpd="sng" algn="ctr">
+                      <a:solidFill>
+                        <a:srgbClr val="000000"/>
+                      </a:solidFill>
+                      <a:prstDash val="solid"/>
+                      <a:round/>
+                      <a:headEnd type="none" w="med" len="med"/>
+                      <a:tailEnd type="none" w="med" len="med"/>
+                    </a:lnT>
+                    <a:lnB w="6350" cap="flat" cmpd="sng" algn="ctr">
+                      <a:solidFill>
+                        <a:srgbClr val="000000"/>
+                      </a:solidFill>
+                      <a:prstDash val="solid"/>
+                      <a:round/>
+                      <a:headEnd type="none" w="med" len="med"/>
+                      <a:tailEnd type="none" w="med" len="med"/>
+                    </a:lnB>
+                    <a:solidFill>
+                      <a:srgbClr val="FFFFFF"/>
+                    </a:solidFill>
+                  </a:tcPr>
+                </a:tc>
+                <a:tc>
+                  <a:txBody>
+                    <a:bodyPr/>
+                    <a:lstStyle/>
+                    <a:p>
+                      <a:pPr algn="l" fontAlgn="b"/>
+                      <a:r>
+                        <a:rPr lang="en-AT" sz="1000" b="0" i="0" u="none" strike="noStrike">
+                          <a:solidFill>
+                            <a:srgbClr val="000000"/>
+                          </a:solidFill>
+                          <a:effectLst/>
+                          <a:latin typeface="Calibri" panose="020F0502020204030204" pitchFamily="34" charset="0"/>
+                        </a:rPr>
+                        <a:t>0.410 ± 0.019</a:t>
+                      </a:r>
+                    </a:p>
+                  </a:txBody>
+                  <a:tcPr marL="7687" marR="7687" marT="7687" marB="0" anchor="b">
+                    <a:lnL w="6350" cap="flat" cmpd="sng" algn="ctr">
+                      <a:solidFill>
+                        <a:srgbClr val="000000"/>
+                      </a:solidFill>
+                      <a:prstDash val="solid"/>
+                      <a:round/>
+                      <a:headEnd type="none" w="med" len="med"/>
+                      <a:tailEnd type="none" w="med" len="med"/>
+                    </a:lnL>
+                    <a:lnR w="6350" cap="flat" cmpd="sng" algn="ctr">
+                      <a:solidFill>
+                        <a:srgbClr val="000000"/>
+                      </a:solidFill>
+                      <a:prstDash val="solid"/>
+                      <a:round/>
+                      <a:headEnd type="none" w="med" len="med"/>
+                      <a:tailEnd type="none" w="med" len="med"/>
+                    </a:lnR>
+                    <a:lnT w="6350" cap="flat" cmpd="sng" algn="ctr">
+                      <a:solidFill>
+                        <a:srgbClr val="000000"/>
+                      </a:solidFill>
+                      <a:prstDash val="solid"/>
+                      <a:round/>
+                      <a:headEnd type="none" w="med" len="med"/>
+                      <a:tailEnd type="none" w="med" len="med"/>
+                    </a:lnT>
+                    <a:lnB w="6350" cap="flat" cmpd="sng" algn="ctr">
+                      <a:solidFill>
+                        <a:srgbClr val="000000"/>
+                      </a:solidFill>
+                      <a:prstDash val="solid"/>
+                      <a:round/>
+                      <a:headEnd type="none" w="med" len="med"/>
+                      <a:tailEnd type="none" w="med" len="med"/>
+                    </a:lnB>
+                    <a:solidFill>
+                      <a:srgbClr val="FFFFFF"/>
+                    </a:solidFill>
+                  </a:tcPr>
+                </a:tc>
+                <a:tc>
+                  <a:txBody>
+                    <a:bodyPr/>
+                    <a:lstStyle/>
+                    <a:p>
+                      <a:pPr algn="l" fontAlgn="b"/>
+                      <a:r>
+                        <a:rPr lang="en-AT" sz="1000" b="0" i="0" u="none" strike="noStrike">
+                          <a:solidFill>
+                            <a:srgbClr val="000000"/>
+                          </a:solidFill>
+                          <a:effectLst/>
+                          <a:latin typeface="Calibri" panose="020F0502020204030204" pitchFamily="34" charset="0"/>
+                        </a:rPr>
+                        <a:t>0.852 ± 0.007</a:t>
+                      </a:r>
+                    </a:p>
+                  </a:txBody>
+                  <a:tcPr marL="7687" marR="7687" marT="7687" marB="0" anchor="b">
+                    <a:lnL w="6350" cap="flat" cmpd="sng" algn="ctr">
+                      <a:solidFill>
+                        <a:srgbClr val="000000"/>
+                      </a:solidFill>
+                      <a:prstDash val="solid"/>
+                      <a:round/>
+                      <a:headEnd type="none" w="med" len="med"/>
+                      <a:tailEnd type="none" w="med" len="med"/>
+                    </a:lnL>
+                    <a:lnR w="6350" cap="flat" cmpd="sng" algn="ctr">
+                      <a:solidFill>
+                        <a:srgbClr val="000000"/>
+                      </a:solidFill>
+                      <a:prstDash val="solid"/>
+                      <a:round/>
+                      <a:headEnd type="none" w="med" len="med"/>
+                      <a:tailEnd type="none" w="med" len="med"/>
+                    </a:lnR>
+                    <a:lnT w="6350" cap="flat" cmpd="sng" algn="ctr">
+                      <a:solidFill>
+                        <a:srgbClr val="000000"/>
+                      </a:solidFill>
+                      <a:prstDash val="solid"/>
+                      <a:round/>
+                      <a:headEnd type="none" w="med" len="med"/>
+                      <a:tailEnd type="none" w="med" len="med"/>
+                    </a:lnT>
+                    <a:lnB w="6350" cap="flat" cmpd="sng" algn="ctr">
+                      <a:solidFill>
+                        <a:srgbClr val="000000"/>
+                      </a:solidFill>
+                      <a:prstDash val="solid"/>
+                      <a:round/>
+                      <a:headEnd type="none" w="med" len="med"/>
+                      <a:tailEnd type="none" w="med" len="med"/>
+                    </a:lnB>
+                    <a:solidFill>
+                      <a:srgbClr val="FFFFFF"/>
+                    </a:solidFill>
+                  </a:tcPr>
+                </a:tc>
+                <a:extLst>
+                  <a:ext uri="{0D108BD9-81ED-4DB2-BD59-A6C34878D82A}">
+                    <a16:rowId xmlns:a16="http://schemas.microsoft.com/office/drawing/2014/main" val="2827523366"/>
+                  </a:ext>
+                </a:extLst>
+              </a:tr>
+              <a:tr h="153737">
+                <a:tc>
+                  <a:txBody>
+                    <a:bodyPr/>
+                    <a:lstStyle/>
+                    <a:p>
+                      <a:pPr algn="l" fontAlgn="b"/>
+                      <a:r>
+                        <a:rPr lang="en-US" sz="1000" b="0" i="0" u="none" strike="noStrike">
+                          <a:solidFill>
+                            <a:srgbClr val="000000"/>
+                          </a:solidFill>
+                          <a:effectLst/>
+                          <a:latin typeface="Calibri" panose="020F0502020204030204" pitchFamily="34" charset="0"/>
+                        </a:rPr>
+                        <a:t>ct_rnn</a:t>
+                      </a:r>
+                    </a:p>
+                  </a:txBody>
+                  <a:tcPr marL="7687" marR="7687" marT="7687" marB="0" anchor="b">
+                    <a:lnL w="6350" cap="flat" cmpd="sng" algn="ctr">
+                      <a:solidFill>
+                        <a:srgbClr val="000000"/>
+                      </a:solidFill>
+                      <a:prstDash val="solid"/>
+                      <a:round/>
+                      <a:headEnd type="none" w="med" len="med"/>
+                      <a:tailEnd type="none" w="med" len="med"/>
+                    </a:lnL>
+                    <a:lnR w="6350" cap="flat" cmpd="sng" algn="ctr">
+                      <a:solidFill>
+                        <a:srgbClr val="000000"/>
+                      </a:solidFill>
+                      <a:prstDash val="solid"/>
+                      <a:round/>
+                      <a:headEnd type="none" w="med" len="med"/>
+                      <a:tailEnd type="none" w="med" len="med"/>
+                    </a:lnR>
+                    <a:lnT w="6350" cap="flat" cmpd="sng" algn="ctr">
+                      <a:solidFill>
+                        <a:srgbClr val="000000"/>
+                      </a:solidFill>
+                      <a:prstDash val="solid"/>
+                      <a:round/>
+                      <a:headEnd type="none" w="med" len="med"/>
+                      <a:tailEnd type="none" w="med" len="med"/>
+                    </a:lnT>
+                    <a:lnB w="6350" cap="flat" cmpd="sng" algn="ctr">
+                      <a:solidFill>
+                        <a:srgbClr val="000000"/>
+                      </a:solidFill>
+                      <a:prstDash val="solid"/>
+                      <a:round/>
+                      <a:headEnd type="none" w="med" len="med"/>
+                      <a:tailEnd type="none" w="med" len="med"/>
+                    </a:lnB>
+                    <a:solidFill>
+                      <a:srgbClr val="FFFFFF"/>
+                    </a:solidFill>
+                  </a:tcPr>
+                </a:tc>
+                <a:tc>
+                  <a:txBody>
+                    <a:bodyPr/>
+                    <a:lstStyle/>
+                    <a:p>
+                      <a:pPr algn="r" fontAlgn="b"/>
+                      <a:r>
+                        <a:rPr lang="en-AT" sz="1000" b="0" i="0" u="none" strike="noStrike">
+                          <a:solidFill>
+                            <a:srgbClr val="000000"/>
+                          </a:solidFill>
+                          <a:effectLst/>
+                          <a:latin typeface="Calibri" panose="020F0502020204030204" pitchFamily="34" charset="0"/>
+                        </a:rPr>
+                        <a:t>18439</a:t>
+                      </a:r>
+                    </a:p>
+                  </a:txBody>
+                  <a:tcPr marL="7687" marR="7687" marT="7687" marB="0" anchor="b">
+                    <a:lnL w="6350" cap="flat" cmpd="sng" algn="ctr">
+                      <a:solidFill>
+                        <a:srgbClr val="000000"/>
+                      </a:solidFill>
+                      <a:prstDash val="solid"/>
+                      <a:round/>
+                      <a:headEnd type="none" w="med" len="med"/>
+                      <a:tailEnd type="none" w="med" len="med"/>
+                    </a:lnL>
+                    <a:lnR w="6350" cap="flat" cmpd="sng" algn="ctr">
+                      <a:solidFill>
+                        <a:srgbClr val="000000"/>
+                      </a:solidFill>
+                      <a:prstDash val="solid"/>
+                      <a:round/>
+                      <a:headEnd type="none" w="med" len="med"/>
+                      <a:tailEnd type="none" w="med" len="med"/>
+                    </a:lnR>
+                    <a:lnT w="6350" cap="flat" cmpd="sng" algn="ctr">
+                      <a:solidFill>
+                        <a:srgbClr val="000000"/>
+                      </a:solidFill>
+                      <a:prstDash val="solid"/>
+                      <a:round/>
+                      <a:headEnd type="none" w="med" len="med"/>
+                      <a:tailEnd type="none" w="med" len="med"/>
+                    </a:lnT>
+                    <a:lnB w="6350" cap="flat" cmpd="sng" algn="ctr">
+                      <a:solidFill>
+                        <a:srgbClr val="000000"/>
+                      </a:solidFill>
+                      <a:prstDash val="solid"/>
+                      <a:round/>
+                      <a:headEnd type="none" w="med" len="med"/>
+                      <a:tailEnd type="none" w="med" len="med"/>
+                    </a:lnB>
+                    <a:solidFill>
+                      <a:srgbClr val="FFFFFF"/>
+                    </a:solidFill>
+                  </a:tcPr>
+                </a:tc>
+                <a:tc>
+                  <a:txBody>
+                    <a:bodyPr/>
+                    <a:lstStyle/>
+                    <a:p>
+                      <a:pPr algn="l" fontAlgn="b"/>
+                      <a:r>
+                        <a:rPr lang="en-AT" sz="1000" b="0" i="0" u="none" strike="noStrike" dirty="0">
+                          <a:solidFill>
+                            <a:srgbClr val="000000"/>
+                          </a:solidFill>
+                          <a:effectLst/>
+                          <a:latin typeface="Calibri" panose="020F0502020204030204" pitchFamily="34" charset="0"/>
+                        </a:rPr>
+                        <a:t>5310.323 ± 909.814</a:t>
+                      </a:r>
+                    </a:p>
+                  </a:txBody>
+                  <a:tcPr marL="7687" marR="7687" marT="7687" marB="0" anchor="b">
+                    <a:lnL w="6350" cap="flat" cmpd="sng" algn="ctr">
+                      <a:solidFill>
+                        <a:srgbClr val="000000"/>
+                      </a:solidFill>
+                      <a:prstDash val="solid"/>
+                      <a:round/>
+                      <a:headEnd type="none" w="med" len="med"/>
+                      <a:tailEnd type="none" w="med" len="med"/>
+                    </a:lnL>
+                    <a:lnR w="6350" cap="flat" cmpd="sng" algn="ctr">
+                      <a:solidFill>
+                        <a:srgbClr val="000000"/>
+                      </a:solidFill>
+                      <a:prstDash val="solid"/>
+                      <a:round/>
+                      <a:headEnd type="none" w="med" len="med"/>
+                      <a:tailEnd type="none" w="med" len="med"/>
+                    </a:lnR>
+                    <a:lnT w="6350" cap="flat" cmpd="sng" algn="ctr">
+                      <a:solidFill>
+                        <a:srgbClr val="000000"/>
+                      </a:solidFill>
+                      <a:prstDash val="solid"/>
+                      <a:round/>
+                      <a:headEnd type="none" w="med" len="med"/>
+                      <a:tailEnd type="none" w="med" len="med"/>
+                    </a:lnT>
+                    <a:lnB w="6350" cap="flat" cmpd="sng" algn="ctr">
+                      <a:solidFill>
+                        <a:srgbClr val="000000"/>
+                      </a:solidFill>
+                      <a:prstDash val="solid"/>
+                      <a:round/>
+                      <a:headEnd type="none" w="med" len="med"/>
+                      <a:tailEnd type="none" w="med" len="med"/>
+                    </a:lnB>
+                    <a:solidFill>
+                      <a:srgbClr val="FFFFFF"/>
+                    </a:solidFill>
+                  </a:tcPr>
+                </a:tc>
+                <a:tc>
+                  <a:txBody>
+                    <a:bodyPr/>
+                    <a:lstStyle/>
+                    <a:p>
+                      <a:pPr algn="l" fontAlgn="b"/>
+                      <a:r>
+                        <a:rPr lang="en-AT" sz="1000" b="0" i="0" u="none" strike="noStrike">
+                          <a:solidFill>
+                            <a:srgbClr val="000000"/>
+                          </a:solidFill>
+                          <a:effectLst/>
+                          <a:latin typeface="Calibri" panose="020F0502020204030204" pitchFamily="34" charset="0"/>
+                        </a:rPr>
+                        <a:t>123.450 ± 0.472</a:t>
+                      </a:r>
+                    </a:p>
+                  </a:txBody>
+                  <a:tcPr marL="7687" marR="7687" marT="7687" marB="0" anchor="b">
+                    <a:lnL w="6350" cap="flat" cmpd="sng" algn="ctr">
+                      <a:solidFill>
+                        <a:srgbClr val="000000"/>
+                      </a:solidFill>
+                      <a:prstDash val="solid"/>
+                      <a:round/>
+                      <a:headEnd type="none" w="med" len="med"/>
+                      <a:tailEnd type="none" w="med" len="med"/>
+                    </a:lnL>
+                    <a:lnR w="6350" cap="flat" cmpd="sng" algn="ctr">
+                      <a:solidFill>
+                        <a:srgbClr val="000000"/>
+                      </a:solidFill>
+                      <a:prstDash val="solid"/>
+                      <a:round/>
+                      <a:headEnd type="none" w="med" len="med"/>
+                      <a:tailEnd type="none" w="med" len="med"/>
+                    </a:lnR>
+                    <a:lnT w="6350" cap="flat" cmpd="sng" algn="ctr">
+                      <a:solidFill>
+                        <a:srgbClr val="000000"/>
+                      </a:solidFill>
+                      <a:prstDash val="solid"/>
+                      <a:round/>
+                      <a:headEnd type="none" w="med" len="med"/>
+                      <a:tailEnd type="none" w="med" len="med"/>
+                    </a:lnT>
+                    <a:lnB w="6350" cap="flat" cmpd="sng" algn="ctr">
+                      <a:solidFill>
+                        <a:srgbClr val="000000"/>
+                      </a:solidFill>
+                      <a:prstDash val="solid"/>
+                      <a:round/>
+                      <a:headEnd type="none" w="med" len="med"/>
+                      <a:tailEnd type="none" w="med" len="med"/>
+                    </a:lnB>
+                    <a:solidFill>
+                      <a:srgbClr val="FFFFFF"/>
+                    </a:solidFill>
+                  </a:tcPr>
+                </a:tc>
+                <a:tc>
+                  <a:txBody>
+                    <a:bodyPr/>
+                    <a:lstStyle/>
+                    <a:p>
+                      <a:pPr algn="l" fontAlgn="b"/>
+                      <a:r>
+                        <a:rPr lang="en-AT" sz="1000" b="0" i="0" u="none" strike="noStrike">
+                          <a:solidFill>
+                            <a:srgbClr val="000000"/>
+                          </a:solidFill>
+                          <a:effectLst/>
+                          <a:latin typeface="Calibri" panose="020F0502020204030204" pitchFamily="34" charset="0"/>
+                        </a:rPr>
+                        <a:t>43.000 ± 7.211</a:t>
+                      </a:r>
+                    </a:p>
+                  </a:txBody>
+                  <a:tcPr marL="7687" marR="7687" marT="7687" marB="0" anchor="b">
+                    <a:lnL w="6350" cap="flat" cmpd="sng" algn="ctr">
+                      <a:solidFill>
+                        <a:srgbClr val="000000"/>
+                      </a:solidFill>
+                      <a:prstDash val="solid"/>
+                      <a:round/>
+                      <a:headEnd type="none" w="med" len="med"/>
+                      <a:tailEnd type="none" w="med" len="med"/>
+                    </a:lnL>
+                    <a:lnR w="6350" cap="flat" cmpd="sng" algn="ctr">
+                      <a:solidFill>
+                        <a:srgbClr val="000000"/>
+                      </a:solidFill>
+                      <a:prstDash val="solid"/>
+                      <a:round/>
+                      <a:headEnd type="none" w="med" len="med"/>
+                      <a:tailEnd type="none" w="med" len="med"/>
+                    </a:lnR>
+                    <a:lnT w="6350" cap="flat" cmpd="sng" algn="ctr">
+                      <a:solidFill>
+                        <a:srgbClr val="000000"/>
+                      </a:solidFill>
+                      <a:prstDash val="solid"/>
+                      <a:round/>
+                      <a:headEnd type="none" w="med" len="med"/>
+                      <a:tailEnd type="none" w="med" len="med"/>
+                    </a:lnT>
+                    <a:lnB w="6350" cap="flat" cmpd="sng" algn="ctr">
+                      <a:solidFill>
+                        <a:srgbClr val="000000"/>
+                      </a:solidFill>
+                      <a:prstDash val="solid"/>
+                      <a:round/>
+                      <a:headEnd type="none" w="med" len="med"/>
+                      <a:tailEnd type="none" w="med" len="med"/>
+                    </a:lnB>
+                    <a:solidFill>
+                      <a:srgbClr val="FFFFFF"/>
+                    </a:solidFill>
+                  </a:tcPr>
+                </a:tc>
+                <a:tc>
+                  <a:txBody>
+                    <a:bodyPr/>
+                    <a:lstStyle/>
+                    <a:p>
+                      <a:pPr algn="l" fontAlgn="b"/>
+                      <a:r>
+                        <a:rPr lang="en-AT" sz="1000" b="0" i="0" u="none" strike="noStrike">
+                          <a:solidFill>
+                            <a:srgbClr val="000000"/>
+                          </a:solidFill>
+                          <a:effectLst/>
+                          <a:latin typeface="Calibri" panose="020F0502020204030204" pitchFamily="34" charset="0"/>
+                        </a:rPr>
+                        <a:t>0.510 ± 0.074</a:t>
+                      </a:r>
+                    </a:p>
+                  </a:txBody>
+                  <a:tcPr marL="7687" marR="7687" marT="7687" marB="0" anchor="b">
+                    <a:lnL w="6350" cap="flat" cmpd="sng" algn="ctr">
+                      <a:solidFill>
+                        <a:srgbClr val="000000"/>
+                      </a:solidFill>
+                      <a:prstDash val="solid"/>
+                      <a:round/>
+                      <a:headEnd type="none" w="med" len="med"/>
+                      <a:tailEnd type="none" w="med" len="med"/>
+                    </a:lnL>
+                    <a:lnR w="6350" cap="flat" cmpd="sng" algn="ctr">
+                      <a:solidFill>
+                        <a:srgbClr val="000000"/>
+                      </a:solidFill>
+                      <a:prstDash val="solid"/>
+                      <a:round/>
+                      <a:headEnd type="none" w="med" len="med"/>
+                      <a:tailEnd type="none" w="med" len="med"/>
+                    </a:lnR>
+                    <a:lnT w="6350" cap="flat" cmpd="sng" algn="ctr">
+                      <a:solidFill>
+                        <a:srgbClr val="000000"/>
+                      </a:solidFill>
+                      <a:prstDash val="solid"/>
+                      <a:round/>
+                      <a:headEnd type="none" w="med" len="med"/>
+                      <a:tailEnd type="none" w="med" len="med"/>
+                    </a:lnT>
+                    <a:lnB w="6350" cap="flat" cmpd="sng" algn="ctr">
+                      <a:solidFill>
+                        <a:srgbClr val="000000"/>
+                      </a:solidFill>
+                      <a:prstDash val="solid"/>
+                      <a:round/>
+                      <a:headEnd type="none" w="med" len="med"/>
+                      <a:tailEnd type="none" w="med" len="med"/>
+                    </a:lnB>
+                    <a:solidFill>
+                      <a:srgbClr val="FFFFFF"/>
+                    </a:solidFill>
+                  </a:tcPr>
+                </a:tc>
+                <a:tc>
+                  <a:txBody>
+                    <a:bodyPr/>
+                    <a:lstStyle/>
+                    <a:p>
+                      <a:pPr algn="l" fontAlgn="b"/>
+                      <a:r>
+                        <a:rPr lang="en-AT" sz="1000" b="0" i="0" u="none" strike="noStrike">
+                          <a:solidFill>
+                            <a:srgbClr val="000000"/>
+                          </a:solidFill>
+                          <a:effectLst/>
+                          <a:latin typeface="Calibri" panose="020F0502020204030204" pitchFamily="34" charset="0"/>
+                        </a:rPr>
+                        <a:t>0.810 ± 0.029</a:t>
+                      </a:r>
+                    </a:p>
+                  </a:txBody>
+                  <a:tcPr marL="7687" marR="7687" marT="7687" marB="0" anchor="b">
+                    <a:lnL w="6350" cap="flat" cmpd="sng" algn="ctr">
+                      <a:solidFill>
+                        <a:srgbClr val="000000"/>
+                      </a:solidFill>
+                      <a:prstDash val="solid"/>
+                      <a:round/>
+                      <a:headEnd type="none" w="med" len="med"/>
+                      <a:tailEnd type="none" w="med" len="med"/>
+                    </a:lnL>
+                    <a:lnR w="6350" cap="flat" cmpd="sng" algn="ctr">
+                      <a:solidFill>
+                        <a:srgbClr val="000000"/>
+                      </a:solidFill>
+                      <a:prstDash val="solid"/>
+                      <a:round/>
+                      <a:headEnd type="none" w="med" len="med"/>
+                      <a:tailEnd type="none" w="med" len="med"/>
+                    </a:lnR>
+                    <a:lnT w="6350" cap="flat" cmpd="sng" algn="ctr">
+                      <a:solidFill>
+                        <a:srgbClr val="000000"/>
+                      </a:solidFill>
+                      <a:prstDash val="solid"/>
+                      <a:round/>
+                      <a:headEnd type="none" w="med" len="med"/>
+                      <a:tailEnd type="none" w="med" len="med"/>
+                    </a:lnT>
+                    <a:lnB w="6350" cap="flat" cmpd="sng" algn="ctr">
+                      <a:solidFill>
+                        <a:srgbClr val="000000"/>
+                      </a:solidFill>
+                      <a:prstDash val="solid"/>
+                      <a:round/>
+                      <a:headEnd type="none" w="med" len="med"/>
+                      <a:tailEnd type="none" w="med" len="med"/>
+                    </a:lnB>
+                    <a:solidFill>
+                      <a:srgbClr val="FFFFFF"/>
+                    </a:solidFill>
+                  </a:tcPr>
+                </a:tc>
+                <a:extLst>
+                  <a:ext uri="{0D108BD9-81ED-4DB2-BD59-A6C34878D82A}">
+                    <a16:rowId xmlns:a16="http://schemas.microsoft.com/office/drawing/2014/main" val="2752145665"/>
+                  </a:ext>
+                </a:extLst>
+              </a:tr>
+              <a:tr h="153737">
+                <a:tc>
+                  <a:txBody>
+                    <a:bodyPr/>
+                    <a:lstStyle/>
+                    <a:p>
+                      <a:pPr algn="l" fontAlgn="b"/>
+                      <a:r>
+                        <a:rPr lang="en-US" sz="1000" b="0" i="0" u="none" strike="noStrike">
+                          <a:solidFill>
+                            <a:srgbClr val="000000"/>
+                          </a:solidFill>
+                          <a:effectLst/>
+                          <a:latin typeface="Calibri" panose="020F0502020204030204" pitchFamily="34" charset="0"/>
+                        </a:rPr>
+                        <a:t>unitary_rnn</a:t>
+                      </a:r>
+                    </a:p>
+                  </a:txBody>
+                  <a:tcPr marL="7687" marR="7687" marT="7687" marB="0" anchor="b">
+                    <a:lnL w="6350" cap="flat" cmpd="sng" algn="ctr">
+                      <a:solidFill>
+                        <a:srgbClr val="000000"/>
+                      </a:solidFill>
+                      <a:prstDash val="solid"/>
+                      <a:round/>
+                      <a:headEnd type="none" w="med" len="med"/>
+                      <a:tailEnd type="none" w="med" len="med"/>
+                    </a:lnL>
+                    <a:lnR w="6350" cap="flat" cmpd="sng" algn="ctr">
+                      <a:solidFill>
+                        <a:srgbClr val="000000"/>
+                      </a:solidFill>
+                      <a:prstDash val="solid"/>
+                      <a:round/>
+                      <a:headEnd type="none" w="med" len="med"/>
+                      <a:tailEnd type="none" w="med" len="med"/>
+                    </a:lnR>
+                    <a:lnT w="6350" cap="flat" cmpd="sng" algn="ctr">
+                      <a:solidFill>
+                        <a:srgbClr val="000000"/>
+                      </a:solidFill>
+                      <a:prstDash val="solid"/>
+                      <a:round/>
+                      <a:headEnd type="none" w="med" len="med"/>
+                      <a:tailEnd type="none" w="med" len="med"/>
+                    </a:lnT>
+                    <a:lnB w="6350" cap="flat" cmpd="sng" algn="ctr">
+                      <a:solidFill>
+                        <a:srgbClr val="000000"/>
+                      </a:solidFill>
+                      <a:prstDash val="solid"/>
+                      <a:round/>
+                      <a:headEnd type="none" w="med" len="med"/>
+                      <a:tailEnd type="none" w="med" len="med"/>
+                    </a:lnB>
+                    <a:solidFill>
+                      <a:srgbClr val="FFFFFF"/>
+                    </a:solidFill>
+                  </a:tcPr>
+                </a:tc>
+                <a:tc>
+                  <a:txBody>
+                    <a:bodyPr/>
+                    <a:lstStyle/>
+                    <a:p>
+                      <a:pPr algn="r" fontAlgn="b"/>
+                      <a:r>
+                        <a:rPr lang="en-AT" sz="1000" b="0" i="0" u="none" strike="noStrike">
+                          <a:solidFill>
+                            <a:srgbClr val="000000"/>
+                          </a:solidFill>
+                          <a:effectLst/>
+                          <a:latin typeface="Calibri" panose="020F0502020204030204" pitchFamily="34" charset="0"/>
+                        </a:rPr>
+                        <a:t>4983</a:t>
+                      </a:r>
+                    </a:p>
+                  </a:txBody>
+                  <a:tcPr marL="7687" marR="7687" marT="7687" marB="0" anchor="b">
+                    <a:lnL w="6350" cap="flat" cmpd="sng" algn="ctr">
+                      <a:solidFill>
+                        <a:srgbClr val="000000"/>
+                      </a:solidFill>
+                      <a:prstDash val="solid"/>
+                      <a:round/>
+                      <a:headEnd type="none" w="med" len="med"/>
+                      <a:tailEnd type="none" w="med" len="med"/>
+                    </a:lnL>
+                    <a:lnR w="6350" cap="flat" cmpd="sng" algn="ctr">
+                      <a:solidFill>
+                        <a:srgbClr val="000000"/>
+                      </a:solidFill>
+                      <a:prstDash val="solid"/>
+                      <a:round/>
+                      <a:headEnd type="none" w="med" len="med"/>
+                      <a:tailEnd type="none" w="med" len="med"/>
+                    </a:lnR>
+                    <a:lnT w="6350" cap="flat" cmpd="sng" algn="ctr">
+                      <a:solidFill>
+                        <a:srgbClr val="000000"/>
+                      </a:solidFill>
+                      <a:prstDash val="solid"/>
+                      <a:round/>
+                      <a:headEnd type="none" w="med" len="med"/>
+                      <a:tailEnd type="none" w="med" len="med"/>
+                    </a:lnT>
+                    <a:lnB w="6350" cap="flat" cmpd="sng" algn="ctr">
+                      <a:solidFill>
+                        <a:srgbClr val="000000"/>
+                      </a:solidFill>
+                      <a:prstDash val="solid"/>
+                      <a:round/>
+                      <a:headEnd type="none" w="med" len="med"/>
+                      <a:tailEnd type="none" w="med" len="med"/>
+                    </a:lnB>
+                    <a:solidFill>
+                      <a:srgbClr val="FFFFFF"/>
+                    </a:solidFill>
+                  </a:tcPr>
+                </a:tc>
+                <a:tc>
+                  <a:txBody>
+                    <a:bodyPr/>
+                    <a:lstStyle/>
+                    <a:p>
+                      <a:pPr algn="l" fontAlgn="b"/>
+                      <a:r>
+                        <a:rPr lang="en-AT" sz="1000" b="0" i="0" u="none" strike="noStrike">
+                          <a:solidFill>
+                            <a:srgbClr val="000000"/>
+                          </a:solidFill>
+                          <a:effectLst/>
+                          <a:latin typeface="Calibri" panose="020F0502020204030204" pitchFamily="34" charset="0"/>
+                        </a:rPr>
+                        <a:t>6280.606 ± 1197.117</a:t>
+                      </a:r>
+                    </a:p>
+                  </a:txBody>
+                  <a:tcPr marL="7687" marR="7687" marT="7687" marB="0" anchor="b">
+                    <a:lnL w="6350" cap="flat" cmpd="sng" algn="ctr">
+                      <a:solidFill>
+                        <a:srgbClr val="000000"/>
+                      </a:solidFill>
+                      <a:prstDash val="solid"/>
+                      <a:round/>
+                      <a:headEnd type="none" w="med" len="med"/>
+                      <a:tailEnd type="none" w="med" len="med"/>
+                    </a:lnL>
+                    <a:lnR w="6350" cap="flat" cmpd="sng" algn="ctr">
+                      <a:solidFill>
+                        <a:srgbClr val="000000"/>
+                      </a:solidFill>
+                      <a:prstDash val="solid"/>
+                      <a:round/>
+                      <a:headEnd type="none" w="med" len="med"/>
+                      <a:tailEnd type="none" w="med" len="med"/>
+                    </a:lnR>
+                    <a:lnT w="6350" cap="flat" cmpd="sng" algn="ctr">
+                      <a:solidFill>
+                        <a:srgbClr val="000000"/>
+                      </a:solidFill>
+                      <a:prstDash val="solid"/>
+                      <a:round/>
+                      <a:headEnd type="none" w="med" len="med"/>
+                      <a:tailEnd type="none" w="med" len="med"/>
+                    </a:lnT>
+                    <a:lnB w="6350" cap="flat" cmpd="sng" algn="ctr">
+                      <a:solidFill>
+                        <a:srgbClr val="000000"/>
+                      </a:solidFill>
+                      <a:prstDash val="solid"/>
+                      <a:round/>
+                      <a:headEnd type="none" w="med" len="med"/>
+                      <a:tailEnd type="none" w="med" len="med"/>
+                    </a:lnB>
+                    <a:solidFill>
+                      <a:srgbClr val="FFFFFF"/>
+                    </a:solidFill>
+                  </a:tcPr>
+                </a:tc>
+                <a:tc>
+                  <a:txBody>
+                    <a:bodyPr/>
+                    <a:lstStyle/>
+                    <a:p>
+                      <a:pPr algn="l" fontAlgn="b"/>
+                      <a:r>
+                        <a:rPr lang="en-AT" sz="1000" b="0" i="0" u="none" strike="noStrike">
+                          <a:solidFill>
+                            <a:srgbClr val="000000"/>
+                          </a:solidFill>
+                          <a:effectLst/>
+                          <a:latin typeface="Calibri" panose="020F0502020204030204" pitchFamily="34" charset="0"/>
+                        </a:rPr>
+                        <a:t>176.368 ± 2.639</a:t>
+                      </a:r>
+                    </a:p>
+                  </a:txBody>
+                  <a:tcPr marL="7687" marR="7687" marT="7687" marB="0" anchor="b">
+                    <a:lnL w="6350" cap="flat" cmpd="sng" algn="ctr">
+                      <a:solidFill>
+                        <a:srgbClr val="000000"/>
+                      </a:solidFill>
+                      <a:prstDash val="solid"/>
+                      <a:round/>
+                      <a:headEnd type="none" w="med" len="med"/>
+                      <a:tailEnd type="none" w="med" len="med"/>
+                    </a:lnL>
+                    <a:lnR w="6350" cap="flat" cmpd="sng" algn="ctr">
+                      <a:solidFill>
+                        <a:srgbClr val="000000"/>
+                      </a:solidFill>
+                      <a:prstDash val="solid"/>
+                      <a:round/>
+                      <a:headEnd type="none" w="med" len="med"/>
+                      <a:tailEnd type="none" w="med" len="med"/>
+                    </a:lnR>
+                    <a:lnT w="6350" cap="flat" cmpd="sng" algn="ctr">
+                      <a:solidFill>
+                        <a:srgbClr val="000000"/>
+                      </a:solidFill>
+                      <a:prstDash val="solid"/>
+                      <a:round/>
+                      <a:headEnd type="none" w="med" len="med"/>
+                      <a:tailEnd type="none" w="med" len="med"/>
+                    </a:lnT>
+                    <a:lnB w="6350" cap="flat" cmpd="sng" algn="ctr">
+                      <a:solidFill>
+                        <a:srgbClr val="000000"/>
+                      </a:solidFill>
+                      <a:prstDash val="solid"/>
+                      <a:round/>
+                      <a:headEnd type="none" w="med" len="med"/>
+                      <a:tailEnd type="none" w="med" len="med"/>
+                    </a:lnB>
+                    <a:solidFill>
+                      <a:srgbClr val="FFFFFF"/>
+                    </a:solidFill>
+                  </a:tcPr>
+                </a:tc>
+                <a:tc>
+                  <a:txBody>
+                    <a:bodyPr/>
+                    <a:lstStyle/>
+                    <a:p>
+                      <a:pPr algn="l" fontAlgn="b"/>
+                      <a:r>
+                        <a:rPr lang="en-AT" sz="1000" b="0" i="0" u="none" strike="noStrike">
+                          <a:solidFill>
+                            <a:srgbClr val="000000"/>
+                          </a:solidFill>
+                          <a:effectLst/>
+                          <a:latin typeface="Calibri" panose="020F0502020204030204" pitchFamily="34" charset="0"/>
+                        </a:rPr>
+                        <a:t>35.667 ± 7.234</a:t>
+                      </a:r>
+                    </a:p>
+                  </a:txBody>
+                  <a:tcPr marL="7687" marR="7687" marT="7687" marB="0" anchor="b">
+                    <a:lnL w="6350" cap="flat" cmpd="sng" algn="ctr">
+                      <a:solidFill>
+                        <a:srgbClr val="000000"/>
+                      </a:solidFill>
+                      <a:prstDash val="solid"/>
+                      <a:round/>
+                      <a:headEnd type="none" w="med" len="med"/>
+                      <a:tailEnd type="none" w="med" len="med"/>
+                    </a:lnL>
+                    <a:lnR w="6350" cap="flat" cmpd="sng" algn="ctr">
+                      <a:solidFill>
+                        <a:srgbClr val="000000"/>
+                      </a:solidFill>
+                      <a:prstDash val="solid"/>
+                      <a:round/>
+                      <a:headEnd type="none" w="med" len="med"/>
+                      <a:tailEnd type="none" w="med" len="med"/>
+                    </a:lnR>
+                    <a:lnT w="6350" cap="flat" cmpd="sng" algn="ctr">
+                      <a:solidFill>
+                        <a:srgbClr val="000000"/>
+                      </a:solidFill>
+                      <a:prstDash val="solid"/>
+                      <a:round/>
+                      <a:headEnd type="none" w="med" len="med"/>
+                      <a:tailEnd type="none" w="med" len="med"/>
+                    </a:lnT>
+                    <a:lnB w="6350" cap="flat" cmpd="sng" algn="ctr">
+                      <a:solidFill>
+                        <a:srgbClr val="000000"/>
+                      </a:solidFill>
+                      <a:prstDash val="solid"/>
+                      <a:round/>
+                      <a:headEnd type="none" w="med" len="med"/>
+                      <a:tailEnd type="none" w="med" len="med"/>
+                    </a:lnB>
+                    <a:solidFill>
+                      <a:srgbClr val="FFFFFF"/>
+                    </a:solidFill>
+                  </a:tcPr>
+                </a:tc>
+                <a:tc>
+                  <a:txBody>
+                    <a:bodyPr/>
+                    <a:lstStyle/>
+                    <a:p>
+                      <a:pPr algn="l" fontAlgn="b"/>
+                      <a:r>
+                        <a:rPr lang="en-AT" sz="1000" b="0" i="0" u="none" strike="noStrike">
+                          <a:solidFill>
+                            <a:srgbClr val="000000"/>
+                          </a:solidFill>
+                          <a:effectLst/>
+                          <a:latin typeface="Calibri" panose="020F0502020204030204" pitchFamily="34" charset="0"/>
+                        </a:rPr>
+                        <a:t>0.522 ± 0.030</a:t>
+                      </a:r>
+                    </a:p>
+                  </a:txBody>
+                  <a:tcPr marL="7687" marR="7687" marT="7687" marB="0" anchor="b">
+                    <a:lnL w="6350" cap="flat" cmpd="sng" algn="ctr">
+                      <a:solidFill>
+                        <a:srgbClr val="000000"/>
+                      </a:solidFill>
+                      <a:prstDash val="solid"/>
+                      <a:round/>
+                      <a:headEnd type="none" w="med" len="med"/>
+                      <a:tailEnd type="none" w="med" len="med"/>
+                    </a:lnL>
+                    <a:lnR w="6350" cap="flat" cmpd="sng" algn="ctr">
+                      <a:solidFill>
+                        <a:srgbClr val="000000"/>
+                      </a:solidFill>
+                      <a:prstDash val="solid"/>
+                      <a:round/>
+                      <a:headEnd type="none" w="med" len="med"/>
+                      <a:tailEnd type="none" w="med" len="med"/>
+                    </a:lnR>
+                    <a:lnT w="6350" cap="flat" cmpd="sng" algn="ctr">
+                      <a:solidFill>
+                        <a:srgbClr val="000000"/>
+                      </a:solidFill>
+                      <a:prstDash val="solid"/>
+                      <a:round/>
+                      <a:headEnd type="none" w="med" len="med"/>
+                      <a:tailEnd type="none" w="med" len="med"/>
+                    </a:lnT>
+                    <a:lnB w="6350" cap="flat" cmpd="sng" algn="ctr">
+                      <a:solidFill>
+                        <a:srgbClr val="000000"/>
+                      </a:solidFill>
+                      <a:prstDash val="solid"/>
+                      <a:round/>
+                      <a:headEnd type="none" w="med" len="med"/>
+                      <a:tailEnd type="none" w="med" len="med"/>
+                    </a:lnB>
+                    <a:solidFill>
+                      <a:srgbClr val="FFFFFF"/>
+                    </a:solidFill>
+                  </a:tcPr>
+                </a:tc>
+                <a:tc>
+                  <a:txBody>
+                    <a:bodyPr/>
+                    <a:lstStyle/>
+                    <a:p>
+                      <a:pPr algn="l" fontAlgn="b"/>
+                      <a:r>
+                        <a:rPr lang="en-AT" sz="1000" b="0" i="0" u="none" strike="noStrike">
+                          <a:solidFill>
+                            <a:srgbClr val="000000"/>
+                          </a:solidFill>
+                          <a:effectLst/>
+                          <a:latin typeface="Calibri" panose="020F0502020204030204" pitchFamily="34" charset="0"/>
+                        </a:rPr>
+                        <a:t>0.808 ± 0.014</a:t>
+                      </a:r>
+                    </a:p>
+                  </a:txBody>
+                  <a:tcPr marL="7687" marR="7687" marT="7687" marB="0" anchor="b">
+                    <a:lnL w="6350" cap="flat" cmpd="sng" algn="ctr">
+                      <a:solidFill>
+                        <a:srgbClr val="000000"/>
+                      </a:solidFill>
+                      <a:prstDash val="solid"/>
+                      <a:round/>
+                      <a:headEnd type="none" w="med" len="med"/>
+                      <a:tailEnd type="none" w="med" len="med"/>
+                    </a:lnL>
+                    <a:lnR w="6350" cap="flat" cmpd="sng" algn="ctr">
+                      <a:solidFill>
+                        <a:srgbClr val="000000"/>
+                      </a:solidFill>
+                      <a:prstDash val="solid"/>
+                      <a:round/>
+                      <a:headEnd type="none" w="med" len="med"/>
+                      <a:tailEnd type="none" w="med" len="med"/>
+                    </a:lnR>
+                    <a:lnT w="6350" cap="flat" cmpd="sng" algn="ctr">
+                      <a:solidFill>
+                        <a:srgbClr val="000000"/>
+                      </a:solidFill>
+                      <a:prstDash val="solid"/>
+                      <a:round/>
+                      <a:headEnd type="none" w="med" len="med"/>
+                      <a:tailEnd type="none" w="med" len="med"/>
+                    </a:lnT>
+                    <a:lnB w="6350" cap="flat" cmpd="sng" algn="ctr">
+                      <a:solidFill>
+                        <a:srgbClr val="000000"/>
+                      </a:solidFill>
+                      <a:prstDash val="solid"/>
+                      <a:round/>
+                      <a:headEnd type="none" w="med" len="med"/>
+                      <a:tailEnd type="none" w="med" len="med"/>
+                    </a:lnB>
+                    <a:solidFill>
+                      <a:srgbClr val="FFFFFF"/>
+                    </a:solidFill>
+                  </a:tcPr>
+                </a:tc>
+                <a:extLst>
+                  <a:ext uri="{0D108BD9-81ED-4DB2-BD59-A6C34878D82A}">
+                    <a16:rowId xmlns:a16="http://schemas.microsoft.com/office/drawing/2014/main" val="2918274918"/>
+                  </a:ext>
+                </a:extLst>
+              </a:tr>
+              <a:tr h="153737">
+                <a:tc>
+                  <a:txBody>
+                    <a:bodyPr/>
+                    <a:lstStyle/>
+                    <a:p>
+                      <a:pPr algn="l" fontAlgn="b"/>
+                      <a:r>
+                        <a:rPr lang="en-US" sz="1000" b="0" i="0" u="none" strike="noStrike">
+                          <a:solidFill>
+                            <a:srgbClr val="000000"/>
+                          </a:solidFill>
+                          <a:effectLst/>
+                          <a:latin typeface="Calibri" panose="020F0502020204030204" pitchFamily="34" charset="0"/>
+                        </a:rPr>
+                        <a:t>unitary_ncp</a:t>
+                      </a:r>
+                    </a:p>
+                  </a:txBody>
+                  <a:tcPr marL="7687" marR="7687" marT="7687" marB="0" anchor="b">
+                    <a:lnL w="6350" cap="flat" cmpd="sng" algn="ctr">
+                      <a:solidFill>
+                        <a:srgbClr val="000000"/>
+                      </a:solidFill>
+                      <a:prstDash val="solid"/>
+                      <a:round/>
+                      <a:headEnd type="none" w="med" len="med"/>
+                      <a:tailEnd type="none" w="med" len="med"/>
+                    </a:lnL>
+                    <a:lnR w="6350" cap="flat" cmpd="sng" algn="ctr">
+                      <a:solidFill>
+                        <a:srgbClr val="000000"/>
+                      </a:solidFill>
+                      <a:prstDash val="solid"/>
+                      <a:round/>
+                      <a:headEnd type="none" w="med" len="med"/>
+                      <a:tailEnd type="none" w="med" len="med"/>
+                    </a:lnR>
+                    <a:lnT w="6350" cap="flat" cmpd="sng" algn="ctr">
+                      <a:solidFill>
+                        <a:srgbClr val="000000"/>
+                      </a:solidFill>
+                      <a:prstDash val="solid"/>
+                      <a:round/>
+                      <a:headEnd type="none" w="med" len="med"/>
+                      <a:tailEnd type="none" w="med" len="med"/>
+                    </a:lnT>
+                    <a:lnB w="6350" cap="flat" cmpd="sng" algn="ctr">
+                      <a:solidFill>
+                        <a:srgbClr val="000000"/>
+                      </a:solidFill>
+                      <a:prstDash val="solid"/>
+                      <a:round/>
+                      <a:headEnd type="none" w="med" len="med"/>
+                      <a:tailEnd type="none" w="med" len="med"/>
+                    </a:lnB>
+                    <a:solidFill>
+                      <a:srgbClr val="FFFFFF"/>
+                    </a:solidFill>
+                  </a:tcPr>
+                </a:tc>
+                <a:tc>
+                  <a:txBody>
+                    <a:bodyPr/>
+                    <a:lstStyle/>
+                    <a:p>
+                      <a:pPr algn="r" fontAlgn="b"/>
+                      <a:r>
+                        <a:rPr lang="en-AT" sz="1000" b="0" i="0" u="none" strike="noStrike">
+                          <a:solidFill>
+                            <a:srgbClr val="000000"/>
+                          </a:solidFill>
+                          <a:effectLst/>
+                          <a:latin typeface="Calibri" panose="020F0502020204030204" pitchFamily="34" charset="0"/>
+                        </a:rPr>
+                        <a:t>3579</a:t>
+                      </a:r>
+                    </a:p>
+                  </a:txBody>
+                  <a:tcPr marL="7687" marR="7687" marT="7687" marB="0" anchor="b">
+                    <a:lnL w="6350" cap="flat" cmpd="sng" algn="ctr">
+                      <a:solidFill>
+                        <a:srgbClr val="000000"/>
+                      </a:solidFill>
+                      <a:prstDash val="solid"/>
+                      <a:round/>
+                      <a:headEnd type="none" w="med" len="med"/>
+                      <a:tailEnd type="none" w="med" len="med"/>
+                    </a:lnL>
+                    <a:lnR w="6350" cap="flat" cmpd="sng" algn="ctr">
+                      <a:solidFill>
+                        <a:srgbClr val="000000"/>
+                      </a:solidFill>
+                      <a:prstDash val="solid"/>
+                      <a:round/>
+                      <a:headEnd type="none" w="med" len="med"/>
+                      <a:tailEnd type="none" w="med" len="med"/>
+                    </a:lnR>
+                    <a:lnT w="6350" cap="flat" cmpd="sng" algn="ctr">
+                      <a:solidFill>
+                        <a:srgbClr val="000000"/>
+                      </a:solidFill>
+                      <a:prstDash val="solid"/>
+                      <a:round/>
+                      <a:headEnd type="none" w="med" len="med"/>
+                      <a:tailEnd type="none" w="med" len="med"/>
+                    </a:lnT>
+                    <a:lnB w="6350" cap="flat" cmpd="sng" algn="ctr">
+                      <a:solidFill>
+                        <a:srgbClr val="000000"/>
+                      </a:solidFill>
+                      <a:prstDash val="solid"/>
+                      <a:round/>
+                      <a:headEnd type="none" w="med" len="med"/>
+                      <a:tailEnd type="none" w="med" len="med"/>
+                    </a:lnB>
+                    <a:solidFill>
+                      <a:srgbClr val="FFFFFF"/>
+                    </a:solidFill>
+                  </a:tcPr>
+                </a:tc>
+                <a:tc>
+                  <a:txBody>
+                    <a:bodyPr/>
+                    <a:lstStyle/>
+                    <a:p>
+                      <a:pPr algn="l" fontAlgn="b"/>
+                      <a:r>
+                        <a:rPr lang="en-AT" sz="1000" b="0" i="0" u="none" strike="noStrike">
+                          <a:solidFill>
+                            <a:srgbClr val="000000"/>
+                          </a:solidFill>
+                          <a:effectLst/>
+                          <a:latin typeface="Calibri" panose="020F0502020204030204" pitchFamily="34" charset="0"/>
+                        </a:rPr>
+                        <a:t>4386.633 ± 973.768</a:t>
+                      </a:r>
+                    </a:p>
+                  </a:txBody>
+                  <a:tcPr marL="7687" marR="7687" marT="7687" marB="0" anchor="b">
+                    <a:lnL w="6350" cap="flat" cmpd="sng" algn="ctr">
+                      <a:solidFill>
+                        <a:srgbClr val="000000"/>
+                      </a:solidFill>
+                      <a:prstDash val="solid"/>
+                      <a:round/>
+                      <a:headEnd type="none" w="med" len="med"/>
+                      <a:tailEnd type="none" w="med" len="med"/>
+                    </a:lnL>
+                    <a:lnR w="6350" cap="flat" cmpd="sng" algn="ctr">
+                      <a:solidFill>
+                        <a:srgbClr val="000000"/>
+                      </a:solidFill>
+                      <a:prstDash val="solid"/>
+                      <a:round/>
+                      <a:headEnd type="none" w="med" len="med"/>
+                      <a:tailEnd type="none" w="med" len="med"/>
+                    </a:lnR>
+                    <a:lnT w="6350" cap="flat" cmpd="sng" algn="ctr">
+                      <a:solidFill>
+                        <a:srgbClr val="000000"/>
+                      </a:solidFill>
+                      <a:prstDash val="solid"/>
+                      <a:round/>
+                      <a:headEnd type="none" w="med" len="med"/>
+                      <a:tailEnd type="none" w="med" len="med"/>
+                    </a:lnT>
+                    <a:lnB w="6350" cap="flat" cmpd="sng" algn="ctr">
+                      <a:solidFill>
+                        <a:srgbClr val="000000"/>
+                      </a:solidFill>
+                      <a:prstDash val="solid"/>
+                      <a:round/>
+                      <a:headEnd type="none" w="med" len="med"/>
+                      <a:tailEnd type="none" w="med" len="med"/>
+                    </a:lnB>
+                    <a:solidFill>
+                      <a:srgbClr val="FFFFFF"/>
+                    </a:solidFill>
+                  </a:tcPr>
+                </a:tc>
+                <a:tc>
+                  <a:txBody>
+                    <a:bodyPr/>
+                    <a:lstStyle/>
+                    <a:p>
+                      <a:pPr algn="l" fontAlgn="b"/>
+                      <a:r>
+                        <a:rPr lang="en-AT" sz="1000" b="0" i="0" u="none" strike="noStrike">
+                          <a:solidFill>
+                            <a:srgbClr val="000000"/>
+                          </a:solidFill>
+                          <a:effectLst/>
+                          <a:latin typeface="Calibri" panose="020F0502020204030204" pitchFamily="34" charset="0"/>
+                        </a:rPr>
+                        <a:t>104.291 ± 1.551</a:t>
+                      </a:r>
+                    </a:p>
+                  </a:txBody>
+                  <a:tcPr marL="7687" marR="7687" marT="7687" marB="0" anchor="b">
+                    <a:lnL w="6350" cap="flat" cmpd="sng" algn="ctr">
+                      <a:solidFill>
+                        <a:srgbClr val="000000"/>
+                      </a:solidFill>
+                      <a:prstDash val="solid"/>
+                      <a:round/>
+                      <a:headEnd type="none" w="med" len="med"/>
+                      <a:tailEnd type="none" w="med" len="med"/>
+                    </a:lnL>
+                    <a:lnR w="6350" cap="flat" cmpd="sng" algn="ctr">
+                      <a:solidFill>
+                        <a:srgbClr val="000000"/>
+                      </a:solidFill>
+                      <a:prstDash val="solid"/>
+                      <a:round/>
+                      <a:headEnd type="none" w="med" len="med"/>
+                      <a:tailEnd type="none" w="med" len="med"/>
+                    </a:lnR>
+                    <a:lnT w="6350" cap="flat" cmpd="sng" algn="ctr">
+                      <a:solidFill>
+                        <a:srgbClr val="000000"/>
+                      </a:solidFill>
+                      <a:prstDash val="solid"/>
+                      <a:round/>
+                      <a:headEnd type="none" w="med" len="med"/>
+                      <a:tailEnd type="none" w="med" len="med"/>
+                    </a:lnT>
+                    <a:lnB w="6350" cap="flat" cmpd="sng" algn="ctr">
+                      <a:solidFill>
+                        <a:srgbClr val="000000"/>
+                      </a:solidFill>
+                      <a:prstDash val="solid"/>
+                      <a:round/>
+                      <a:headEnd type="none" w="med" len="med"/>
+                      <a:tailEnd type="none" w="med" len="med"/>
+                    </a:lnB>
+                    <a:solidFill>
+                      <a:srgbClr val="FFFFFF"/>
+                    </a:solidFill>
+                  </a:tcPr>
+                </a:tc>
+                <a:tc>
+                  <a:txBody>
+                    <a:bodyPr/>
+                    <a:lstStyle/>
+                    <a:p>
+                      <a:pPr algn="l" fontAlgn="b"/>
+                      <a:r>
+                        <a:rPr lang="en-AT" sz="1000" b="0" i="0" u="none" strike="noStrike">
+                          <a:solidFill>
+                            <a:srgbClr val="000000"/>
+                          </a:solidFill>
+                          <a:effectLst/>
+                          <a:latin typeface="Calibri" panose="020F0502020204030204" pitchFamily="34" charset="0"/>
+                        </a:rPr>
+                        <a:t>42.000 ± 8.888</a:t>
+                      </a:r>
+                    </a:p>
+                  </a:txBody>
+                  <a:tcPr marL="7687" marR="7687" marT="7687" marB="0" anchor="b">
+                    <a:lnL w="6350" cap="flat" cmpd="sng" algn="ctr">
+                      <a:solidFill>
+                        <a:srgbClr val="000000"/>
+                      </a:solidFill>
+                      <a:prstDash val="solid"/>
+                      <a:round/>
+                      <a:headEnd type="none" w="med" len="med"/>
+                      <a:tailEnd type="none" w="med" len="med"/>
+                    </a:lnL>
+                    <a:lnR w="6350" cap="flat" cmpd="sng" algn="ctr">
+                      <a:solidFill>
+                        <a:srgbClr val="000000"/>
+                      </a:solidFill>
+                      <a:prstDash val="solid"/>
+                      <a:round/>
+                      <a:headEnd type="none" w="med" len="med"/>
+                      <a:tailEnd type="none" w="med" len="med"/>
+                    </a:lnR>
+                    <a:lnT w="6350" cap="flat" cmpd="sng" algn="ctr">
+                      <a:solidFill>
+                        <a:srgbClr val="000000"/>
+                      </a:solidFill>
+                      <a:prstDash val="solid"/>
+                      <a:round/>
+                      <a:headEnd type="none" w="med" len="med"/>
+                      <a:tailEnd type="none" w="med" len="med"/>
+                    </a:lnT>
+                    <a:lnB w="6350" cap="flat" cmpd="sng" algn="ctr">
+                      <a:solidFill>
+                        <a:srgbClr val="000000"/>
+                      </a:solidFill>
+                      <a:prstDash val="solid"/>
+                      <a:round/>
+                      <a:headEnd type="none" w="med" len="med"/>
+                      <a:tailEnd type="none" w="med" len="med"/>
+                    </a:lnB>
+                    <a:solidFill>
+                      <a:srgbClr val="FFFFFF"/>
+                    </a:solidFill>
+                  </a:tcPr>
+                </a:tc>
+                <a:tc>
+                  <a:txBody>
+                    <a:bodyPr/>
+                    <a:lstStyle/>
+                    <a:p>
+                      <a:pPr algn="l" fontAlgn="b"/>
+                      <a:r>
+                        <a:rPr lang="en-AT" sz="1000" b="0" i="0" u="none" strike="noStrike">
+                          <a:solidFill>
+                            <a:srgbClr val="000000"/>
+                          </a:solidFill>
+                          <a:effectLst/>
+                          <a:latin typeface="Calibri" panose="020F0502020204030204" pitchFamily="34" charset="0"/>
+                        </a:rPr>
+                        <a:t>0.573 ± 0.046</a:t>
+                      </a:r>
+                    </a:p>
+                  </a:txBody>
+                  <a:tcPr marL="7687" marR="7687" marT="7687" marB="0" anchor="b">
+                    <a:lnL w="6350" cap="flat" cmpd="sng" algn="ctr">
+                      <a:solidFill>
+                        <a:srgbClr val="000000"/>
+                      </a:solidFill>
+                      <a:prstDash val="solid"/>
+                      <a:round/>
+                      <a:headEnd type="none" w="med" len="med"/>
+                      <a:tailEnd type="none" w="med" len="med"/>
+                    </a:lnL>
+                    <a:lnR w="6350" cap="flat" cmpd="sng" algn="ctr">
+                      <a:solidFill>
+                        <a:srgbClr val="000000"/>
+                      </a:solidFill>
+                      <a:prstDash val="solid"/>
+                      <a:round/>
+                      <a:headEnd type="none" w="med" len="med"/>
+                      <a:tailEnd type="none" w="med" len="med"/>
+                    </a:lnR>
+                    <a:lnT w="6350" cap="flat" cmpd="sng" algn="ctr">
+                      <a:solidFill>
+                        <a:srgbClr val="000000"/>
+                      </a:solidFill>
+                      <a:prstDash val="solid"/>
+                      <a:round/>
+                      <a:headEnd type="none" w="med" len="med"/>
+                      <a:tailEnd type="none" w="med" len="med"/>
+                    </a:lnT>
+                    <a:lnB w="6350" cap="flat" cmpd="sng" algn="ctr">
+                      <a:solidFill>
+                        <a:srgbClr val="000000"/>
+                      </a:solidFill>
+                      <a:prstDash val="solid"/>
+                      <a:round/>
+                      <a:headEnd type="none" w="med" len="med"/>
+                      <a:tailEnd type="none" w="med" len="med"/>
+                    </a:lnB>
+                    <a:solidFill>
+                      <a:srgbClr val="FFFFFF"/>
+                    </a:solidFill>
+                  </a:tcPr>
+                </a:tc>
+                <a:tc>
+                  <a:txBody>
+                    <a:bodyPr/>
+                    <a:lstStyle/>
+                    <a:p>
+                      <a:pPr algn="l" fontAlgn="b"/>
+                      <a:r>
+                        <a:rPr lang="en-AT" sz="1000" b="0" i="0" u="none" strike="noStrike">
+                          <a:solidFill>
+                            <a:srgbClr val="000000"/>
+                          </a:solidFill>
+                          <a:effectLst/>
+                          <a:latin typeface="Calibri" panose="020F0502020204030204" pitchFamily="34" charset="0"/>
+                        </a:rPr>
+                        <a:t>0.801 ± 0.032</a:t>
+                      </a:r>
+                    </a:p>
+                  </a:txBody>
+                  <a:tcPr marL="7687" marR="7687" marT="7687" marB="0" anchor="b">
+                    <a:lnL w="6350" cap="flat" cmpd="sng" algn="ctr">
+                      <a:solidFill>
+                        <a:srgbClr val="000000"/>
+                      </a:solidFill>
+                      <a:prstDash val="solid"/>
+                      <a:round/>
+                      <a:headEnd type="none" w="med" len="med"/>
+                      <a:tailEnd type="none" w="med" len="med"/>
+                    </a:lnL>
+                    <a:lnR w="6350" cap="flat" cmpd="sng" algn="ctr">
+                      <a:solidFill>
+                        <a:srgbClr val="000000"/>
+                      </a:solidFill>
+                      <a:prstDash val="solid"/>
+                      <a:round/>
+                      <a:headEnd type="none" w="med" len="med"/>
+                      <a:tailEnd type="none" w="med" len="med"/>
+                    </a:lnR>
+                    <a:lnT w="6350" cap="flat" cmpd="sng" algn="ctr">
+                      <a:solidFill>
+                        <a:srgbClr val="000000"/>
+                      </a:solidFill>
+                      <a:prstDash val="solid"/>
+                      <a:round/>
+                      <a:headEnd type="none" w="med" len="med"/>
+                      <a:tailEnd type="none" w="med" len="med"/>
+                    </a:lnT>
+                    <a:lnB w="6350" cap="flat" cmpd="sng" algn="ctr">
+                      <a:solidFill>
+                        <a:srgbClr val="000000"/>
+                      </a:solidFill>
+                      <a:prstDash val="solid"/>
+                      <a:round/>
+                      <a:headEnd type="none" w="med" len="med"/>
+                      <a:tailEnd type="none" w="med" len="med"/>
+                    </a:lnB>
+                    <a:solidFill>
+                      <a:srgbClr val="FFFFFF"/>
+                    </a:solidFill>
+                  </a:tcPr>
+                </a:tc>
+                <a:extLst>
+                  <a:ext uri="{0D108BD9-81ED-4DB2-BD59-A6C34878D82A}">
+                    <a16:rowId xmlns:a16="http://schemas.microsoft.com/office/drawing/2014/main" val="3792074599"/>
+                  </a:ext>
+                </a:extLst>
+              </a:tr>
+              <a:tr h="153737">
+                <a:tc>
+                  <a:txBody>
+                    <a:bodyPr/>
+                    <a:lstStyle/>
+                    <a:p>
+                      <a:pPr algn="l" fontAlgn="b"/>
+                      <a:r>
+                        <a:rPr lang="en-US" sz="1000" b="0" i="0" u="none" strike="noStrike" dirty="0">
+                          <a:solidFill>
+                            <a:srgbClr val="000000"/>
+                          </a:solidFill>
+                          <a:effectLst/>
+                          <a:latin typeface="Calibri" panose="020F0502020204030204" pitchFamily="34" charset="0"/>
+                        </a:rPr>
+                        <a:t>neural_circuit_policies</a:t>
+                      </a:r>
+                    </a:p>
+                  </a:txBody>
+                  <a:tcPr marL="7687" marR="7687" marT="7687" marB="0" anchor="b">
+                    <a:lnL w="6350" cap="flat" cmpd="sng" algn="ctr">
+                      <a:solidFill>
+                        <a:srgbClr val="000000"/>
+                      </a:solidFill>
+                      <a:prstDash val="solid"/>
+                      <a:round/>
+                      <a:headEnd type="none" w="med" len="med"/>
+                      <a:tailEnd type="none" w="med" len="med"/>
+                    </a:lnL>
+                    <a:lnR w="6350" cap="flat" cmpd="sng" algn="ctr">
+                      <a:solidFill>
+                        <a:srgbClr val="000000"/>
+                      </a:solidFill>
+                      <a:prstDash val="solid"/>
+                      <a:round/>
+                      <a:headEnd type="none" w="med" len="med"/>
+                      <a:tailEnd type="none" w="med" len="med"/>
+                    </a:lnR>
+                    <a:lnT w="6350" cap="flat" cmpd="sng" algn="ctr">
+                      <a:solidFill>
+                        <a:srgbClr val="000000"/>
+                      </a:solidFill>
+                      <a:prstDash val="solid"/>
+                      <a:round/>
+                      <a:headEnd type="none" w="med" len="med"/>
+                      <a:tailEnd type="none" w="med" len="med"/>
+                    </a:lnT>
+                    <a:lnB w="6350" cap="flat" cmpd="sng" algn="ctr">
+                      <a:solidFill>
+                        <a:srgbClr val="000000"/>
+                      </a:solidFill>
+                      <a:prstDash val="solid"/>
+                      <a:round/>
+                      <a:headEnd type="none" w="med" len="med"/>
+                      <a:tailEnd type="none" w="med" len="med"/>
+                    </a:lnB>
+                    <a:solidFill>
+                      <a:srgbClr val="FFFFFF"/>
+                    </a:solidFill>
+                  </a:tcPr>
+                </a:tc>
+                <a:tc>
+                  <a:txBody>
+                    <a:bodyPr/>
+                    <a:lstStyle/>
+                    <a:p>
+                      <a:pPr algn="r" fontAlgn="b"/>
+                      <a:r>
+                        <a:rPr lang="en-AT" sz="1000" b="0" i="0" u="none" strike="noStrike">
+                          <a:solidFill>
+                            <a:srgbClr val="000000"/>
+                          </a:solidFill>
+                          <a:effectLst/>
+                          <a:latin typeface="Calibri" panose="020F0502020204030204" pitchFamily="34" charset="0"/>
+                        </a:rPr>
+                        <a:t>2857</a:t>
+                      </a:r>
+                    </a:p>
+                  </a:txBody>
+                  <a:tcPr marL="7687" marR="7687" marT="7687" marB="0" anchor="b">
+                    <a:lnL w="6350" cap="flat" cmpd="sng" algn="ctr">
+                      <a:solidFill>
+                        <a:srgbClr val="000000"/>
+                      </a:solidFill>
+                      <a:prstDash val="solid"/>
+                      <a:round/>
+                      <a:headEnd type="none" w="med" len="med"/>
+                      <a:tailEnd type="none" w="med" len="med"/>
+                    </a:lnL>
+                    <a:lnR w="6350" cap="flat" cmpd="sng" algn="ctr">
+                      <a:solidFill>
+                        <a:srgbClr val="000000"/>
+                      </a:solidFill>
+                      <a:prstDash val="solid"/>
+                      <a:round/>
+                      <a:headEnd type="none" w="med" len="med"/>
+                      <a:tailEnd type="none" w="med" len="med"/>
+                    </a:lnR>
+                    <a:lnT w="6350" cap="flat" cmpd="sng" algn="ctr">
+                      <a:solidFill>
+                        <a:srgbClr val="000000"/>
+                      </a:solidFill>
+                      <a:prstDash val="solid"/>
+                      <a:round/>
+                      <a:headEnd type="none" w="med" len="med"/>
+                      <a:tailEnd type="none" w="med" len="med"/>
+                    </a:lnT>
+                    <a:lnB w="6350" cap="flat" cmpd="sng" algn="ctr">
+                      <a:solidFill>
+                        <a:srgbClr val="000000"/>
+                      </a:solidFill>
+                      <a:prstDash val="solid"/>
+                      <a:round/>
+                      <a:headEnd type="none" w="med" len="med"/>
+                      <a:tailEnd type="none" w="med" len="med"/>
+                    </a:lnB>
+                    <a:solidFill>
+                      <a:srgbClr val="FFFFFF"/>
+                    </a:solidFill>
+                  </a:tcPr>
+                </a:tc>
+                <a:tc>
+                  <a:txBody>
+                    <a:bodyPr/>
+                    <a:lstStyle/>
+                    <a:p>
+                      <a:pPr algn="l" fontAlgn="b"/>
+                      <a:r>
+                        <a:rPr lang="en-AT" sz="1000" b="0" i="0" u="none" strike="noStrike">
+                          <a:solidFill>
+                            <a:srgbClr val="000000"/>
+                          </a:solidFill>
+                          <a:effectLst/>
+                          <a:latin typeface="Calibri" panose="020F0502020204030204" pitchFamily="34" charset="0"/>
+                        </a:rPr>
+                        <a:t>6353.197 ± 3362.551</a:t>
+                      </a:r>
+                    </a:p>
+                  </a:txBody>
+                  <a:tcPr marL="7687" marR="7687" marT="7687" marB="0" anchor="b">
+                    <a:lnL w="6350" cap="flat" cmpd="sng" algn="ctr">
+                      <a:solidFill>
+                        <a:srgbClr val="000000"/>
+                      </a:solidFill>
+                      <a:prstDash val="solid"/>
+                      <a:round/>
+                      <a:headEnd type="none" w="med" len="med"/>
+                      <a:tailEnd type="none" w="med" len="med"/>
+                    </a:lnL>
+                    <a:lnR w="6350" cap="flat" cmpd="sng" algn="ctr">
+                      <a:solidFill>
+                        <a:srgbClr val="000000"/>
+                      </a:solidFill>
+                      <a:prstDash val="solid"/>
+                      <a:round/>
+                      <a:headEnd type="none" w="med" len="med"/>
+                      <a:tailEnd type="none" w="med" len="med"/>
+                    </a:lnR>
+                    <a:lnT w="6350" cap="flat" cmpd="sng" algn="ctr">
+                      <a:solidFill>
+                        <a:srgbClr val="000000"/>
+                      </a:solidFill>
+                      <a:prstDash val="solid"/>
+                      <a:round/>
+                      <a:headEnd type="none" w="med" len="med"/>
+                      <a:tailEnd type="none" w="med" len="med"/>
+                    </a:lnT>
+                    <a:lnB w="6350" cap="flat" cmpd="sng" algn="ctr">
+                      <a:solidFill>
+                        <a:srgbClr val="000000"/>
+                      </a:solidFill>
+                      <a:prstDash val="solid"/>
+                      <a:round/>
+                      <a:headEnd type="none" w="med" len="med"/>
+                      <a:tailEnd type="none" w="med" len="med"/>
+                    </a:lnB>
+                    <a:solidFill>
+                      <a:srgbClr val="FFFFFF"/>
+                    </a:solidFill>
+                  </a:tcPr>
+                </a:tc>
+                <a:tc>
+                  <a:txBody>
+                    <a:bodyPr/>
+                    <a:lstStyle/>
+                    <a:p>
+                      <a:pPr algn="l" fontAlgn="b"/>
+                      <a:r>
+                        <a:rPr lang="en-AT" sz="1000" b="0" i="0" u="none" strike="noStrike">
+                          <a:solidFill>
+                            <a:srgbClr val="000000"/>
+                          </a:solidFill>
+                          <a:effectLst/>
+                          <a:latin typeface="Calibri" panose="020F0502020204030204" pitchFamily="34" charset="0"/>
+                        </a:rPr>
+                        <a:t>126.264 ± 0.247</a:t>
+                      </a:r>
+                    </a:p>
+                  </a:txBody>
+                  <a:tcPr marL="7687" marR="7687" marT="7687" marB="0" anchor="b">
+                    <a:lnL w="6350" cap="flat" cmpd="sng" algn="ctr">
+                      <a:solidFill>
+                        <a:srgbClr val="000000"/>
+                      </a:solidFill>
+                      <a:prstDash val="solid"/>
+                      <a:round/>
+                      <a:headEnd type="none" w="med" len="med"/>
+                      <a:tailEnd type="none" w="med" len="med"/>
+                    </a:lnL>
+                    <a:lnR w="6350" cap="flat" cmpd="sng" algn="ctr">
+                      <a:solidFill>
+                        <a:srgbClr val="000000"/>
+                      </a:solidFill>
+                      <a:prstDash val="solid"/>
+                      <a:round/>
+                      <a:headEnd type="none" w="med" len="med"/>
+                      <a:tailEnd type="none" w="med" len="med"/>
+                    </a:lnR>
+                    <a:lnT w="6350" cap="flat" cmpd="sng" algn="ctr">
+                      <a:solidFill>
+                        <a:srgbClr val="000000"/>
+                      </a:solidFill>
+                      <a:prstDash val="solid"/>
+                      <a:round/>
+                      <a:headEnd type="none" w="med" len="med"/>
+                      <a:tailEnd type="none" w="med" len="med"/>
+                    </a:lnT>
+                    <a:lnB w="6350" cap="flat" cmpd="sng" algn="ctr">
+                      <a:solidFill>
+                        <a:srgbClr val="000000"/>
+                      </a:solidFill>
+                      <a:prstDash val="solid"/>
+                      <a:round/>
+                      <a:headEnd type="none" w="med" len="med"/>
+                      <a:tailEnd type="none" w="med" len="med"/>
+                    </a:lnB>
+                    <a:solidFill>
+                      <a:srgbClr val="FFFFFF"/>
+                    </a:solidFill>
+                  </a:tcPr>
+                </a:tc>
+                <a:tc>
+                  <a:txBody>
+                    <a:bodyPr/>
+                    <a:lstStyle/>
+                    <a:p>
+                      <a:pPr algn="l" fontAlgn="b"/>
+                      <a:r>
+                        <a:rPr lang="en-AT" sz="1000" b="0" i="0" u="none" strike="noStrike">
+                          <a:solidFill>
+                            <a:srgbClr val="000000"/>
+                          </a:solidFill>
+                          <a:effectLst/>
+                          <a:latin typeface="Calibri" panose="020F0502020204030204" pitchFamily="34" charset="0"/>
+                        </a:rPr>
+                        <a:t>50.333 ± 26.652</a:t>
+                      </a:r>
+                    </a:p>
+                  </a:txBody>
+                  <a:tcPr marL="7687" marR="7687" marT="7687" marB="0" anchor="b">
+                    <a:lnL w="6350" cap="flat" cmpd="sng" algn="ctr">
+                      <a:solidFill>
+                        <a:srgbClr val="000000"/>
+                      </a:solidFill>
+                      <a:prstDash val="solid"/>
+                      <a:round/>
+                      <a:headEnd type="none" w="med" len="med"/>
+                      <a:tailEnd type="none" w="med" len="med"/>
+                    </a:lnL>
+                    <a:lnR w="6350" cap="flat" cmpd="sng" algn="ctr">
+                      <a:solidFill>
+                        <a:srgbClr val="000000"/>
+                      </a:solidFill>
+                      <a:prstDash val="solid"/>
+                      <a:round/>
+                      <a:headEnd type="none" w="med" len="med"/>
+                      <a:tailEnd type="none" w="med" len="med"/>
+                    </a:lnR>
+                    <a:lnT w="6350" cap="flat" cmpd="sng" algn="ctr">
+                      <a:solidFill>
+                        <a:srgbClr val="000000"/>
+                      </a:solidFill>
+                      <a:prstDash val="solid"/>
+                      <a:round/>
+                      <a:headEnd type="none" w="med" len="med"/>
+                      <a:tailEnd type="none" w="med" len="med"/>
+                    </a:lnT>
+                    <a:lnB w="6350" cap="flat" cmpd="sng" algn="ctr">
+                      <a:solidFill>
+                        <a:srgbClr val="000000"/>
+                      </a:solidFill>
+                      <a:prstDash val="solid"/>
+                      <a:round/>
+                      <a:headEnd type="none" w="med" len="med"/>
+                      <a:tailEnd type="none" w="med" len="med"/>
+                    </a:lnB>
+                    <a:solidFill>
+                      <a:srgbClr val="FFFFFF"/>
+                    </a:solidFill>
+                  </a:tcPr>
+                </a:tc>
+                <a:tc>
+                  <a:txBody>
+                    <a:bodyPr/>
+                    <a:lstStyle/>
+                    <a:p>
+                      <a:pPr algn="l" fontAlgn="b"/>
+                      <a:r>
+                        <a:rPr lang="en-AT" sz="1000" b="0" i="0" u="none" strike="noStrike">
+                          <a:solidFill>
+                            <a:srgbClr val="000000"/>
+                          </a:solidFill>
+                          <a:effectLst/>
+                          <a:latin typeface="Calibri" panose="020F0502020204030204" pitchFamily="34" charset="0"/>
+                        </a:rPr>
+                        <a:t>1.088 ± 0.434</a:t>
+                      </a:r>
+                    </a:p>
+                  </a:txBody>
+                  <a:tcPr marL="7687" marR="7687" marT="7687" marB="0" anchor="b">
+                    <a:lnL w="6350" cap="flat" cmpd="sng" algn="ctr">
+                      <a:solidFill>
+                        <a:srgbClr val="000000"/>
+                      </a:solidFill>
+                      <a:prstDash val="solid"/>
+                      <a:round/>
+                      <a:headEnd type="none" w="med" len="med"/>
+                      <a:tailEnd type="none" w="med" len="med"/>
+                    </a:lnL>
+                    <a:lnR w="6350" cap="flat" cmpd="sng" algn="ctr">
+                      <a:solidFill>
+                        <a:srgbClr val="000000"/>
+                      </a:solidFill>
+                      <a:prstDash val="solid"/>
+                      <a:round/>
+                      <a:headEnd type="none" w="med" len="med"/>
+                      <a:tailEnd type="none" w="med" len="med"/>
+                    </a:lnR>
+                    <a:lnT w="6350" cap="flat" cmpd="sng" algn="ctr">
+                      <a:solidFill>
+                        <a:srgbClr val="000000"/>
+                      </a:solidFill>
+                      <a:prstDash val="solid"/>
+                      <a:round/>
+                      <a:headEnd type="none" w="med" len="med"/>
+                      <a:tailEnd type="none" w="med" len="med"/>
+                    </a:lnT>
+                    <a:lnB w="6350" cap="flat" cmpd="sng" algn="ctr">
+                      <a:solidFill>
+                        <a:srgbClr val="000000"/>
+                      </a:solidFill>
+                      <a:prstDash val="solid"/>
+                      <a:round/>
+                      <a:headEnd type="none" w="med" len="med"/>
+                      <a:tailEnd type="none" w="med" len="med"/>
+                    </a:lnB>
+                    <a:solidFill>
+                      <a:srgbClr val="FFFFFF"/>
+                    </a:solidFill>
+                  </a:tcPr>
+                </a:tc>
+                <a:tc>
+                  <a:txBody>
+                    <a:bodyPr/>
+                    <a:lstStyle/>
+                    <a:p>
+                      <a:pPr algn="l" fontAlgn="b"/>
+                      <a:r>
+                        <a:rPr lang="en-AT" sz="1000" b="0" i="0" u="none" strike="noStrike" dirty="0">
+                          <a:solidFill>
+                            <a:srgbClr val="000000"/>
+                          </a:solidFill>
+                          <a:effectLst/>
+                          <a:latin typeface="Calibri" panose="020F0502020204030204" pitchFamily="34" charset="0"/>
+                        </a:rPr>
+                        <a:t>0.603 ± 0.197</a:t>
+                      </a:r>
+                    </a:p>
+                  </a:txBody>
+                  <a:tcPr marL="7687" marR="7687" marT="7687" marB="0" anchor="b">
+                    <a:lnL w="6350" cap="flat" cmpd="sng" algn="ctr">
+                      <a:solidFill>
+                        <a:srgbClr val="000000"/>
+                      </a:solidFill>
+                      <a:prstDash val="solid"/>
+                      <a:round/>
+                      <a:headEnd type="none" w="med" len="med"/>
+                      <a:tailEnd type="none" w="med" len="med"/>
+                    </a:lnL>
+                    <a:lnR w="6350" cap="flat" cmpd="sng" algn="ctr">
+                      <a:solidFill>
+                        <a:srgbClr val="000000"/>
+                      </a:solidFill>
+                      <a:prstDash val="solid"/>
+                      <a:round/>
+                      <a:headEnd type="none" w="med" len="med"/>
+                      <a:tailEnd type="none" w="med" len="med"/>
+                    </a:lnR>
+                    <a:lnT w="6350" cap="flat" cmpd="sng" algn="ctr">
+                      <a:solidFill>
+                        <a:srgbClr val="000000"/>
+                      </a:solidFill>
+                      <a:prstDash val="solid"/>
+                      <a:round/>
+                      <a:headEnd type="none" w="med" len="med"/>
+                      <a:tailEnd type="none" w="med" len="med"/>
+                    </a:lnT>
+                    <a:lnB w="6350" cap="flat" cmpd="sng" algn="ctr">
+                      <a:solidFill>
+                        <a:srgbClr val="000000"/>
+                      </a:solidFill>
+                      <a:prstDash val="solid"/>
+                      <a:round/>
+                      <a:headEnd type="none" w="med" len="med"/>
+                      <a:tailEnd type="none" w="med" len="med"/>
+                    </a:lnB>
+                    <a:solidFill>
+                      <a:srgbClr val="FFFFFF"/>
+                    </a:solidFill>
+                  </a:tcPr>
+                </a:tc>
+                <a:extLst>
+                  <a:ext uri="{0D108BD9-81ED-4DB2-BD59-A6C34878D82A}">
+                    <a16:rowId xmlns:a16="http://schemas.microsoft.com/office/drawing/2014/main" val="3802596779"/>
+                  </a:ext>
+                </a:extLst>
+              </a:tr>
+            </a:tbl>
+          </a:graphicData>
+        </a:graphic>
+      </p:graphicFrame>
+      <p:sp>
+        <p:nvSpPr>
+          <p:cNvPr id="5" name="TextBox 4">
+            <a:extLst>
+              <a:ext uri="{FF2B5EF4-FFF2-40B4-BE49-F238E27FC236}">
+                <a16:creationId xmlns:a16="http://schemas.microsoft.com/office/drawing/2014/main" id="{5F639AD7-E5BC-4F6C-89AB-329CAEA03026}"/>
+              </a:ext>
+            </a:extLst>
+          </p:cNvPr>
+          <p:cNvSpPr txBox="1"/>
+          <p:nvPr/>
+        </p:nvSpPr>
+        <p:spPr>
+          <a:xfrm>
+            <a:off x="5098000" y="4828582"/>
+            <a:ext cx="1995999" cy="369332"/>
+          </a:xfrm>
+          <a:prstGeom prst="rect">
+            <a:avLst/>
+          </a:prstGeom>
+          <a:noFill/>
+        </p:spPr>
+        <p:txBody>
+          <a:bodyPr wrap="square" rtlCol="0">
+            <a:spAutoFit/>
+          </a:bodyPr>
+          <a:lstStyle/>
+          <a:p>
+            <a:r>
+              <a:rPr lang="en-US" dirty="0"/>
+              <a:t>Activity Benchmark </a:t>
+            </a:r>
+            <a:endParaRPr lang="en-AT" dirty="0"/>
+          </a:p>
+        </p:txBody>
+      </p:sp>
+    </p:spTree>
+    <p:extLst>
+      <p:ext uri="{BB962C8B-B14F-4D97-AF65-F5344CB8AC3E}">
+        <p14:creationId xmlns:p14="http://schemas.microsoft.com/office/powerpoint/2010/main" val="977183398"/>
+      </p:ext>
+    </p:extLst>
+  </p:cSld>
+  <p:clrMapOvr>
+    <a:masterClrMapping/>
+  </p:clrMapOvr>
+</p:sld>
+</file>
+
+<file path=ppt/slides/slide21.xml><?xml version="1.0" encoding="utf-8"?>
+<p:sld xmlns:a="http://schemas.openxmlformats.org/drawingml/2006/main" xmlns:r="http://schemas.openxmlformats.org/officeDocument/2006/relationships" xmlns:p="http://schemas.openxmlformats.org/presentationml/2006/main">
+  <p:cSld>
+    <p:spTree>
+      <p:nvGrpSpPr>
+        <p:cNvPr id="1" name=""/>
+        <p:cNvGrpSpPr/>
+        <p:nvPr/>
+      </p:nvGrpSpPr>
+      <p:grpSpPr>
+        <a:xfrm>
+          <a:off x="0" y="0"/>
+          <a:ext cx="0" cy="0"/>
+          <a:chOff x="0" y="0"/>
+          <a:chExt cx="0" cy="0"/>
+        </a:xfrm>
+      </p:grpSpPr>
+      <p:sp>
+        <p:nvSpPr>
+          <p:cNvPr id="2" name="Title 1">
+            <a:extLst>
+              <a:ext uri="{FF2B5EF4-FFF2-40B4-BE49-F238E27FC236}">
+                <a16:creationId xmlns:a16="http://schemas.microsoft.com/office/drawing/2014/main" id="{72305D19-B4CB-44D9-A794-049857219020}"/>
+              </a:ext>
+            </a:extLst>
+          </p:cNvPr>
+          <p:cNvSpPr>
+            <a:spLocks noGrp="1"/>
+          </p:cNvSpPr>
+          <p:nvPr>
+            <p:ph type="title"/>
+          </p:nvPr>
+        </p:nvSpPr>
+        <p:spPr/>
+        <p:txBody>
+          <a:bodyPr/>
+          <a:lstStyle/>
+          <a:p>
+            <a:r>
+              <a:rPr lang="en-US" dirty="0"/>
+              <a:t>Results – Plots</a:t>
+            </a:r>
+            <a:endParaRPr lang="en-AT" dirty="0"/>
+          </a:p>
+        </p:txBody>
+      </p:sp>
+      <p:pic>
+        <p:nvPicPr>
+          <p:cNvPr id="5" name="Picture 4">
+            <a:extLst>
+              <a:ext uri="{FF2B5EF4-FFF2-40B4-BE49-F238E27FC236}">
+                <a16:creationId xmlns:a16="http://schemas.microsoft.com/office/drawing/2014/main" id="{27A6E9FD-A68D-4337-AB8A-C7A94446CB64}"/>
+              </a:ext>
+            </a:extLst>
+          </p:cNvPr>
+          <p:cNvPicPr>
+            <a:picLocks noChangeAspect="1"/>
+          </p:cNvPicPr>
+          <p:nvPr/>
+        </p:nvPicPr>
+        <p:blipFill>
+          <a:blip r:embed="rId2"/>
+          <a:stretch>
+            <a:fillRect/>
+          </a:stretch>
+        </p:blipFill>
+        <p:spPr>
+          <a:xfrm>
+            <a:off x="767786" y="2203527"/>
+            <a:ext cx="5142410" cy="3748226"/>
+          </a:xfrm>
+          <a:prstGeom prst="rect">
+            <a:avLst/>
+          </a:prstGeom>
+        </p:spPr>
+      </p:pic>
+      <p:pic>
+        <p:nvPicPr>
+          <p:cNvPr id="7" name="Picture 6">
+            <a:extLst>
+              <a:ext uri="{FF2B5EF4-FFF2-40B4-BE49-F238E27FC236}">
+                <a16:creationId xmlns:a16="http://schemas.microsoft.com/office/drawing/2014/main" id="{43EC5498-BB78-4982-8DBE-AB42DEEB11EF}"/>
+              </a:ext>
+            </a:extLst>
+          </p:cNvPr>
+          <p:cNvPicPr>
+            <a:picLocks noChangeAspect="1"/>
+          </p:cNvPicPr>
+          <p:nvPr/>
+        </p:nvPicPr>
+        <p:blipFill>
+          <a:blip r:embed="rId3"/>
+          <a:stretch>
+            <a:fillRect/>
+          </a:stretch>
+        </p:blipFill>
+        <p:spPr>
+          <a:xfrm>
+            <a:off x="6474822" y="2280173"/>
+            <a:ext cx="4949392" cy="3671580"/>
+          </a:xfrm>
+          <a:prstGeom prst="rect">
+            <a:avLst/>
+          </a:prstGeom>
+        </p:spPr>
+      </p:pic>
+    </p:spTree>
+    <p:extLst>
+      <p:ext uri="{BB962C8B-B14F-4D97-AF65-F5344CB8AC3E}">
+        <p14:creationId xmlns:p14="http://schemas.microsoft.com/office/powerpoint/2010/main" val="2668078275"/>
+      </p:ext>
+    </p:extLst>
+  </p:cSld>
+  <p:clrMapOvr>
+    <a:masterClrMapping/>
+  </p:clrMapOvr>
+</p:sld>
+</file>
+
+<file path=ppt/slides/slide22.xml><?xml version="1.0" encoding="utf-8"?>
+<p:sld xmlns:a="http://schemas.openxmlformats.org/drawingml/2006/main" xmlns:r="http://schemas.openxmlformats.org/officeDocument/2006/relationships" xmlns:p="http://schemas.openxmlformats.org/presentationml/2006/main">
+  <p:cSld>
+    <p:spTree>
+      <p:nvGrpSpPr>
+        <p:cNvPr id="1" name=""/>
+        <p:cNvGrpSpPr/>
+        <p:nvPr/>
+      </p:nvGrpSpPr>
+      <p:grpSpPr>
+        <a:xfrm>
+          <a:off x="0" y="0"/>
+          <a:ext cx="0" cy="0"/>
+          <a:chOff x="0" y="0"/>
+          <a:chExt cx="0" cy="0"/>
+        </a:xfrm>
+      </p:grpSpPr>
+      <p:sp>
+        <p:nvSpPr>
+          <p:cNvPr id="2" name="Title 1">
+            <a:extLst>
+              <a:ext uri="{FF2B5EF4-FFF2-40B4-BE49-F238E27FC236}">
                 <a16:creationId xmlns:a16="http://schemas.microsoft.com/office/drawing/2014/main" id="{705B19CC-E2E9-411D-B26E-0E3D8B9A13B2}"/>
               </a:ext>
             </a:extLst>
@@ -13110,7 +19819,7 @@
           <a:p>
             <a:r>
               <a:rPr lang="en-US" dirty="0"/>
-              <a:t>explore initialization strategies for the Matrix Exponential Unitary RNN and the Memory Augmented Transformer </a:t>
+              <a:t>explore initialization strategies for the Matrix Exponential Unitary RNN and the Memory Augmented Transformer</a:t>
             </a:r>
           </a:p>
           <a:p>
@@ -14322,7 +21031,7 @@
         </p:nvGrpSpPr>
         <p:grpSpPr>
           <a:xfrm>
-            <a:off x="7060157" y="562101"/>
+            <a:off x="7947924" y="768088"/>
             <a:ext cx="3518594" cy="5321824"/>
             <a:chOff x="7060157" y="562101"/>
             <a:chExt cx="3518594" cy="5321824"/>

--- a/thesis/presentations/thesis_presentation.pptx
+++ b/thesis/presentations/thesis_presentation.pptx
@@ -5305,7 +5305,7 @@
                     <a:p>
                       <a:pPr algn="l" fontAlgn="b"/>
                       <a:r>
-                        <a:rPr lang="en-AT" sz="1000" b="0" u="none" strike="noStrike">
+                        <a:rPr lang="en-AT" sz="1000" b="0" u="none" strike="noStrike" dirty="0">
                           <a:solidFill>
                             <a:schemeClr val="tx1"/>
                           </a:solidFill>
@@ -5313,7 +5313,7 @@
                         </a:rPr>
                         <a:t>51.333 ± 6.028</a:t>
                       </a:r>
-                      <a:endParaRPr lang="en-AT" sz="1000" b="0" i="0" u="none" strike="noStrike">
+                      <a:endParaRPr lang="en-AT" sz="1000" b="0" i="0" u="none" strike="noStrike" dirty="0">
                         <a:solidFill>
                           <a:schemeClr val="tx1"/>
                         </a:solidFill>
@@ -5368,7 +5368,7 @@
                     <a:p>
                       <a:pPr algn="l" fontAlgn="b"/>
                       <a:r>
-                        <a:rPr lang="en-AT" sz="1000" b="0" u="none" strike="noStrike">
+                        <a:rPr lang="en-AT" sz="1000" b="0" u="none" strike="noStrike" dirty="0">
                           <a:solidFill>
                             <a:schemeClr val="tx1"/>
                           </a:solidFill>
@@ -5376,7 +5376,7 @@
                         </a:rPr>
                         <a:t>0.022 ± 0.032</a:t>
                       </a:r>
-                      <a:endParaRPr lang="en-AT" sz="1000" b="0" i="0" u="none" strike="noStrike">
+                      <a:endParaRPr lang="en-AT" sz="1000" b="0" i="0" u="none" strike="noStrike" dirty="0">
                         <a:solidFill>
                           <a:schemeClr val="tx1"/>
                         </a:solidFill>
@@ -6589,7 +6589,7 @@
                     <a:p>
                       <a:pPr algn="l" fontAlgn="b"/>
                       <a:r>
-                        <a:rPr lang="en-AT" sz="1000" b="0" u="none" strike="noStrike">
+                        <a:rPr lang="en-AT" sz="1000" b="0" u="none" strike="noStrike" dirty="0">
                           <a:solidFill>
                             <a:schemeClr val="tx1"/>
                           </a:solidFill>
@@ -6597,7 +6597,7 @@
                         </a:rPr>
                         <a:t>282.500 ± 2.493</a:t>
                       </a:r>
-                      <a:endParaRPr lang="en-AT" sz="1000" b="0" i="0" u="none" strike="noStrike">
+                      <a:endParaRPr lang="en-AT" sz="1000" b="0" i="0" u="none" strike="noStrike" dirty="0">
                         <a:solidFill>
                           <a:schemeClr val="tx1"/>
                         </a:solidFill>
@@ -6778,7 +6778,7 @@
                     <a:p>
                       <a:pPr algn="l" fontAlgn="b"/>
                       <a:r>
-                        <a:rPr lang="en-AT" sz="1000" b="0" u="none" strike="noStrike">
+                        <a:rPr lang="en-AT" sz="1000" b="0" u="none" strike="noStrike" dirty="0">
                           <a:solidFill>
                             <a:schemeClr val="tx1"/>
                           </a:solidFill>
@@ -6786,7 +6786,7 @@
                         </a:rPr>
                         <a:t>1.000 ± 0.000</a:t>
                       </a:r>
-                      <a:endParaRPr lang="en-AT" sz="1000" b="0" i="0" u="none" strike="noStrike">
+                      <a:endParaRPr lang="en-AT" sz="1000" b="0" i="0" u="none" strike="noStrike" dirty="0">
                         <a:solidFill>
                           <a:schemeClr val="tx1"/>
                         </a:solidFill>
